--- a/Test/Presentations/Iteration 3.pptx
+++ b/Test/Presentations/Iteration 3.pptx
@@ -2,8 +2,11 @@
 <file path=ppt/presentation.xml><?xml version="1.0" encoding="utf-8"?>
 <p:presentation xmlns:a="http://schemas.openxmlformats.org/drawingml/2006/main" xmlns:r="http://schemas.openxmlformats.org/officeDocument/2006/relationships" xmlns:p="http://schemas.openxmlformats.org/presentationml/2006/main" saveSubsetFonts="1">
   <p:sldMasterIdLst>
-    <p:sldMasterId id="2147483660" r:id="rId1"/>
+    <p:sldMasterId id="2147483738" r:id="rId1"/>
   </p:sldMasterIdLst>
+  <p:notesMasterIdLst>
+    <p:notesMasterId r:id="rId16"/>
+  </p:notesMasterIdLst>
   <p:sldIdLst>
     <p:sldId id="256" r:id="rId2"/>
     <p:sldId id="257" r:id="rId3"/>
@@ -12,7 +15,13 @@
     <p:sldId id="260" r:id="rId6"/>
     <p:sldId id="261" r:id="rId7"/>
     <p:sldId id="262" r:id="rId8"/>
-    <p:sldId id="263" r:id="rId9"/>
+    <p:sldId id="266" r:id="rId9"/>
+    <p:sldId id="263" r:id="rId10"/>
+    <p:sldId id="264" r:id="rId11"/>
+    <p:sldId id="265" r:id="rId12"/>
+    <p:sldId id="267" r:id="rId13"/>
+    <p:sldId id="268" r:id="rId14"/>
+    <p:sldId id="269" r:id="rId15"/>
   </p:sldIdLst>
   <p:sldSz cx="9144000" cy="6858000" type="screen4x3"/>
   <p:notesSz cx="6858000" cy="9144000"/>
@@ -111,7 +120,1619 @@
       </a:defRPr>
     </a:lvl9pPr>
   </p:defaultTextStyle>
+  <p:extLst>
+    <p:ext uri="{EFAFB233-063F-42B5-8137-9DF3F51BA10A}">
+      <p15:sldGuideLst xmlns:p15="http://schemas.microsoft.com/office/powerpoint/2012/main"/>
+    </p:ext>
+  </p:extLst>
 </p:presentation>
+</file>
+
+<file path=ppt/notesMasters/notesMaster1.xml><?xml version="1.0" encoding="utf-8"?>
+<p:notesMaster xmlns:a="http://schemas.openxmlformats.org/drawingml/2006/main" xmlns:r="http://schemas.openxmlformats.org/officeDocument/2006/relationships" xmlns:p="http://schemas.openxmlformats.org/presentationml/2006/main">
+  <p:cSld>
+    <p:bg>
+      <p:bgRef idx="1001">
+        <a:schemeClr val="bg1"/>
+      </p:bgRef>
+    </p:bg>
+    <p:spTree>
+      <p:nvGrpSpPr>
+        <p:cNvPr id="1" name=""/>
+        <p:cNvGrpSpPr/>
+        <p:nvPr/>
+      </p:nvGrpSpPr>
+      <p:grpSpPr>
+        <a:xfrm>
+          <a:off x="0" y="0"/>
+          <a:ext cx="0" cy="0"/>
+          <a:chOff x="0" y="0"/>
+          <a:chExt cx="0" cy="0"/>
+        </a:xfrm>
+      </p:grpSpPr>
+      <p:sp>
+        <p:nvSpPr>
+          <p:cNvPr id="2" name="Header Placeholder 1"/>
+          <p:cNvSpPr>
+            <a:spLocks noGrp="1"/>
+          </p:cNvSpPr>
+          <p:nvPr>
+            <p:ph type="hdr" sz="quarter"/>
+          </p:nvPr>
+        </p:nvSpPr>
+        <p:spPr>
+          <a:xfrm>
+            <a:off x="0" y="0"/>
+            <a:ext cx="2971800" cy="458788"/>
+          </a:xfrm>
+          <a:prstGeom prst="rect">
+            <a:avLst/>
+          </a:prstGeom>
+        </p:spPr>
+        <p:txBody>
+          <a:bodyPr vert="horz" lIns="91440" tIns="45720" rIns="91440" bIns="45720" rtlCol="0"/>
+          <a:lstStyle>
+            <a:lvl1pPr algn="l">
+              <a:defRPr sz="1200"/>
+            </a:lvl1pPr>
+          </a:lstStyle>
+          <a:p>
+            <a:endParaRPr lang="en-US"/>
+          </a:p>
+        </p:txBody>
+      </p:sp>
+      <p:sp>
+        <p:nvSpPr>
+          <p:cNvPr id="3" name="Date Placeholder 2"/>
+          <p:cNvSpPr>
+            <a:spLocks noGrp="1"/>
+          </p:cNvSpPr>
+          <p:nvPr>
+            <p:ph type="dt" idx="1"/>
+          </p:nvPr>
+        </p:nvSpPr>
+        <p:spPr>
+          <a:xfrm>
+            <a:off x="3884613" y="0"/>
+            <a:ext cx="2971800" cy="458788"/>
+          </a:xfrm>
+          <a:prstGeom prst="rect">
+            <a:avLst/>
+          </a:prstGeom>
+        </p:spPr>
+        <p:txBody>
+          <a:bodyPr vert="horz" lIns="91440" tIns="45720" rIns="91440" bIns="45720" rtlCol="0"/>
+          <a:lstStyle>
+            <a:lvl1pPr algn="r">
+              <a:defRPr sz="1200"/>
+            </a:lvl1pPr>
+          </a:lstStyle>
+          <a:p>
+            <a:fld id="{2C7CE36A-6537-48C9-86A7-C5BB40560095}" type="datetimeFigureOut">
+              <a:rPr lang="en-US" smtClean="0"/>
+              <a:t>18-Nov-15</a:t>
+            </a:fld>
+            <a:endParaRPr lang="en-US"/>
+          </a:p>
+        </p:txBody>
+      </p:sp>
+      <p:sp>
+        <p:nvSpPr>
+          <p:cNvPr id="4" name="Slide Image Placeholder 3"/>
+          <p:cNvSpPr>
+            <a:spLocks noGrp="1" noRot="1" noChangeAspect="1"/>
+          </p:cNvSpPr>
+          <p:nvPr>
+            <p:ph type="sldImg" idx="2"/>
+          </p:nvPr>
+        </p:nvSpPr>
+        <p:spPr>
+          <a:xfrm>
+            <a:off x="1371600" y="1143000"/>
+            <a:ext cx="4114800" cy="3086100"/>
+          </a:xfrm>
+          <a:prstGeom prst="rect">
+            <a:avLst/>
+          </a:prstGeom>
+          <a:noFill/>
+          <a:ln w="12700">
+            <a:solidFill>
+              <a:prstClr val="black"/>
+            </a:solidFill>
+          </a:ln>
+        </p:spPr>
+        <p:txBody>
+          <a:bodyPr vert="horz" lIns="91440" tIns="45720" rIns="91440" bIns="45720" rtlCol="0" anchor="ctr"/>
+          <a:lstStyle/>
+          <a:p>
+            <a:endParaRPr lang="en-US"/>
+          </a:p>
+        </p:txBody>
+      </p:sp>
+      <p:sp>
+        <p:nvSpPr>
+          <p:cNvPr id="5" name="Notes Placeholder 4"/>
+          <p:cNvSpPr>
+            <a:spLocks noGrp="1"/>
+          </p:cNvSpPr>
+          <p:nvPr>
+            <p:ph type="body" sz="quarter" idx="3"/>
+          </p:nvPr>
+        </p:nvSpPr>
+        <p:spPr>
+          <a:xfrm>
+            <a:off x="685800" y="4400550"/>
+            <a:ext cx="5486400" cy="3600450"/>
+          </a:xfrm>
+          <a:prstGeom prst="rect">
+            <a:avLst/>
+          </a:prstGeom>
+        </p:spPr>
+        <p:txBody>
+          <a:bodyPr vert="horz" lIns="91440" tIns="45720" rIns="91440" bIns="45720" rtlCol="0"/>
+          <a:lstStyle/>
+          <a:p>
+            <a:pPr lvl="0"/>
+            <a:r>
+              <a:rPr lang="en-US" smtClean="0"/>
+              <a:t>Click to edit Master text styles</a:t>
+            </a:r>
+          </a:p>
+          <a:p>
+            <a:pPr lvl="1"/>
+            <a:r>
+              <a:rPr lang="en-US" smtClean="0"/>
+              <a:t>Second level</a:t>
+            </a:r>
+          </a:p>
+          <a:p>
+            <a:pPr lvl="2"/>
+            <a:r>
+              <a:rPr lang="en-US" smtClean="0"/>
+              <a:t>Third level</a:t>
+            </a:r>
+          </a:p>
+          <a:p>
+            <a:pPr lvl="3"/>
+            <a:r>
+              <a:rPr lang="en-US" smtClean="0"/>
+              <a:t>Fourth level</a:t>
+            </a:r>
+          </a:p>
+          <a:p>
+            <a:pPr lvl="4"/>
+            <a:r>
+              <a:rPr lang="en-US" smtClean="0"/>
+              <a:t>Fifth level</a:t>
+            </a:r>
+            <a:endParaRPr lang="en-US"/>
+          </a:p>
+        </p:txBody>
+      </p:sp>
+      <p:sp>
+        <p:nvSpPr>
+          <p:cNvPr id="6" name="Footer Placeholder 5"/>
+          <p:cNvSpPr>
+            <a:spLocks noGrp="1"/>
+          </p:cNvSpPr>
+          <p:nvPr>
+            <p:ph type="ftr" sz="quarter" idx="4"/>
+          </p:nvPr>
+        </p:nvSpPr>
+        <p:spPr>
+          <a:xfrm>
+            <a:off x="0" y="8685213"/>
+            <a:ext cx="2971800" cy="458787"/>
+          </a:xfrm>
+          <a:prstGeom prst="rect">
+            <a:avLst/>
+          </a:prstGeom>
+        </p:spPr>
+        <p:txBody>
+          <a:bodyPr vert="horz" lIns="91440" tIns="45720" rIns="91440" bIns="45720" rtlCol="0" anchor="b"/>
+          <a:lstStyle>
+            <a:lvl1pPr algn="l">
+              <a:defRPr sz="1200"/>
+            </a:lvl1pPr>
+          </a:lstStyle>
+          <a:p>
+            <a:endParaRPr lang="en-US"/>
+          </a:p>
+        </p:txBody>
+      </p:sp>
+      <p:sp>
+        <p:nvSpPr>
+          <p:cNvPr id="7" name="Slide Number Placeholder 6"/>
+          <p:cNvSpPr>
+            <a:spLocks noGrp="1"/>
+          </p:cNvSpPr>
+          <p:nvPr>
+            <p:ph type="sldNum" sz="quarter" idx="5"/>
+          </p:nvPr>
+        </p:nvSpPr>
+        <p:spPr>
+          <a:xfrm>
+            <a:off x="3884613" y="8685213"/>
+            <a:ext cx="2971800" cy="458787"/>
+          </a:xfrm>
+          <a:prstGeom prst="rect">
+            <a:avLst/>
+          </a:prstGeom>
+        </p:spPr>
+        <p:txBody>
+          <a:bodyPr vert="horz" lIns="91440" tIns="45720" rIns="91440" bIns="45720" rtlCol="0" anchor="b"/>
+          <a:lstStyle>
+            <a:lvl1pPr algn="r">
+              <a:defRPr sz="1200"/>
+            </a:lvl1pPr>
+          </a:lstStyle>
+          <a:p>
+            <a:fld id="{D67E1E7E-CEC6-415A-B3C6-3A55A65B43EF}" type="slidenum">
+              <a:rPr lang="en-US" smtClean="0"/>
+              <a:t>‹#›</a:t>
+            </a:fld>
+            <a:endParaRPr lang="en-US"/>
+          </a:p>
+        </p:txBody>
+      </p:sp>
+    </p:spTree>
+    <p:extLst>
+      <p:ext uri="{BB962C8B-B14F-4D97-AF65-F5344CB8AC3E}">
+        <p14:creationId xmlns:p14="http://schemas.microsoft.com/office/powerpoint/2010/main" val="3583315817"/>
+      </p:ext>
+    </p:extLst>
+  </p:cSld>
+  <p:clrMap bg1="lt1" tx1="dk1" bg2="lt2" tx2="dk2" accent1="accent1" accent2="accent2" accent3="accent3" accent4="accent4" accent5="accent5" accent6="accent6" hlink="hlink" folHlink="folHlink"/>
+  <p:notesStyle>
+    <a:lvl1pPr marL="0" algn="l" defTabSz="914400" rtl="0" eaLnBrk="1" latinLnBrk="0" hangingPunct="1">
+      <a:defRPr sz="1200" kern="1200">
+        <a:solidFill>
+          <a:schemeClr val="tx1"/>
+        </a:solidFill>
+        <a:latin typeface="+mn-lt"/>
+        <a:ea typeface="+mn-ea"/>
+        <a:cs typeface="+mn-cs"/>
+      </a:defRPr>
+    </a:lvl1pPr>
+    <a:lvl2pPr marL="457200" algn="l" defTabSz="914400" rtl="0" eaLnBrk="1" latinLnBrk="0" hangingPunct="1">
+      <a:defRPr sz="1200" kern="1200">
+        <a:solidFill>
+          <a:schemeClr val="tx1"/>
+        </a:solidFill>
+        <a:latin typeface="+mn-lt"/>
+        <a:ea typeface="+mn-ea"/>
+        <a:cs typeface="+mn-cs"/>
+      </a:defRPr>
+    </a:lvl2pPr>
+    <a:lvl3pPr marL="914400" algn="l" defTabSz="914400" rtl="0" eaLnBrk="1" latinLnBrk="0" hangingPunct="1">
+      <a:defRPr sz="1200" kern="1200">
+        <a:solidFill>
+          <a:schemeClr val="tx1"/>
+        </a:solidFill>
+        <a:latin typeface="+mn-lt"/>
+        <a:ea typeface="+mn-ea"/>
+        <a:cs typeface="+mn-cs"/>
+      </a:defRPr>
+    </a:lvl3pPr>
+    <a:lvl4pPr marL="1371600" algn="l" defTabSz="914400" rtl="0" eaLnBrk="1" latinLnBrk="0" hangingPunct="1">
+      <a:defRPr sz="1200" kern="1200">
+        <a:solidFill>
+          <a:schemeClr val="tx1"/>
+        </a:solidFill>
+        <a:latin typeface="+mn-lt"/>
+        <a:ea typeface="+mn-ea"/>
+        <a:cs typeface="+mn-cs"/>
+      </a:defRPr>
+    </a:lvl4pPr>
+    <a:lvl5pPr marL="1828800" algn="l" defTabSz="914400" rtl="0" eaLnBrk="1" latinLnBrk="0" hangingPunct="1">
+      <a:defRPr sz="1200" kern="1200">
+        <a:solidFill>
+          <a:schemeClr val="tx1"/>
+        </a:solidFill>
+        <a:latin typeface="+mn-lt"/>
+        <a:ea typeface="+mn-ea"/>
+        <a:cs typeface="+mn-cs"/>
+      </a:defRPr>
+    </a:lvl5pPr>
+    <a:lvl6pPr marL="2286000" algn="l" defTabSz="914400" rtl="0" eaLnBrk="1" latinLnBrk="0" hangingPunct="1">
+      <a:defRPr sz="1200" kern="1200">
+        <a:solidFill>
+          <a:schemeClr val="tx1"/>
+        </a:solidFill>
+        <a:latin typeface="+mn-lt"/>
+        <a:ea typeface="+mn-ea"/>
+        <a:cs typeface="+mn-cs"/>
+      </a:defRPr>
+    </a:lvl6pPr>
+    <a:lvl7pPr marL="2743200" algn="l" defTabSz="914400" rtl="0" eaLnBrk="1" latinLnBrk="0" hangingPunct="1">
+      <a:defRPr sz="1200" kern="1200">
+        <a:solidFill>
+          <a:schemeClr val="tx1"/>
+        </a:solidFill>
+        <a:latin typeface="+mn-lt"/>
+        <a:ea typeface="+mn-ea"/>
+        <a:cs typeface="+mn-cs"/>
+      </a:defRPr>
+    </a:lvl7pPr>
+    <a:lvl8pPr marL="3200400" algn="l" defTabSz="914400" rtl="0" eaLnBrk="1" latinLnBrk="0" hangingPunct="1">
+      <a:defRPr sz="1200" kern="1200">
+        <a:solidFill>
+          <a:schemeClr val="tx1"/>
+        </a:solidFill>
+        <a:latin typeface="+mn-lt"/>
+        <a:ea typeface="+mn-ea"/>
+        <a:cs typeface="+mn-cs"/>
+      </a:defRPr>
+    </a:lvl8pPr>
+    <a:lvl9pPr marL="3657600" algn="l" defTabSz="914400" rtl="0" eaLnBrk="1" latinLnBrk="0" hangingPunct="1">
+      <a:defRPr sz="1200" kern="1200">
+        <a:solidFill>
+          <a:schemeClr val="tx1"/>
+        </a:solidFill>
+        <a:latin typeface="+mn-lt"/>
+        <a:ea typeface="+mn-ea"/>
+        <a:cs typeface="+mn-cs"/>
+      </a:defRPr>
+    </a:lvl9pPr>
+  </p:notesStyle>
+</p:notesMaster>
+</file>
+
+<file path=ppt/notesSlides/notesSlide1.xml><?xml version="1.0" encoding="utf-8"?>
+<p:notes xmlns:a="http://schemas.openxmlformats.org/drawingml/2006/main" xmlns:r="http://schemas.openxmlformats.org/officeDocument/2006/relationships" xmlns:p="http://schemas.openxmlformats.org/presentationml/2006/main">
+  <p:cSld>
+    <p:spTree>
+      <p:nvGrpSpPr>
+        <p:cNvPr id="1" name=""/>
+        <p:cNvGrpSpPr/>
+        <p:nvPr/>
+      </p:nvGrpSpPr>
+      <p:grpSpPr>
+        <a:xfrm>
+          <a:off x="0" y="0"/>
+          <a:ext cx="0" cy="0"/>
+          <a:chOff x="0" y="0"/>
+          <a:chExt cx="0" cy="0"/>
+        </a:xfrm>
+      </p:grpSpPr>
+      <p:sp>
+        <p:nvSpPr>
+          <p:cNvPr id="2" name="Slide Image Placeholder 1"/>
+          <p:cNvSpPr>
+            <a:spLocks noGrp="1" noRot="1" noChangeAspect="1"/>
+          </p:cNvSpPr>
+          <p:nvPr>
+            <p:ph type="sldImg"/>
+          </p:nvPr>
+        </p:nvSpPr>
+        <p:spPr/>
+      </p:sp>
+      <p:sp>
+        <p:nvSpPr>
+          <p:cNvPr id="3" name="Notes Placeholder 2"/>
+          <p:cNvSpPr>
+            <a:spLocks noGrp="1"/>
+          </p:cNvSpPr>
+          <p:nvPr>
+            <p:ph type="body" idx="1"/>
+          </p:nvPr>
+        </p:nvSpPr>
+        <p:spPr/>
+        <p:txBody>
+          <a:bodyPr/>
+          <a:lstStyle/>
+          <a:p>
+            <a:r>
+              <a:rPr lang="en-US" dirty="0" smtClean="0"/>
+              <a:t>Mason starts the intro</a:t>
+            </a:r>
+            <a:r>
+              <a:rPr lang="en-US" baseline="0" dirty="0" smtClean="0"/>
+              <a:t> </a:t>
+            </a:r>
+            <a:r>
+              <a:rPr lang="en-US" baseline="0" dirty="0" err="1" smtClean="0"/>
+              <a:t>etc</a:t>
+            </a:r>
+            <a:endParaRPr lang="en-US" dirty="0"/>
+          </a:p>
+        </p:txBody>
+      </p:sp>
+      <p:sp>
+        <p:nvSpPr>
+          <p:cNvPr id="4" name="Slide Number Placeholder 3"/>
+          <p:cNvSpPr>
+            <a:spLocks noGrp="1"/>
+          </p:cNvSpPr>
+          <p:nvPr>
+            <p:ph type="sldNum" sz="quarter" idx="10"/>
+          </p:nvPr>
+        </p:nvSpPr>
+        <p:spPr/>
+        <p:txBody>
+          <a:bodyPr/>
+          <a:lstStyle/>
+          <a:p>
+            <a:fld id="{D67E1E7E-CEC6-415A-B3C6-3A55A65B43EF}" type="slidenum">
+              <a:rPr lang="en-US" smtClean="0"/>
+              <a:t>1</a:t>
+            </a:fld>
+            <a:endParaRPr lang="en-US"/>
+          </a:p>
+        </p:txBody>
+      </p:sp>
+    </p:spTree>
+    <p:extLst>
+      <p:ext uri="{BB962C8B-B14F-4D97-AF65-F5344CB8AC3E}">
+        <p14:creationId xmlns:p14="http://schemas.microsoft.com/office/powerpoint/2010/main" val="1649788188"/>
+      </p:ext>
+    </p:extLst>
+  </p:cSld>
+  <p:clrMapOvr>
+    <a:masterClrMapping/>
+  </p:clrMapOvr>
+</p:notes>
+</file>
+
+<file path=ppt/notesSlides/notesSlide10.xml><?xml version="1.0" encoding="utf-8"?>
+<p:notes xmlns:a="http://schemas.openxmlformats.org/drawingml/2006/main" xmlns:r="http://schemas.openxmlformats.org/officeDocument/2006/relationships" xmlns:p="http://schemas.openxmlformats.org/presentationml/2006/main">
+  <p:cSld>
+    <p:spTree>
+      <p:nvGrpSpPr>
+        <p:cNvPr id="1" name=""/>
+        <p:cNvGrpSpPr/>
+        <p:nvPr/>
+      </p:nvGrpSpPr>
+      <p:grpSpPr>
+        <a:xfrm>
+          <a:off x="0" y="0"/>
+          <a:ext cx="0" cy="0"/>
+          <a:chOff x="0" y="0"/>
+          <a:chExt cx="0" cy="0"/>
+        </a:xfrm>
+      </p:grpSpPr>
+      <p:sp>
+        <p:nvSpPr>
+          <p:cNvPr id="2" name="Slide Image Placeholder 1"/>
+          <p:cNvSpPr>
+            <a:spLocks noGrp="1" noRot="1" noChangeAspect="1"/>
+          </p:cNvSpPr>
+          <p:nvPr>
+            <p:ph type="sldImg"/>
+          </p:nvPr>
+        </p:nvSpPr>
+        <p:spPr/>
+      </p:sp>
+      <p:sp>
+        <p:nvSpPr>
+          <p:cNvPr id="3" name="Notes Placeholder 2"/>
+          <p:cNvSpPr>
+            <a:spLocks noGrp="1"/>
+          </p:cNvSpPr>
+          <p:nvPr>
+            <p:ph type="body" idx="1"/>
+          </p:nvPr>
+        </p:nvSpPr>
+        <p:spPr/>
+        <p:txBody>
+          <a:bodyPr/>
+          <a:lstStyle/>
+          <a:p>
+            <a:r>
+              <a:rPr lang="en-US" dirty="0" smtClean="0"/>
+              <a:t>Sam</a:t>
+            </a:r>
+          </a:p>
+          <a:p>
+            <a:endParaRPr lang="en-US" dirty="0" smtClean="0"/>
+          </a:p>
+          <a:p>
+            <a:r>
+              <a:rPr lang="en-US" dirty="0" smtClean="0"/>
+              <a:t>PHP</a:t>
+            </a:r>
+            <a:r>
+              <a:rPr lang="en-US" baseline="0" dirty="0" smtClean="0"/>
+              <a:t> script queries the database and creates an array from each column in the database</a:t>
+            </a:r>
+          </a:p>
+          <a:p>
+            <a:r>
+              <a:rPr lang="en-US" baseline="0" dirty="0" smtClean="0"/>
+              <a:t>This leads to each point in the array being about the same swimming location e.g. the first row of data is held in index [0] in each of the array’s</a:t>
+            </a:r>
+          </a:p>
+          <a:p>
+            <a:r>
+              <a:rPr lang="en-US" baseline="0" dirty="0" smtClean="0"/>
+              <a:t>JSON encoding allows the arrays that PHP made to be readable by the </a:t>
+            </a:r>
+            <a:r>
+              <a:rPr lang="en-US" baseline="0" dirty="0" err="1" smtClean="0"/>
+              <a:t>javascript</a:t>
+            </a:r>
+            <a:endParaRPr lang="en-US" baseline="0" dirty="0" smtClean="0"/>
+          </a:p>
+          <a:p>
+            <a:endParaRPr lang="en-US" dirty="0"/>
+          </a:p>
+        </p:txBody>
+      </p:sp>
+      <p:sp>
+        <p:nvSpPr>
+          <p:cNvPr id="4" name="Slide Number Placeholder 3"/>
+          <p:cNvSpPr>
+            <a:spLocks noGrp="1"/>
+          </p:cNvSpPr>
+          <p:nvPr>
+            <p:ph type="sldNum" sz="quarter" idx="10"/>
+          </p:nvPr>
+        </p:nvSpPr>
+        <p:spPr/>
+        <p:txBody>
+          <a:bodyPr/>
+          <a:lstStyle/>
+          <a:p>
+            <a:fld id="{D67E1E7E-CEC6-415A-B3C6-3A55A65B43EF}" type="slidenum">
+              <a:rPr lang="en-US" smtClean="0"/>
+              <a:t>10</a:t>
+            </a:fld>
+            <a:endParaRPr lang="en-US"/>
+          </a:p>
+        </p:txBody>
+      </p:sp>
+    </p:spTree>
+    <p:extLst>
+      <p:ext uri="{BB962C8B-B14F-4D97-AF65-F5344CB8AC3E}">
+        <p14:creationId xmlns:p14="http://schemas.microsoft.com/office/powerpoint/2010/main" val="3160542675"/>
+      </p:ext>
+    </p:extLst>
+  </p:cSld>
+  <p:clrMapOvr>
+    <a:masterClrMapping/>
+  </p:clrMapOvr>
+</p:notes>
+</file>
+
+<file path=ppt/notesSlides/notesSlide11.xml><?xml version="1.0" encoding="utf-8"?>
+<p:notes xmlns:a="http://schemas.openxmlformats.org/drawingml/2006/main" xmlns:r="http://schemas.openxmlformats.org/officeDocument/2006/relationships" xmlns:p="http://schemas.openxmlformats.org/presentationml/2006/main">
+  <p:cSld>
+    <p:spTree>
+      <p:nvGrpSpPr>
+        <p:cNvPr id="1" name=""/>
+        <p:cNvGrpSpPr/>
+        <p:nvPr/>
+      </p:nvGrpSpPr>
+      <p:grpSpPr>
+        <a:xfrm>
+          <a:off x="0" y="0"/>
+          <a:ext cx="0" cy="0"/>
+          <a:chOff x="0" y="0"/>
+          <a:chExt cx="0" cy="0"/>
+        </a:xfrm>
+      </p:grpSpPr>
+      <p:sp>
+        <p:nvSpPr>
+          <p:cNvPr id="2" name="Slide Image Placeholder 1"/>
+          <p:cNvSpPr>
+            <a:spLocks noGrp="1" noRot="1" noChangeAspect="1"/>
+          </p:cNvSpPr>
+          <p:nvPr>
+            <p:ph type="sldImg"/>
+          </p:nvPr>
+        </p:nvSpPr>
+        <p:spPr/>
+      </p:sp>
+      <p:sp>
+        <p:nvSpPr>
+          <p:cNvPr id="3" name="Notes Placeholder 2"/>
+          <p:cNvSpPr>
+            <a:spLocks noGrp="1"/>
+          </p:cNvSpPr>
+          <p:nvPr>
+            <p:ph type="body" idx="1"/>
+          </p:nvPr>
+        </p:nvSpPr>
+        <p:spPr/>
+        <p:txBody>
+          <a:bodyPr/>
+          <a:lstStyle/>
+          <a:p>
+            <a:r>
+              <a:rPr lang="en-US" dirty="0" smtClean="0"/>
+              <a:t>Sam</a:t>
+            </a:r>
+          </a:p>
+          <a:p>
+            <a:r>
+              <a:rPr lang="en-US" dirty="0" smtClean="0"/>
+              <a:t/>
+            </a:r>
+            <a:br>
+              <a:rPr lang="en-US" dirty="0" smtClean="0"/>
+            </a:br>
+            <a:r>
+              <a:rPr lang="en-US" dirty="0" smtClean="0"/>
+              <a:t>google maps API is</a:t>
+            </a:r>
+            <a:r>
+              <a:rPr lang="en-US" baseline="0" dirty="0" smtClean="0"/>
+              <a:t> great for the most part.</a:t>
+            </a:r>
+          </a:p>
+          <a:p>
+            <a:r>
+              <a:rPr lang="en-US" baseline="0" dirty="0" smtClean="0"/>
+              <a:t>We used </a:t>
+            </a:r>
+            <a:endParaRPr lang="en-US" dirty="0"/>
+          </a:p>
+        </p:txBody>
+      </p:sp>
+      <p:sp>
+        <p:nvSpPr>
+          <p:cNvPr id="4" name="Slide Number Placeholder 3"/>
+          <p:cNvSpPr>
+            <a:spLocks noGrp="1"/>
+          </p:cNvSpPr>
+          <p:nvPr>
+            <p:ph type="sldNum" sz="quarter" idx="10"/>
+          </p:nvPr>
+        </p:nvSpPr>
+        <p:spPr/>
+        <p:txBody>
+          <a:bodyPr/>
+          <a:lstStyle/>
+          <a:p>
+            <a:fld id="{D67E1E7E-CEC6-415A-B3C6-3A55A65B43EF}" type="slidenum">
+              <a:rPr lang="en-US" smtClean="0"/>
+              <a:t>11</a:t>
+            </a:fld>
+            <a:endParaRPr lang="en-US"/>
+          </a:p>
+        </p:txBody>
+      </p:sp>
+    </p:spTree>
+    <p:extLst>
+      <p:ext uri="{BB962C8B-B14F-4D97-AF65-F5344CB8AC3E}">
+        <p14:creationId xmlns:p14="http://schemas.microsoft.com/office/powerpoint/2010/main" val="3503885471"/>
+      </p:ext>
+    </p:extLst>
+  </p:cSld>
+  <p:clrMapOvr>
+    <a:masterClrMapping/>
+  </p:clrMapOvr>
+</p:notes>
+</file>
+
+<file path=ppt/notesSlides/notesSlide2.xml><?xml version="1.0" encoding="utf-8"?>
+<p:notes xmlns:a="http://schemas.openxmlformats.org/drawingml/2006/main" xmlns:r="http://schemas.openxmlformats.org/officeDocument/2006/relationships" xmlns:p="http://schemas.openxmlformats.org/presentationml/2006/main">
+  <p:cSld>
+    <p:spTree>
+      <p:nvGrpSpPr>
+        <p:cNvPr id="1" name=""/>
+        <p:cNvGrpSpPr/>
+        <p:nvPr/>
+      </p:nvGrpSpPr>
+      <p:grpSpPr>
+        <a:xfrm>
+          <a:off x="0" y="0"/>
+          <a:ext cx="0" cy="0"/>
+          <a:chOff x="0" y="0"/>
+          <a:chExt cx="0" cy="0"/>
+        </a:xfrm>
+      </p:grpSpPr>
+      <p:sp>
+        <p:nvSpPr>
+          <p:cNvPr id="2" name="Slide Image Placeholder 1"/>
+          <p:cNvSpPr>
+            <a:spLocks noGrp="1" noRot="1" noChangeAspect="1"/>
+          </p:cNvSpPr>
+          <p:nvPr>
+            <p:ph type="sldImg"/>
+          </p:nvPr>
+        </p:nvSpPr>
+        <p:spPr/>
+      </p:sp>
+      <p:sp>
+        <p:nvSpPr>
+          <p:cNvPr id="3" name="Notes Placeholder 2"/>
+          <p:cNvSpPr>
+            <a:spLocks noGrp="1"/>
+          </p:cNvSpPr>
+          <p:nvPr>
+            <p:ph type="body" idx="1"/>
+          </p:nvPr>
+        </p:nvSpPr>
+        <p:spPr/>
+        <p:txBody>
+          <a:bodyPr/>
+          <a:lstStyle/>
+          <a:p>
+            <a:r>
+              <a:rPr lang="en-US" dirty="0" smtClean="0"/>
+              <a:t>This is what</a:t>
+            </a:r>
+            <a:r>
+              <a:rPr lang="en-US" baseline="0" dirty="0" smtClean="0"/>
+              <a:t> we will be talking about in this presentation </a:t>
+            </a:r>
+            <a:r>
+              <a:rPr lang="en-US" baseline="0" dirty="0" err="1" smtClean="0"/>
+              <a:t>etc</a:t>
+            </a:r>
+            <a:endParaRPr lang="en-US" baseline="0" dirty="0" smtClean="0"/>
+          </a:p>
+          <a:p>
+            <a:r>
+              <a:rPr lang="en-US" baseline="0" dirty="0" smtClean="0"/>
+              <a:t>Quick run down of each topic, </a:t>
+            </a:r>
+            <a:endParaRPr lang="en-US" dirty="0"/>
+          </a:p>
+        </p:txBody>
+      </p:sp>
+      <p:sp>
+        <p:nvSpPr>
+          <p:cNvPr id="4" name="Slide Number Placeholder 3"/>
+          <p:cNvSpPr>
+            <a:spLocks noGrp="1"/>
+          </p:cNvSpPr>
+          <p:nvPr>
+            <p:ph type="sldNum" sz="quarter" idx="10"/>
+          </p:nvPr>
+        </p:nvSpPr>
+        <p:spPr/>
+        <p:txBody>
+          <a:bodyPr/>
+          <a:lstStyle/>
+          <a:p>
+            <a:fld id="{D67E1E7E-CEC6-415A-B3C6-3A55A65B43EF}" type="slidenum">
+              <a:rPr lang="en-US" smtClean="0"/>
+              <a:t>2</a:t>
+            </a:fld>
+            <a:endParaRPr lang="en-US"/>
+          </a:p>
+        </p:txBody>
+      </p:sp>
+    </p:spTree>
+    <p:extLst>
+      <p:ext uri="{BB962C8B-B14F-4D97-AF65-F5344CB8AC3E}">
+        <p14:creationId xmlns:p14="http://schemas.microsoft.com/office/powerpoint/2010/main" val="1225715539"/>
+      </p:ext>
+    </p:extLst>
+  </p:cSld>
+  <p:clrMapOvr>
+    <a:masterClrMapping/>
+  </p:clrMapOvr>
+</p:notes>
+</file>
+
+<file path=ppt/notesSlides/notesSlide3.xml><?xml version="1.0" encoding="utf-8"?>
+<p:notes xmlns:a="http://schemas.openxmlformats.org/drawingml/2006/main" xmlns:r="http://schemas.openxmlformats.org/officeDocument/2006/relationships" xmlns:p="http://schemas.openxmlformats.org/presentationml/2006/main">
+  <p:cSld>
+    <p:spTree>
+      <p:nvGrpSpPr>
+        <p:cNvPr id="1" name=""/>
+        <p:cNvGrpSpPr/>
+        <p:nvPr/>
+      </p:nvGrpSpPr>
+      <p:grpSpPr>
+        <a:xfrm>
+          <a:off x="0" y="0"/>
+          <a:ext cx="0" cy="0"/>
+          <a:chOff x="0" y="0"/>
+          <a:chExt cx="0" cy="0"/>
+        </a:xfrm>
+      </p:grpSpPr>
+      <p:sp>
+        <p:nvSpPr>
+          <p:cNvPr id="2" name="Slide Image Placeholder 1"/>
+          <p:cNvSpPr>
+            <a:spLocks noGrp="1" noRot="1" noChangeAspect="1"/>
+          </p:cNvSpPr>
+          <p:nvPr>
+            <p:ph type="sldImg"/>
+          </p:nvPr>
+        </p:nvSpPr>
+        <p:spPr/>
+      </p:sp>
+      <p:sp>
+        <p:nvSpPr>
+          <p:cNvPr id="3" name="Notes Placeholder 2"/>
+          <p:cNvSpPr>
+            <a:spLocks noGrp="1"/>
+          </p:cNvSpPr>
+          <p:nvPr>
+            <p:ph type="body" idx="1"/>
+          </p:nvPr>
+        </p:nvSpPr>
+        <p:spPr/>
+        <p:txBody>
+          <a:bodyPr/>
+          <a:lstStyle/>
+          <a:p>
+            <a:r>
+              <a:rPr lang="en-US" dirty="0" smtClean="0"/>
+              <a:t>Mason</a:t>
+            </a:r>
+          </a:p>
+          <a:p>
+            <a:endParaRPr lang="en-US" dirty="0" smtClean="0"/>
+          </a:p>
+          <a:p>
+            <a:r>
+              <a:rPr lang="en-US" dirty="0" smtClean="0"/>
+              <a:t>Talk about what</a:t>
+            </a:r>
+            <a:r>
+              <a:rPr lang="en-US" baseline="0" dirty="0" smtClean="0"/>
+              <a:t> </a:t>
+            </a:r>
+            <a:r>
+              <a:rPr lang="en-US" baseline="0" dirty="0" err="1" smtClean="0"/>
+              <a:t>swimsafe</a:t>
+            </a:r>
+            <a:r>
+              <a:rPr lang="en-US" baseline="0" dirty="0" smtClean="0"/>
+              <a:t> is and what it does</a:t>
+            </a:r>
+          </a:p>
+          <a:p>
+            <a:r>
+              <a:rPr lang="en-US" baseline="0" dirty="0" err="1" smtClean="0"/>
+              <a:t>Swimsafe</a:t>
+            </a:r>
+            <a:r>
+              <a:rPr lang="en-US" baseline="0" dirty="0" smtClean="0"/>
+              <a:t> is about preventing accidents while swimming, it can be used by a parent or a someone unfamiliar with the area to easy see safety information about a particular swimming area</a:t>
+            </a:r>
+            <a:endParaRPr lang="en-US" dirty="0"/>
+          </a:p>
+        </p:txBody>
+      </p:sp>
+      <p:sp>
+        <p:nvSpPr>
+          <p:cNvPr id="4" name="Slide Number Placeholder 3"/>
+          <p:cNvSpPr>
+            <a:spLocks noGrp="1"/>
+          </p:cNvSpPr>
+          <p:nvPr>
+            <p:ph type="sldNum" sz="quarter" idx="10"/>
+          </p:nvPr>
+        </p:nvSpPr>
+        <p:spPr/>
+        <p:txBody>
+          <a:bodyPr/>
+          <a:lstStyle/>
+          <a:p>
+            <a:fld id="{D67E1E7E-CEC6-415A-B3C6-3A55A65B43EF}" type="slidenum">
+              <a:rPr lang="en-US" smtClean="0"/>
+              <a:t>3</a:t>
+            </a:fld>
+            <a:endParaRPr lang="en-US"/>
+          </a:p>
+        </p:txBody>
+      </p:sp>
+    </p:spTree>
+    <p:extLst>
+      <p:ext uri="{BB962C8B-B14F-4D97-AF65-F5344CB8AC3E}">
+        <p14:creationId xmlns:p14="http://schemas.microsoft.com/office/powerpoint/2010/main" val="1240084739"/>
+      </p:ext>
+    </p:extLst>
+  </p:cSld>
+  <p:clrMapOvr>
+    <a:masterClrMapping/>
+  </p:clrMapOvr>
+</p:notes>
+</file>
+
+<file path=ppt/notesSlides/notesSlide4.xml><?xml version="1.0" encoding="utf-8"?>
+<p:notes xmlns:a="http://schemas.openxmlformats.org/drawingml/2006/main" xmlns:r="http://schemas.openxmlformats.org/officeDocument/2006/relationships" xmlns:p="http://schemas.openxmlformats.org/presentationml/2006/main">
+  <p:cSld>
+    <p:spTree>
+      <p:nvGrpSpPr>
+        <p:cNvPr id="1" name=""/>
+        <p:cNvGrpSpPr/>
+        <p:nvPr/>
+      </p:nvGrpSpPr>
+      <p:grpSpPr>
+        <a:xfrm>
+          <a:off x="0" y="0"/>
+          <a:ext cx="0" cy="0"/>
+          <a:chOff x="0" y="0"/>
+          <a:chExt cx="0" cy="0"/>
+        </a:xfrm>
+      </p:grpSpPr>
+      <p:sp>
+        <p:nvSpPr>
+          <p:cNvPr id="2" name="Slide Image Placeholder 1"/>
+          <p:cNvSpPr>
+            <a:spLocks noGrp="1" noRot="1" noChangeAspect="1"/>
+          </p:cNvSpPr>
+          <p:nvPr>
+            <p:ph type="sldImg"/>
+          </p:nvPr>
+        </p:nvSpPr>
+        <p:spPr/>
+      </p:sp>
+      <p:sp>
+        <p:nvSpPr>
+          <p:cNvPr id="3" name="Notes Placeholder 2"/>
+          <p:cNvSpPr>
+            <a:spLocks noGrp="1"/>
+          </p:cNvSpPr>
+          <p:nvPr>
+            <p:ph type="body" idx="1"/>
+          </p:nvPr>
+        </p:nvSpPr>
+        <p:spPr/>
+        <p:txBody>
+          <a:bodyPr/>
+          <a:lstStyle/>
+          <a:p>
+            <a:r>
+              <a:rPr lang="en-US" dirty="0" smtClean="0"/>
+              <a:t>Sam / Andrew</a:t>
+            </a:r>
+          </a:p>
+          <a:p>
+            <a:endParaRPr lang="en-US" dirty="0" smtClean="0"/>
+          </a:p>
+          <a:p>
+            <a:r>
+              <a:rPr lang="en-US" dirty="0" smtClean="0"/>
+              <a:t>Google</a:t>
+            </a:r>
+            <a:r>
+              <a:rPr lang="en-US" baseline="0" dirty="0" smtClean="0"/>
+              <a:t> maps API is great and easy to work with for the most part</a:t>
+            </a:r>
+          </a:p>
+          <a:p>
+            <a:r>
+              <a:rPr lang="en-US" baseline="0" dirty="0" smtClean="0"/>
+              <a:t>We have no web background. We learned some PHP during the development cycle of this app</a:t>
+            </a:r>
+          </a:p>
+          <a:p>
+            <a:r>
+              <a:rPr lang="en-US" baseline="0" dirty="0" smtClean="0"/>
+              <a:t>We learned </a:t>
+            </a:r>
+            <a:r>
+              <a:rPr lang="en-US" baseline="0" dirty="0" err="1" smtClean="0"/>
+              <a:t>Javascript</a:t>
+            </a:r>
+            <a:r>
+              <a:rPr lang="en-US" baseline="0" dirty="0" smtClean="0"/>
+              <a:t> and used it to interface with the Google maps API. It’s used to create markers and </a:t>
+            </a:r>
+            <a:r>
+              <a:rPr lang="en-US" baseline="0" dirty="0" err="1" smtClean="0"/>
+              <a:t>infowindows</a:t>
+            </a:r>
+            <a:r>
+              <a:rPr lang="en-US" baseline="0" dirty="0" smtClean="0"/>
+              <a:t> </a:t>
+            </a:r>
+            <a:r>
+              <a:rPr lang="en-US" baseline="0" dirty="0" err="1" smtClean="0"/>
+              <a:t>etc</a:t>
+            </a:r>
+            <a:endParaRPr lang="en-US" baseline="0" dirty="0" smtClean="0"/>
+          </a:p>
+          <a:p>
+            <a:r>
+              <a:rPr lang="en-US" baseline="0" dirty="0" smtClean="0"/>
+              <a:t>Our original database design was on point. We got setup with apache </a:t>
+            </a:r>
+            <a:r>
+              <a:rPr lang="en-US" baseline="0" dirty="0" err="1" smtClean="0"/>
+              <a:t>etc</a:t>
+            </a:r>
+            <a:r>
+              <a:rPr lang="en-US" baseline="0" dirty="0" smtClean="0"/>
+              <a:t> early which provided a good platform to test our project on multiple devices </a:t>
+            </a:r>
+            <a:r>
+              <a:rPr lang="en-US" baseline="0" dirty="0" err="1" smtClean="0"/>
+              <a:t>etc</a:t>
+            </a:r>
+            <a:endParaRPr lang="en-US" baseline="0" dirty="0" smtClean="0"/>
+          </a:p>
+        </p:txBody>
+      </p:sp>
+      <p:sp>
+        <p:nvSpPr>
+          <p:cNvPr id="4" name="Slide Number Placeholder 3"/>
+          <p:cNvSpPr>
+            <a:spLocks noGrp="1"/>
+          </p:cNvSpPr>
+          <p:nvPr>
+            <p:ph type="sldNum" sz="quarter" idx="10"/>
+          </p:nvPr>
+        </p:nvSpPr>
+        <p:spPr/>
+        <p:txBody>
+          <a:bodyPr/>
+          <a:lstStyle/>
+          <a:p>
+            <a:fld id="{D67E1E7E-CEC6-415A-B3C6-3A55A65B43EF}" type="slidenum">
+              <a:rPr lang="en-US" smtClean="0"/>
+              <a:t>4</a:t>
+            </a:fld>
+            <a:endParaRPr lang="en-US"/>
+          </a:p>
+        </p:txBody>
+      </p:sp>
+    </p:spTree>
+    <p:extLst>
+      <p:ext uri="{BB962C8B-B14F-4D97-AF65-F5344CB8AC3E}">
+        <p14:creationId xmlns:p14="http://schemas.microsoft.com/office/powerpoint/2010/main" val="3731224161"/>
+      </p:ext>
+    </p:extLst>
+  </p:cSld>
+  <p:clrMapOvr>
+    <a:masterClrMapping/>
+  </p:clrMapOvr>
+</p:notes>
+</file>
+
+<file path=ppt/notesSlides/notesSlide5.xml><?xml version="1.0" encoding="utf-8"?>
+<p:notes xmlns:a="http://schemas.openxmlformats.org/drawingml/2006/main" xmlns:r="http://schemas.openxmlformats.org/officeDocument/2006/relationships" xmlns:p="http://schemas.openxmlformats.org/presentationml/2006/main">
+  <p:cSld>
+    <p:spTree>
+      <p:nvGrpSpPr>
+        <p:cNvPr id="1" name=""/>
+        <p:cNvGrpSpPr/>
+        <p:nvPr/>
+      </p:nvGrpSpPr>
+      <p:grpSpPr>
+        <a:xfrm>
+          <a:off x="0" y="0"/>
+          <a:ext cx="0" cy="0"/>
+          <a:chOff x="0" y="0"/>
+          <a:chExt cx="0" cy="0"/>
+        </a:xfrm>
+      </p:grpSpPr>
+      <p:sp>
+        <p:nvSpPr>
+          <p:cNvPr id="2" name="Slide Image Placeholder 1"/>
+          <p:cNvSpPr>
+            <a:spLocks noGrp="1" noRot="1" noChangeAspect="1"/>
+          </p:cNvSpPr>
+          <p:nvPr>
+            <p:ph type="sldImg"/>
+          </p:nvPr>
+        </p:nvSpPr>
+        <p:spPr/>
+      </p:sp>
+      <p:sp>
+        <p:nvSpPr>
+          <p:cNvPr id="3" name="Notes Placeholder 2"/>
+          <p:cNvSpPr>
+            <a:spLocks noGrp="1"/>
+          </p:cNvSpPr>
+          <p:nvPr>
+            <p:ph type="body" idx="1"/>
+          </p:nvPr>
+        </p:nvSpPr>
+        <p:spPr/>
+        <p:txBody>
+          <a:bodyPr/>
+          <a:lstStyle/>
+          <a:p>
+            <a:r>
+              <a:rPr lang="en-US" dirty="0" smtClean="0"/>
+              <a:t>Andrew</a:t>
+            </a:r>
+          </a:p>
+          <a:p>
+            <a:endParaRPr lang="en-US" dirty="0" smtClean="0"/>
+          </a:p>
+          <a:p>
+            <a:r>
+              <a:rPr lang="en-US" dirty="0" err="1" smtClean="0"/>
+              <a:t>Infowindow</a:t>
+            </a:r>
+            <a:r>
+              <a:rPr lang="en-US" baseline="0" dirty="0" smtClean="0"/>
+              <a:t> styling is difficult, it requires implementing </a:t>
+            </a:r>
+            <a:r>
+              <a:rPr lang="en-US" baseline="0" dirty="0" err="1" smtClean="0"/>
+              <a:t>Jquery</a:t>
+            </a:r>
+            <a:r>
+              <a:rPr lang="en-US" baseline="0" dirty="0" smtClean="0"/>
+              <a:t>, resources online didn’t seem to work in our case. We suspect that the latest version of the google maps API or </a:t>
+            </a:r>
+            <a:r>
+              <a:rPr lang="en-US" baseline="0" dirty="0" err="1" smtClean="0"/>
+              <a:t>Jquery</a:t>
+            </a:r>
+            <a:r>
+              <a:rPr lang="en-US" baseline="0" dirty="0" smtClean="0"/>
+              <a:t> has made this more difficult that it used to be.</a:t>
+            </a:r>
+          </a:p>
+          <a:p>
+            <a:r>
+              <a:rPr lang="en-US" baseline="0" dirty="0" err="1" smtClean="0"/>
+              <a:t>Aquiring</a:t>
+            </a:r>
+            <a:r>
+              <a:rPr lang="en-US" baseline="0" dirty="0" smtClean="0"/>
+              <a:t> live data was problematic. Andrew says what happened with communications </a:t>
+            </a:r>
+            <a:r>
+              <a:rPr lang="en-US" baseline="0" dirty="0" err="1" smtClean="0"/>
+              <a:t>etc</a:t>
+            </a:r>
+            <a:endParaRPr lang="en-US" dirty="0"/>
+          </a:p>
+        </p:txBody>
+      </p:sp>
+      <p:sp>
+        <p:nvSpPr>
+          <p:cNvPr id="4" name="Slide Number Placeholder 3"/>
+          <p:cNvSpPr>
+            <a:spLocks noGrp="1"/>
+          </p:cNvSpPr>
+          <p:nvPr>
+            <p:ph type="sldNum" sz="quarter" idx="10"/>
+          </p:nvPr>
+        </p:nvSpPr>
+        <p:spPr/>
+        <p:txBody>
+          <a:bodyPr/>
+          <a:lstStyle/>
+          <a:p>
+            <a:fld id="{D67E1E7E-CEC6-415A-B3C6-3A55A65B43EF}" type="slidenum">
+              <a:rPr lang="en-US" smtClean="0"/>
+              <a:t>5</a:t>
+            </a:fld>
+            <a:endParaRPr lang="en-US"/>
+          </a:p>
+        </p:txBody>
+      </p:sp>
+    </p:spTree>
+    <p:extLst>
+      <p:ext uri="{BB962C8B-B14F-4D97-AF65-F5344CB8AC3E}">
+        <p14:creationId xmlns:p14="http://schemas.microsoft.com/office/powerpoint/2010/main" val="24604326"/>
+      </p:ext>
+    </p:extLst>
+  </p:cSld>
+  <p:clrMapOvr>
+    <a:masterClrMapping/>
+  </p:clrMapOvr>
+</p:notes>
+</file>
+
+<file path=ppt/notesSlides/notesSlide6.xml><?xml version="1.0" encoding="utf-8"?>
+<p:notes xmlns:a="http://schemas.openxmlformats.org/drawingml/2006/main" xmlns:r="http://schemas.openxmlformats.org/officeDocument/2006/relationships" xmlns:p="http://schemas.openxmlformats.org/presentationml/2006/main">
+  <p:cSld>
+    <p:spTree>
+      <p:nvGrpSpPr>
+        <p:cNvPr id="1" name=""/>
+        <p:cNvGrpSpPr/>
+        <p:nvPr/>
+      </p:nvGrpSpPr>
+      <p:grpSpPr>
+        <a:xfrm>
+          <a:off x="0" y="0"/>
+          <a:ext cx="0" cy="0"/>
+          <a:chOff x="0" y="0"/>
+          <a:chExt cx="0" cy="0"/>
+        </a:xfrm>
+      </p:grpSpPr>
+      <p:sp>
+        <p:nvSpPr>
+          <p:cNvPr id="2" name="Slide Image Placeholder 1"/>
+          <p:cNvSpPr>
+            <a:spLocks noGrp="1" noRot="1" noChangeAspect="1"/>
+          </p:cNvSpPr>
+          <p:nvPr>
+            <p:ph type="sldImg"/>
+          </p:nvPr>
+        </p:nvSpPr>
+        <p:spPr/>
+      </p:sp>
+      <p:sp>
+        <p:nvSpPr>
+          <p:cNvPr id="3" name="Notes Placeholder 2"/>
+          <p:cNvSpPr>
+            <a:spLocks noGrp="1"/>
+          </p:cNvSpPr>
+          <p:nvPr>
+            <p:ph type="body" idx="1"/>
+          </p:nvPr>
+        </p:nvSpPr>
+        <p:spPr/>
+        <p:txBody>
+          <a:bodyPr/>
+          <a:lstStyle/>
+          <a:p>
+            <a:r>
+              <a:rPr lang="en-US" dirty="0" smtClean="0"/>
+              <a:t>Whoever</a:t>
+            </a:r>
+          </a:p>
+          <a:p>
+            <a:endParaRPr lang="en-US" dirty="0" smtClean="0"/>
+          </a:p>
+          <a:p>
+            <a:r>
+              <a:rPr lang="en-US" dirty="0" smtClean="0"/>
+              <a:t>The</a:t>
+            </a:r>
+            <a:r>
+              <a:rPr lang="en-US" baseline="0" dirty="0" smtClean="0"/>
+              <a:t> app was meant to be intuitive, quick, easy and it should was to display live water quality / safety information. We achieved this for the most part except for the live data.</a:t>
+            </a:r>
+          </a:p>
+          <a:p>
+            <a:r>
+              <a:rPr lang="en-US" baseline="0" dirty="0" smtClean="0"/>
+              <a:t>The structure is there for live data and we could basically point the app at a different server or periodically update our local server in order to make the system start working with lived data.</a:t>
+            </a:r>
+          </a:p>
+          <a:p>
+            <a:r>
+              <a:rPr lang="en-US" baseline="0" dirty="0" smtClean="0"/>
+              <a:t>The current system is scalable, so adding more data about more swimming spots will be handled automatically.</a:t>
+            </a:r>
+            <a:endParaRPr lang="en-US" dirty="0"/>
+          </a:p>
+        </p:txBody>
+      </p:sp>
+      <p:sp>
+        <p:nvSpPr>
+          <p:cNvPr id="4" name="Slide Number Placeholder 3"/>
+          <p:cNvSpPr>
+            <a:spLocks noGrp="1"/>
+          </p:cNvSpPr>
+          <p:nvPr>
+            <p:ph type="sldNum" sz="quarter" idx="10"/>
+          </p:nvPr>
+        </p:nvSpPr>
+        <p:spPr/>
+        <p:txBody>
+          <a:bodyPr/>
+          <a:lstStyle/>
+          <a:p>
+            <a:fld id="{D67E1E7E-CEC6-415A-B3C6-3A55A65B43EF}" type="slidenum">
+              <a:rPr lang="en-US" smtClean="0"/>
+              <a:t>6</a:t>
+            </a:fld>
+            <a:endParaRPr lang="en-US"/>
+          </a:p>
+        </p:txBody>
+      </p:sp>
+    </p:spTree>
+    <p:extLst>
+      <p:ext uri="{BB962C8B-B14F-4D97-AF65-F5344CB8AC3E}">
+        <p14:creationId xmlns:p14="http://schemas.microsoft.com/office/powerpoint/2010/main" val="1574727816"/>
+      </p:ext>
+    </p:extLst>
+  </p:cSld>
+  <p:clrMapOvr>
+    <a:masterClrMapping/>
+  </p:clrMapOvr>
+</p:notes>
+</file>
+
+<file path=ppt/notesSlides/notesSlide7.xml><?xml version="1.0" encoding="utf-8"?>
+<p:notes xmlns:a="http://schemas.openxmlformats.org/drawingml/2006/main" xmlns:r="http://schemas.openxmlformats.org/officeDocument/2006/relationships" xmlns:p="http://schemas.openxmlformats.org/presentationml/2006/main">
+  <p:cSld>
+    <p:spTree>
+      <p:nvGrpSpPr>
+        <p:cNvPr id="1" name=""/>
+        <p:cNvGrpSpPr/>
+        <p:nvPr/>
+      </p:nvGrpSpPr>
+      <p:grpSpPr>
+        <a:xfrm>
+          <a:off x="0" y="0"/>
+          <a:ext cx="0" cy="0"/>
+          <a:chOff x="0" y="0"/>
+          <a:chExt cx="0" cy="0"/>
+        </a:xfrm>
+      </p:grpSpPr>
+      <p:sp>
+        <p:nvSpPr>
+          <p:cNvPr id="2" name="Slide Image Placeholder 1"/>
+          <p:cNvSpPr>
+            <a:spLocks noGrp="1" noRot="1" noChangeAspect="1"/>
+          </p:cNvSpPr>
+          <p:nvPr>
+            <p:ph type="sldImg"/>
+          </p:nvPr>
+        </p:nvSpPr>
+        <p:spPr/>
+      </p:sp>
+      <p:sp>
+        <p:nvSpPr>
+          <p:cNvPr id="3" name="Notes Placeholder 2"/>
+          <p:cNvSpPr>
+            <a:spLocks noGrp="1"/>
+          </p:cNvSpPr>
+          <p:nvPr>
+            <p:ph type="body" idx="1"/>
+          </p:nvPr>
+        </p:nvSpPr>
+        <p:spPr/>
+        <p:txBody>
+          <a:bodyPr/>
+          <a:lstStyle/>
+          <a:p>
+            <a:r>
+              <a:rPr lang="en-US" dirty="0" smtClean="0"/>
+              <a:t>Someone</a:t>
+            </a:r>
+            <a:r>
+              <a:rPr lang="en-US" baseline="0" dirty="0" smtClean="0"/>
+              <a:t> click around talk about </a:t>
+            </a:r>
+            <a:r>
+              <a:rPr lang="en-US" baseline="0" dirty="0" err="1" smtClean="0"/>
+              <a:t>colours</a:t>
+            </a:r>
+            <a:r>
+              <a:rPr lang="en-US" baseline="0" dirty="0" smtClean="0"/>
+              <a:t> / disclaimer / design. Mention we made the site as simple as possible from a user perspective because it is meant to be used on the go. People don’t want to use an app that bombards them with</a:t>
+            </a:r>
+          </a:p>
+          <a:p>
+            <a:r>
+              <a:rPr lang="en-US" baseline="0" dirty="0" smtClean="0"/>
+              <a:t>Information or w/e</a:t>
+            </a:r>
+            <a:endParaRPr lang="en-US" dirty="0"/>
+          </a:p>
+        </p:txBody>
+      </p:sp>
+      <p:sp>
+        <p:nvSpPr>
+          <p:cNvPr id="4" name="Slide Number Placeholder 3"/>
+          <p:cNvSpPr>
+            <a:spLocks noGrp="1"/>
+          </p:cNvSpPr>
+          <p:nvPr>
+            <p:ph type="sldNum" sz="quarter" idx="10"/>
+          </p:nvPr>
+        </p:nvSpPr>
+        <p:spPr/>
+        <p:txBody>
+          <a:bodyPr/>
+          <a:lstStyle/>
+          <a:p>
+            <a:fld id="{D67E1E7E-CEC6-415A-B3C6-3A55A65B43EF}" type="slidenum">
+              <a:rPr lang="en-US" smtClean="0"/>
+              <a:t>7</a:t>
+            </a:fld>
+            <a:endParaRPr lang="en-US"/>
+          </a:p>
+        </p:txBody>
+      </p:sp>
+    </p:spTree>
+    <p:extLst>
+      <p:ext uri="{BB962C8B-B14F-4D97-AF65-F5344CB8AC3E}">
+        <p14:creationId xmlns:p14="http://schemas.microsoft.com/office/powerpoint/2010/main" val="4127172180"/>
+      </p:ext>
+    </p:extLst>
+  </p:cSld>
+  <p:clrMapOvr>
+    <a:masterClrMapping/>
+  </p:clrMapOvr>
+</p:notes>
+</file>
+
+<file path=ppt/notesSlides/notesSlide8.xml><?xml version="1.0" encoding="utf-8"?>
+<p:notes xmlns:a="http://schemas.openxmlformats.org/drawingml/2006/main" xmlns:r="http://schemas.openxmlformats.org/officeDocument/2006/relationships" xmlns:p="http://schemas.openxmlformats.org/presentationml/2006/main">
+  <p:cSld>
+    <p:spTree>
+      <p:nvGrpSpPr>
+        <p:cNvPr id="1" name=""/>
+        <p:cNvGrpSpPr/>
+        <p:nvPr/>
+      </p:nvGrpSpPr>
+      <p:grpSpPr>
+        <a:xfrm>
+          <a:off x="0" y="0"/>
+          <a:ext cx="0" cy="0"/>
+          <a:chOff x="0" y="0"/>
+          <a:chExt cx="0" cy="0"/>
+        </a:xfrm>
+      </p:grpSpPr>
+      <p:sp>
+        <p:nvSpPr>
+          <p:cNvPr id="2" name="Slide Image Placeholder 1"/>
+          <p:cNvSpPr>
+            <a:spLocks noGrp="1" noRot="1" noChangeAspect="1"/>
+          </p:cNvSpPr>
+          <p:nvPr>
+            <p:ph type="sldImg"/>
+          </p:nvPr>
+        </p:nvSpPr>
+        <p:spPr/>
+      </p:sp>
+      <p:sp>
+        <p:nvSpPr>
+          <p:cNvPr id="3" name="Notes Placeholder 2"/>
+          <p:cNvSpPr>
+            <a:spLocks noGrp="1"/>
+          </p:cNvSpPr>
+          <p:nvPr>
+            <p:ph type="body" idx="1"/>
+          </p:nvPr>
+        </p:nvSpPr>
+        <p:spPr/>
+        <p:txBody>
+          <a:bodyPr/>
+          <a:lstStyle/>
+          <a:p>
+            <a:r>
+              <a:rPr lang="en-US" dirty="0" smtClean="0"/>
+              <a:t>Sam</a:t>
+            </a:r>
+          </a:p>
+          <a:p>
+            <a:endParaRPr lang="en-US" dirty="0" smtClean="0"/>
+          </a:p>
+          <a:p>
+            <a:r>
+              <a:rPr lang="en-US" dirty="0" smtClean="0"/>
+              <a:t>The system</a:t>
+            </a:r>
+            <a:r>
+              <a:rPr lang="en-US" baseline="0" dirty="0" smtClean="0"/>
+              <a:t> uses MySQL as a backend database, the system is hosted on a webserver </a:t>
+            </a:r>
+            <a:r>
+              <a:rPr lang="en-US" baseline="0" dirty="0" err="1" smtClean="0"/>
+              <a:t>etc</a:t>
+            </a:r>
+            <a:endParaRPr lang="en-US" dirty="0"/>
+          </a:p>
+        </p:txBody>
+      </p:sp>
+      <p:sp>
+        <p:nvSpPr>
+          <p:cNvPr id="4" name="Slide Number Placeholder 3"/>
+          <p:cNvSpPr>
+            <a:spLocks noGrp="1"/>
+          </p:cNvSpPr>
+          <p:nvPr>
+            <p:ph type="sldNum" sz="quarter" idx="10"/>
+          </p:nvPr>
+        </p:nvSpPr>
+        <p:spPr/>
+        <p:txBody>
+          <a:bodyPr/>
+          <a:lstStyle/>
+          <a:p>
+            <a:fld id="{D67E1E7E-CEC6-415A-B3C6-3A55A65B43EF}" type="slidenum">
+              <a:rPr lang="en-US" smtClean="0"/>
+              <a:t>8</a:t>
+            </a:fld>
+            <a:endParaRPr lang="en-US"/>
+          </a:p>
+        </p:txBody>
+      </p:sp>
+    </p:spTree>
+    <p:extLst>
+      <p:ext uri="{BB962C8B-B14F-4D97-AF65-F5344CB8AC3E}">
+        <p14:creationId xmlns:p14="http://schemas.microsoft.com/office/powerpoint/2010/main" val="1485109781"/>
+      </p:ext>
+    </p:extLst>
+  </p:cSld>
+  <p:clrMapOvr>
+    <a:masterClrMapping/>
+  </p:clrMapOvr>
+</p:notes>
+</file>
+
+<file path=ppt/notesSlides/notesSlide9.xml><?xml version="1.0" encoding="utf-8"?>
+<p:notes xmlns:a="http://schemas.openxmlformats.org/drawingml/2006/main" xmlns:r="http://schemas.openxmlformats.org/officeDocument/2006/relationships" xmlns:p="http://schemas.openxmlformats.org/presentationml/2006/main">
+  <p:cSld>
+    <p:spTree>
+      <p:nvGrpSpPr>
+        <p:cNvPr id="1" name=""/>
+        <p:cNvGrpSpPr/>
+        <p:nvPr/>
+      </p:nvGrpSpPr>
+      <p:grpSpPr>
+        <a:xfrm>
+          <a:off x="0" y="0"/>
+          <a:ext cx="0" cy="0"/>
+          <a:chOff x="0" y="0"/>
+          <a:chExt cx="0" cy="0"/>
+        </a:xfrm>
+      </p:grpSpPr>
+      <p:sp>
+        <p:nvSpPr>
+          <p:cNvPr id="2" name="Slide Image Placeholder 1"/>
+          <p:cNvSpPr>
+            <a:spLocks noGrp="1" noRot="1" noChangeAspect="1"/>
+          </p:cNvSpPr>
+          <p:nvPr>
+            <p:ph type="sldImg"/>
+          </p:nvPr>
+        </p:nvSpPr>
+        <p:spPr/>
+      </p:sp>
+      <p:sp>
+        <p:nvSpPr>
+          <p:cNvPr id="3" name="Notes Placeholder 2"/>
+          <p:cNvSpPr>
+            <a:spLocks noGrp="1"/>
+          </p:cNvSpPr>
+          <p:nvPr>
+            <p:ph type="body" idx="1"/>
+          </p:nvPr>
+        </p:nvSpPr>
+        <p:spPr/>
+        <p:txBody>
+          <a:bodyPr/>
+          <a:lstStyle/>
+          <a:p>
+            <a:r>
+              <a:rPr lang="en-US" dirty="0" smtClean="0"/>
+              <a:t>Andrew</a:t>
+            </a:r>
+          </a:p>
+          <a:p>
+            <a:endParaRPr lang="en-US" dirty="0" smtClean="0"/>
+          </a:p>
+          <a:p>
+            <a:r>
+              <a:rPr lang="en-US" dirty="0" smtClean="0"/>
+              <a:t>(database</a:t>
+            </a:r>
+            <a:r>
+              <a:rPr lang="en-US" baseline="0" dirty="0" smtClean="0"/>
+              <a:t> design choice stuff goes here)</a:t>
+            </a:r>
+            <a:endParaRPr lang="en-US" dirty="0"/>
+          </a:p>
+        </p:txBody>
+      </p:sp>
+      <p:sp>
+        <p:nvSpPr>
+          <p:cNvPr id="4" name="Slide Number Placeholder 3"/>
+          <p:cNvSpPr>
+            <a:spLocks noGrp="1"/>
+          </p:cNvSpPr>
+          <p:nvPr>
+            <p:ph type="sldNum" sz="quarter" idx="10"/>
+          </p:nvPr>
+        </p:nvSpPr>
+        <p:spPr/>
+        <p:txBody>
+          <a:bodyPr/>
+          <a:lstStyle/>
+          <a:p>
+            <a:fld id="{D67E1E7E-CEC6-415A-B3C6-3A55A65B43EF}" type="slidenum">
+              <a:rPr lang="en-US" smtClean="0"/>
+              <a:t>9</a:t>
+            </a:fld>
+            <a:endParaRPr lang="en-US"/>
+          </a:p>
+        </p:txBody>
+      </p:sp>
+    </p:spTree>
+    <p:extLst>
+      <p:ext uri="{BB962C8B-B14F-4D97-AF65-F5344CB8AC3E}">
+        <p14:creationId xmlns:p14="http://schemas.microsoft.com/office/powerpoint/2010/main" val="3882744698"/>
+      </p:ext>
+    </p:extLst>
+  </p:cSld>
+  <p:clrMapOvr>
+    <a:masterClrMapping/>
+  </p:clrMapOvr>
+</p:notes>
 </file>
 
 <file path=ppt/slideLayouts/slideLayout1.xml><?xml version="1.0" encoding="utf-8"?>
@@ -143,15 +1764,15 @@
         </p:nvSpPr>
         <p:spPr>
           <a:xfrm>
-            <a:off x="685800" y="1122363"/>
-            <a:ext cx="7772400" cy="2387600"/>
+            <a:off x="1143000" y="1122363"/>
+            <a:ext cx="6858000" cy="2387600"/>
           </a:xfrm>
         </p:spPr>
         <p:txBody>
           <a:bodyPr anchor="b"/>
           <a:lstStyle>
             <a:lvl1pPr algn="ctr">
-              <a:defRPr sz="6000"/>
+              <a:defRPr sz="4500"/>
             </a:lvl1pPr>
           </a:lstStyle>
           <a:p>
@@ -159,7 +1780,7 @@
               <a:rPr lang="en-US" smtClean="0"/>
               <a:t>Click to edit Master title style</a:t>
             </a:r>
-            <a:endParaRPr lang="en-US" dirty="0"/>
+            <a:endParaRPr lang="en-US"/>
           </a:p>
         </p:txBody>
       </p:sp>
@@ -184,39 +1805,39 @@
           <a:lstStyle>
             <a:lvl1pPr marL="0" indent="0" algn="ctr">
               <a:buNone/>
-              <a:defRPr sz="2400"/>
+              <a:defRPr sz="1800"/>
             </a:lvl1pPr>
-            <a:lvl2pPr marL="457200" indent="0" algn="ctr">
+            <a:lvl2pPr marL="342900" indent="0" algn="ctr">
               <a:buNone/>
-              <a:defRPr sz="2000"/>
+              <a:defRPr sz="1500"/>
             </a:lvl2pPr>
-            <a:lvl3pPr marL="914400" indent="0" algn="ctr">
+            <a:lvl3pPr marL="685800" indent="0" algn="ctr">
               <a:buNone/>
-              <a:defRPr sz="1800"/>
+              <a:defRPr sz="1350"/>
             </a:lvl3pPr>
-            <a:lvl4pPr marL="1371600" indent="0" algn="ctr">
+            <a:lvl4pPr marL="1028700" indent="0" algn="ctr">
               <a:buNone/>
-              <a:defRPr sz="1600"/>
+              <a:defRPr sz="1200"/>
             </a:lvl4pPr>
-            <a:lvl5pPr marL="1828800" indent="0" algn="ctr">
+            <a:lvl5pPr marL="1371600" indent="0" algn="ctr">
               <a:buNone/>
-              <a:defRPr sz="1600"/>
+              <a:defRPr sz="1200"/>
             </a:lvl5pPr>
-            <a:lvl6pPr marL="2286000" indent="0" algn="ctr">
+            <a:lvl6pPr marL="1714500" indent="0" algn="ctr">
               <a:buNone/>
-              <a:defRPr sz="1600"/>
+              <a:defRPr sz="1200"/>
             </a:lvl6pPr>
-            <a:lvl7pPr marL="2743200" indent="0" algn="ctr">
+            <a:lvl7pPr marL="2057400" indent="0" algn="ctr">
               <a:buNone/>
-              <a:defRPr sz="1600"/>
+              <a:defRPr sz="1200"/>
             </a:lvl7pPr>
-            <a:lvl8pPr marL="3200400" indent="0" algn="ctr">
+            <a:lvl8pPr marL="2400300" indent="0" algn="ctr">
               <a:buNone/>
-              <a:defRPr sz="1600"/>
+              <a:defRPr sz="1200"/>
             </a:lvl8pPr>
-            <a:lvl9pPr marL="3657600" indent="0" algn="ctr">
+            <a:lvl9pPr marL="2743200" indent="0" algn="ctr">
               <a:buNone/>
-              <a:defRPr sz="1600"/>
+              <a:defRPr sz="1200"/>
             </a:lvl9pPr>
           </a:lstStyle>
           <a:p>
@@ -224,7 +1845,7 @@
               <a:rPr lang="en-US" smtClean="0"/>
               <a:t>Click to edit Master subtitle style</a:t>
             </a:r>
-            <a:endParaRPr lang="en-US" dirty="0"/>
+            <a:endParaRPr lang="en-US"/>
           </a:p>
         </p:txBody>
       </p:sp>
@@ -245,7 +1866,7 @@
           <a:p>
             <a:fld id="{F7002437-F966-4254-8623-60AC76BC85E2}" type="datetimeFigureOut">
               <a:rPr lang="en-NZ" smtClean="0"/>
-              <a:t>17/11/2015</a:t>
+              <a:t>18/11/2015</a:t>
             </a:fld>
             <a:endParaRPr lang="en-NZ"/>
           </a:p>
@@ -296,7 +1917,7 @@
     </p:spTree>
     <p:extLst>
       <p:ext uri="{BB962C8B-B14F-4D97-AF65-F5344CB8AC3E}">
-        <p14:creationId xmlns:p14="http://schemas.microsoft.com/office/powerpoint/2010/main" val="1875087594"/>
+        <p14:creationId xmlns:p14="http://schemas.microsoft.com/office/powerpoint/2010/main" val="564092194"/>
       </p:ext>
     </p:extLst>
   </p:cSld>
@@ -342,7 +1963,7 @@
               <a:rPr lang="en-US" smtClean="0"/>
               <a:t>Click to edit Master title style</a:t>
             </a:r>
-            <a:endParaRPr lang="en-US" dirty="0"/>
+            <a:endParaRPr lang="en-US"/>
           </a:p>
         </p:txBody>
       </p:sp>
@@ -394,7 +2015,7 @@
               <a:rPr lang="en-US" smtClean="0"/>
               <a:t>Fifth level</a:t>
             </a:r>
-            <a:endParaRPr lang="en-US" dirty="0"/>
+            <a:endParaRPr lang="en-US"/>
           </a:p>
         </p:txBody>
       </p:sp>
@@ -415,7 +2036,7 @@
           <a:p>
             <a:fld id="{F7002437-F966-4254-8623-60AC76BC85E2}" type="datetimeFigureOut">
               <a:rPr lang="en-NZ" smtClean="0"/>
-              <a:t>17/11/2015</a:t>
+              <a:t>18/11/2015</a:t>
             </a:fld>
             <a:endParaRPr lang="en-NZ"/>
           </a:p>
@@ -466,7 +2087,7 @@
     </p:spTree>
     <p:extLst>
       <p:ext uri="{BB962C8B-B14F-4D97-AF65-F5344CB8AC3E}">
-        <p14:creationId xmlns:p14="http://schemas.microsoft.com/office/powerpoint/2010/main" val="3128558232"/>
+        <p14:creationId xmlns:p14="http://schemas.microsoft.com/office/powerpoint/2010/main" val="4047626040"/>
       </p:ext>
     </p:extLst>
   </p:cSld>
@@ -517,7 +2138,7 @@
               <a:rPr lang="en-US" smtClean="0"/>
               <a:t>Click to edit Master title style</a:t>
             </a:r>
-            <a:endParaRPr lang="en-US" dirty="0"/>
+            <a:endParaRPr lang="en-US"/>
           </a:p>
         </p:txBody>
       </p:sp>
@@ -574,7 +2195,7 @@
               <a:rPr lang="en-US" smtClean="0"/>
               <a:t>Fifth level</a:t>
             </a:r>
-            <a:endParaRPr lang="en-US" dirty="0"/>
+            <a:endParaRPr lang="en-US"/>
           </a:p>
         </p:txBody>
       </p:sp>
@@ -595,7 +2216,7 @@
           <a:p>
             <a:fld id="{F7002437-F966-4254-8623-60AC76BC85E2}" type="datetimeFigureOut">
               <a:rPr lang="en-NZ" smtClean="0"/>
-              <a:t>17/11/2015</a:t>
+              <a:t>18/11/2015</a:t>
             </a:fld>
             <a:endParaRPr lang="en-NZ"/>
           </a:p>
@@ -646,7 +2267,7 @@
     </p:spTree>
     <p:extLst>
       <p:ext uri="{BB962C8B-B14F-4D97-AF65-F5344CB8AC3E}">
-        <p14:creationId xmlns:p14="http://schemas.microsoft.com/office/powerpoint/2010/main" val="3326861921"/>
+        <p14:creationId xmlns:p14="http://schemas.microsoft.com/office/powerpoint/2010/main" val="2653080198"/>
       </p:ext>
     </p:extLst>
   </p:cSld>
@@ -692,7 +2313,7 @@
               <a:rPr lang="en-US" smtClean="0"/>
               <a:t>Click to edit Master title style</a:t>
             </a:r>
-            <a:endParaRPr lang="en-US" dirty="0"/>
+            <a:endParaRPr lang="en-US"/>
           </a:p>
         </p:txBody>
       </p:sp>
@@ -744,7 +2365,7 @@
               <a:rPr lang="en-US" smtClean="0"/>
               <a:t>Fifth level</a:t>
             </a:r>
-            <a:endParaRPr lang="en-US" dirty="0"/>
+            <a:endParaRPr lang="en-US"/>
           </a:p>
         </p:txBody>
       </p:sp>
@@ -765,7 +2386,7 @@
           <a:p>
             <a:fld id="{F7002437-F966-4254-8623-60AC76BC85E2}" type="datetimeFigureOut">
               <a:rPr lang="en-NZ" smtClean="0"/>
-              <a:t>17/11/2015</a:t>
+              <a:t>18/11/2015</a:t>
             </a:fld>
             <a:endParaRPr lang="en-NZ"/>
           </a:p>
@@ -816,7 +2437,7 @@
     </p:spTree>
     <p:extLst>
       <p:ext uri="{BB962C8B-B14F-4D97-AF65-F5344CB8AC3E}">
-        <p14:creationId xmlns:p14="http://schemas.microsoft.com/office/powerpoint/2010/main" val="2212211163"/>
+        <p14:creationId xmlns:p14="http://schemas.microsoft.com/office/powerpoint/2010/main" val="3041181600"/>
       </p:ext>
     </p:extLst>
   </p:cSld>
@@ -863,7 +2484,7 @@
           <a:bodyPr anchor="b"/>
           <a:lstStyle>
             <a:lvl1pPr>
-              <a:defRPr sz="6000"/>
+              <a:defRPr sz="4500"/>
             </a:lvl1pPr>
           </a:lstStyle>
           <a:p>
@@ -871,7 +2492,7 @@
               <a:rPr lang="en-US" smtClean="0"/>
               <a:t>Click to edit Master title style</a:t>
             </a:r>
-            <a:endParaRPr lang="en-US" dirty="0"/>
+            <a:endParaRPr lang="en-US"/>
           </a:p>
         </p:txBody>
       </p:sp>
@@ -896,91 +2517,93 @@
           <a:lstStyle>
             <a:lvl1pPr marL="0" indent="0">
               <a:buNone/>
-              <a:defRPr sz="2400">
-                <a:solidFill>
-                  <a:schemeClr val="tx1"/>
-                </a:solidFill>
-              </a:defRPr>
-            </a:lvl1pPr>
-            <a:lvl2pPr marL="457200" indent="0">
-              <a:buNone/>
-              <a:defRPr sz="2000">
+              <a:defRPr sz="1800">
                 <a:solidFill>
                   <a:schemeClr val="tx1">
                     <a:tint val="75000"/>
                   </a:schemeClr>
                 </a:solidFill>
               </a:defRPr>
-            </a:lvl2pPr>
-            <a:lvl3pPr marL="914400" indent="0">
+            </a:lvl1pPr>
+            <a:lvl2pPr marL="342900" indent="0">
               <a:buNone/>
-              <a:defRPr sz="1800">
+              <a:defRPr sz="1500">
                 <a:solidFill>
                   <a:schemeClr val="tx1">
                     <a:tint val="75000"/>
                   </a:schemeClr>
                 </a:solidFill>
               </a:defRPr>
-            </a:lvl3pPr>
-            <a:lvl4pPr marL="1371600" indent="0">
+            </a:lvl2pPr>
+            <a:lvl3pPr marL="685800" indent="0">
               <a:buNone/>
-              <a:defRPr sz="1600">
+              <a:defRPr sz="1350">
                 <a:solidFill>
                   <a:schemeClr val="tx1">
                     <a:tint val="75000"/>
                   </a:schemeClr>
                 </a:solidFill>
               </a:defRPr>
-            </a:lvl4pPr>
-            <a:lvl5pPr marL="1828800" indent="0">
+            </a:lvl3pPr>
+            <a:lvl4pPr marL="1028700" indent="0">
               <a:buNone/>
-              <a:defRPr sz="1600">
+              <a:defRPr sz="1200">
                 <a:solidFill>
                   <a:schemeClr val="tx1">
                     <a:tint val="75000"/>
                   </a:schemeClr>
                 </a:solidFill>
               </a:defRPr>
-            </a:lvl5pPr>
-            <a:lvl6pPr marL="2286000" indent="0">
+            </a:lvl4pPr>
+            <a:lvl5pPr marL="1371600" indent="0">
               <a:buNone/>
-              <a:defRPr sz="1600">
+              <a:defRPr sz="1200">
                 <a:solidFill>
                   <a:schemeClr val="tx1">
                     <a:tint val="75000"/>
                   </a:schemeClr>
                 </a:solidFill>
               </a:defRPr>
-            </a:lvl6pPr>
-            <a:lvl7pPr marL="2743200" indent="0">
+            </a:lvl5pPr>
+            <a:lvl6pPr marL="1714500" indent="0">
               <a:buNone/>
-              <a:defRPr sz="1600">
+              <a:defRPr sz="1200">
                 <a:solidFill>
                   <a:schemeClr val="tx1">
                     <a:tint val="75000"/>
                   </a:schemeClr>
                 </a:solidFill>
               </a:defRPr>
-            </a:lvl7pPr>
-            <a:lvl8pPr marL="3200400" indent="0">
+            </a:lvl6pPr>
+            <a:lvl7pPr marL="2057400" indent="0">
               <a:buNone/>
-              <a:defRPr sz="1600">
+              <a:defRPr sz="1200">
                 <a:solidFill>
                   <a:schemeClr val="tx1">
                     <a:tint val="75000"/>
                   </a:schemeClr>
                 </a:solidFill>
               </a:defRPr>
-            </a:lvl8pPr>
-            <a:lvl9pPr marL="3657600" indent="0">
+            </a:lvl7pPr>
+            <a:lvl8pPr marL="2400300" indent="0">
               <a:buNone/>
-              <a:defRPr sz="1600">
+              <a:defRPr sz="1200">
                 <a:solidFill>
                   <a:schemeClr val="tx1">
                     <a:tint val="75000"/>
                   </a:schemeClr>
                 </a:solidFill>
               </a:defRPr>
+            </a:lvl8pPr>
+            <a:lvl9pPr marL="2743200" indent="0">
+              <a:buNone/>
+              <a:defRPr sz="1200">
+                <a:solidFill>
+                  <a:schemeClr val="tx1">
+                    <a:tint val="75000"/>
+                  </a:schemeClr>
+                </a:solidFill>
+              </a:defRPr>
             </a:lvl9pPr>
           </a:lstStyle>
           <a:p>
@@ -1009,7 +2632,7 @@
           <a:p>
             <a:fld id="{F7002437-F966-4254-8623-60AC76BC85E2}" type="datetimeFigureOut">
               <a:rPr lang="en-NZ" smtClean="0"/>
-              <a:t>17/11/2015</a:t>
+              <a:t>18/11/2015</a:t>
             </a:fld>
             <a:endParaRPr lang="en-NZ"/>
           </a:p>
@@ -1060,7 +2683,7 @@
     </p:spTree>
     <p:extLst>
       <p:ext uri="{BB962C8B-B14F-4D97-AF65-F5344CB8AC3E}">
-        <p14:creationId xmlns:p14="http://schemas.microsoft.com/office/powerpoint/2010/main" val="2918558765"/>
+        <p14:creationId xmlns:p14="http://schemas.microsoft.com/office/powerpoint/2010/main" val="342421092"/>
       </p:ext>
     </p:extLst>
   </p:cSld>
@@ -1106,7 +2729,7 @@
               <a:rPr lang="en-US" smtClean="0"/>
               <a:t>Click to edit Master title style</a:t>
             </a:r>
-            <a:endParaRPr lang="en-US" dirty="0"/>
+            <a:endParaRPr lang="en-US"/>
           </a:p>
         </p:txBody>
       </p:sp>
@@ -1163,7 +2786,7 @@
               <a:rPr lang="en-US" smtClean="0"/>
               <a:t>Fifth level</a:t>
             </a:r>
-            <a:endParaRPr lang="en-US" dirty="0"/>
+            <a:endParaRPr lang="en-US"/>
           </a:p>
         </p:txBody>
       </p:sp>
@@ -1220,7 +2843,7 @@
               <a:rPr lang="en-US" smtClean="0"/>
               <a:t>Fifth level</a:t>
             </a:r>
-            <a:endParaRPr lang="en-US" dirty="0"/>
+            <a:endParaRPr lang="en-US"/>
           </a:p>
         </p:txBody>
       </p:sp>
@@ -1241,7 +2864,7 @@
           <a:p>
             <a:fld id="{F7002437-F966-4254-8623-60AC76BC85E2}" type="datetimeFigureOut">
               <a:rPr lang="en-NZ" smtClean="0"/>
-              <a:t>17/11/2015</a:t>
+              <a:t>18/11/2015</a:t>
             </a:fld>
             <a:endParaRPr lang="en-NZ"/>
           </a:p>
@@ -1292,7 +2915,7 @@
     </p:spTree>
     <p:extLst>
       <p:ext uri="{BB962C8B-B14F-4D97-AF65-F5344CB8AC3E}">
-        <p14:creationId xmlns:p14="http://schemas.microsoft.com/office/powerpoint/2010/main" val="1913666106"/>
+        <p14:creationId xmlns:p14="http://schemas.microsoft.com/office/powerpoint/2010/main" val="2931334710"/>
       </p:ext>
     </p:extLst>
   </p:cSld>
@@ -1343,7 +2966,7 @@
               <a:rPr lang="en-US" smtClean="0"/>
               <a:t>Click to edit Master title style</a:t>
             </a:r>
-            <a:endParaRPr lang="en-US" dirty="0"/>
+            <a:endParaRPr lang="en-US"/>
           </a:p>
         </p:txBody>
       </p:sp>
@@ -1368,39 +2991,39 @@
           <a:lstStyle>
             <a:lvl1pPr marL="0" indent="0">
               <a:buNone/>
-              <a:defRPr sz="2400" b="1"/>
+              <a:defRPr sz="1800" b="1"/>
             </a:lvl1pPr>
-            <a:lvl2pPr marL="457200" indent="0">
+            <a:lvl2pPr marL="342900" indent="0">
               <a:buNone/>
-              <a:defRPr sz="2000" b="1"/>
+              <a:defRPr sz="1500" b="1"/>
             </a:lvl2pPr>
-            <a:lvl3pPr marL="914400" indent="0">
+            <a:lvl3pPr marL="685800" indent="0">
               <a:buNone/>
-              <a:defRPr sz="1800" b="1"/>
+              <a:defRPr sz="1350" b="1"/>
             </a:lvl3pPr>
-            <a:lvl4pPr marL="1371600" indent="0">
+            <a:lvl4pPr marL="1028700" indent="0">
               <a:buNone/>
-              <a:defRPr sz="1600" b="1"/>
+              <a:defRPr sz="1200" b="1"/>
             </a:lvl4pPr>
-            <a:lvl5pPr marL="1828800" indent="0">
+            <a:lvl5pPr marL="1371600" indent="0">
               <a:buNone/>
-              <a:defRPr sz="1600" b="1"/>
+              <a:defRPr sz="1200" b="1"/>
             </a:lvl5pPr>
-            <a:lvl6pPr marL="2286000" indent="0">
+            <a:lvl6pPr marL="1714500" indent="0">
               <a:buNone/>
-              <a:defRPr sz="1600" b="1"/>
+              <a:defRPr sz="1200" b="1"/>
             </a:lvl6pPr>
-            <a:lvl7pPr marL="2743200" indent="0">
+            <a:lvl7pPr marL="2057400" indent="0">
               <a:buNone/>
-              <a:defRPr sz="1600" b="1"/>
+              <a:defRPr sz="1200" b="1"/>
             </a:lvl7pPr>
-            <a:lvl8pPr marL="3200400" indent="0">
+            <a:lvl8pPr marL="2400300" indent="0">
               <a:buNone/>
-              <a:defRPr sz="1600" b="1"/>
+              <a:defRPr sz="1200" b="1"/>
             </a:lvl8pPr>
-            <a:lvl9pPr marL="3657600" indent="0">
+            <a:lvl9pPr marL="2743200" indent="0">
               <a:buNone/>
-              <a:defRPr sz="1600" b="1"/>
+              <a:defRPr sz="1200" b="1"/>
             </a:lvl9pPr>
           </a:lstStyle>
           <a:p>
@@ -1465,7 +3088,7 @@
               <a:rPr lang="en-US" smtClean="0"/>
               <a:t>Fifth level</a:t>
             </a:r>
-            <a:endParaRPr lang="en-US" dirty="0"/>
+            <a:endParaRPr lang="en-US"/>
           </a:p>
         </p:txBody>
       </p:sp>
@@ -1490,39 +3113,39 @@
           <a:lstStyle>
             <a:lvl1pPr marL="0" indent="0">
               <a:buNone/>
-              <a:defRPr sz="2400" b="1"/>
+              <a:defRPr sz="1800" b="1"/>
             </a:lvl1pPr>
-            <a:lvl2pPr marL="457200" indent="0">
+            <a:lvl2pPr marL="342900" indent="0">
               <a:buNone/>
-              <a:defRPr sz="2000" b="1"/>
+              <a:defRPr sz="1500" b="1"/>
             </a:lvl2pPr>
-            <a:lvl3pPr marL="914400" indent="0">
+            <a:lvl3pPr marL="685800" indent="0">
               <a:buNone/>
-              <a:defRPr sz="1800" b="1"/>
+              <a:defRPr sz="1350" b="1"/>
             </a:lvl3pPr>
-            <a:lvl4pPr marL="1371600" indent="0">
+            <a:lvl4pPr marL="1028700" indent="0">
               <a:buNone/>
-              <a:defRPr sz="1600" b="1"/>
+              <a:defRPr sz="1200" b="1"/>
             </a:lvl4pPr>
-            <a:lvl5pPr marL="1828800" indent="0">
+            <a:lvl5pPr marL="1371600" indent="0">
               <a:buNone/>
-              <a:defRPr sz="1600" b="1"/>
+              <a:defRPr sz="1200" b="1"/>
             </a:lvl5pPr>
-            <a:lvl6pPr marL="2286000" indent="0">
+            <a:lvl6pPr marL="1714500" indent="0">
               <a:buNone/>
-              <a:defRPr sz="1600" b="1"/>
+              <a:defRPr sz="1200" b="1"/>
             </a:lvl6pPr>
-            <a:lvl7pPr marL="2743200" indent="0">
+            <a:lvl7pPr marL="2057400" indent="0">
               <a:buNone/>
-              <a:defRPr sz="1600" b="1"/>
+              <a:defRPr sz="1200" b="1"/>
             </a:lvl7pPr>
-            <a:lvl8pPr marL="3200400" indent="0">
+            <a:lvl8pPr marL="2400300" indent="0">
               <a:buNone/>
-              <a:defRPr sz="1600" b="1"/>
+              <a:defRPr sz="1200" b="1"/>
             </a:lvl8pPr>
-            <a:lvl9pPr marL="3657600" indent="0">
+            <a:lvl9pPr marL="2743200" indent="0">
               <a:buNone/>
-              <a:defRPr sz="1600" b="1"/>
+              <a:defRPr sz="1200" b="1"/>
             </a:lvl9pPr>
           </a:lstStyle>
           <a:p>
@@ -1587,7 +3210,7 @@
               <a:rPr lang="en-US" smtClean="0"/>
               <a:t>Fifth level</a:t>
             </a:r>
-            <a:endParaRPr lang="en-US" dirty="0"/>
+            <a:endParaRPr lang="en-US"/>
           </a:p>
         </p:txBody>
       </p:sp>
@@ -1608,7 +3231,7 @@
           <a:p>
             <a:fld id="{F7002437-F966-4254-8623-60AC76BC85E2}" type="datetimeFigureOut">
               <a:rPr lang="en-NZ" smtClean="0"/>
-              <a:t>17/11/2015</a:t>
+              <a:t>18/11/2015</a:t>
             </a:fld>
             <a:endParaRPr lang="en-NZ"/>
           </a:p>
@@ -1659,7 +3282,7 @@
     </p:spTree>
     <p:extLst>
       <p:ext uri="{BB962C8B-B14F-4D97-AF65-F5344CB8AC3E}">
-        <p14:creationId xmlns:p14="http://schemas.microsoft.com/office/powerpoint/2010/main" val="321661054"/>
+        <p14:creationId xmlns:p14="http://schemas.microsoft.com/office/powerpoint/2010/main" val="2575023234"/>
       </p:ext>
     </p:extLst>
   </p:cSld>
@@ -1705,7 +3328,7 @@
               <a:rPr lang="en-US" smtClean="0"/>
               <a:t>Click to edit Master title style</a:t>
             </a:r>
-            <a:endParaRPr lang="en-US" dirty="0"/>
+            <a:endParaRPr lang="en-US"/>
           </a:p>
         </p:txBody>
       </p:sp>
@@ -1726,7 +3349,7 @@
           <a:p>
             <a:fld id="{F7002437-F966-4254-8623-60AC76BC85E2}" type="datetimeFigureOut">
               <a:rPr lang="en-NZ" smtClean="0"/>
-              <a:t>17/11/2015</a:t>
+              <a:t>18/11/2015</a:t>
             </a:fld>
             <a:endParaRPr lang="en-NZ"/>
           </a:p>
@@ -1777,7 +3400,7 @@
     </p:spTree>
     <p:extLst>
       <p:ext uri="{BB962C8B-B14F-4D97-AF65-F5344CB8AC3E}">
-        <p14:creationId xmlns:p14="http://schemas.microsoft.com/office/powerpoint/2010/main" val="1162571758"/>
+        <p14:creationId xmlns:p14="http://schemas.microsoft.com/office/powerpoint/2010/main" val="651290458"/>
       </p:ext>
     </p:extLst>
   </p:cSld>
@@ -1821,7 +3444,7 @@
           <a:p>
             <a:fld id="{F7002437-F966-4254-8623-60AC76BC85E2}" type="datetimeFigureOut">
               <a:rPr lang="en-NZ" smtClean="0"/>
-              <a:t>17/11/2015</a:t>
+              <a:t>18/11/2015</a:t>
             </a:fld>
             <a:endParaRPr lang="en-NZ"/>
           </a:p>
@@ -1872,7 +3495,7 @@
     </p:spTree>
     <p:extLst>
       <p:ext uri="{BB962C8B-B14F-4D97-AF65-F5344CB8AC3E}">
-        <p14:creationId xmlns:p14="http://schemas.microsoft.com/office/powerpoint/2010/main" val="3767684090"/>
+        <p14:creationId xmlns:p14="http://schemas.microsoft.com/office/powerpoint/2010/main" val="1582709784"/>
       </p:ext>
     </p:extLst>
   </p:cSld>
@@ -1919,7 +3542,7 @@
           <a:bodyPr anchor="b"/>
           <a:lstStyle>
             <a:lvl1pPr>
-              <a:defRPr sz="3200"/>
+              <a:defRPr sz="2400"/>
             </a:lvl1pPr>
           </a:lstStyle>
           <a:p>
@@ -1927,7 +3550,7 @@
               <a:rPr lang="en-US" smtClean="0"/>
               <a:t>Click to edit Master title style</a:t>
             </a:r>
-            <a:endParaRPr lang="en-US" dirty="0"/>
+            <a:endParaRPr lang="en-US"/>
           </a:p>
         </p:txBody>
       </p:sp>
@@ -1951,31 +3574,31 @@
           <a:bodyPr/>
           <a:lstStyle>
             <a:lvl1pPr>
-              <a:defRPr sz="3200"/>
+              <a:defRPr sz="2400"/>
             </a:lvl1pPr>
             <a:lvl2pPr>
-              <a:defRPr sz="2800"/>
+              <a:defRPr sz="2100"/>
             </a:lvl2pPr>
             <a:lvl3pPr>
-              <a:defRPr sz="2400"/>
+              <a:defRPr sz="1800"/>
             </a:lvl3pPr>
             <a:lvl4pPr>
-              <a:defRPr sz="2000"/>
+              <a:defRPr sz="1500"/>
             </a:lvl4pPr>
             <a:lvl5pPr>
-              <a:defRPr sz="2000"/>
+              <a:defRPr sz="1500"/>
             </a:lvl5pPr>
             <a:lvl6pPr>
-              <a:defRPr sz="2000"/>
+              <a:defRPr sz="1500"/>
             </a:lvl6pPr>
             <a:lvl7pPr>
-              <a:defRPr sz="2000"/>
+              <a:defRPr sz="1500"/>
             </a:lvl7pPr>
             <a:lvl8pPr>
-              <a:defRPr sz="2000"/>
+              <a:defRPr sz="1500"/>
             </a:lvl8pPr>
             <a:lvl9pPr>
-              <a:defRPr sz="2000"/>
+              <a:defRPr sz="1500"/>
             </a:lvl9pPr>
           </a:lstStyle>
           <a:p>
@@ -2012,7 +3635,7 @@
               <a:rPr lang="en-US" smtClean="0"/>
               <a:t>Fifth level</a:t>
             </a:r>
-            <a:endParaRPr lang="en-US" dirty="0"/>
+            <a:endParaRPr lang="en-US"/>
           </a:p>
         </p:txBody>
       </p:sp>
@@ -2037,39 +3660,39 @@
           <a:lstStyle>
             <a:lvl1pPr marL="0" indent="0">
               <a:buNone/>
-              <a:defRPr sz="1600"/>
+              <a:defRPr sz="1200"/>
             </a:lvl1pPr>
-            <a:lvl2pPr marL="457200" indent="0">
+            <a:lvl2pPr marL="342900" indent="0">
               <a:buNone/>
-              <a:defRPr sz="1400"/>
+              <a:defRPr sz="1050"/>
             </a:lvl2pPr>
-            <a:lvl3pPr marL="914400" indent="0">
+            <a:lvl3pPr marL="685800" indent="0">
               <a:buNone/>
-              <a:defRPr sz="1200"/>
+              <a:defRPr sz="900"/>
             </a:lvl3pPr>
-            <a:lvl4pPr marL="1371600" indent="0">
+            <a:lvl4pPr marL="1028700" indent="0">
               <a:buNone/>
-              <a:defRPr sz="1000"/>
+              <a:defRPr sz="750"/>
             </a:lvl4pPr>
-            <a:lvl5pPr marL="1828800" indent="0">
+            <a:lvl5pPr marL="1371600" indent="0">
               <a:buNone/>
-              <a:defRPr sz="1000"/>
+              <a:defRPr sz="750"/>
             </a:lvl5pPr>
-            <a:lvl6pPr marL="2286000" indent="0">
+            <a:lvl6pPr marL="1714500" indent="0">
               <a:buNone/>
-              <a:defRPr sz="1000"/>
+              <a:defRPr sz="750"/>
             </a:lvl6pPr>
-            <a:lvl7pPr marL="2743200" indent="0">
+            <a:lvl7pPr marL="2057400" indent="0">
               <a:buNone/>
-              <a:defRPr sz="1000"/>
+              <a:defRPr sz="750"/>
             </a:lvl7pPr>
-            <a:lvl8pPr marL="3200400" indent="0">
+            <a:lvl8pPr marL="2400300" indent="0">
               <a:buNone/>
-              <a:defRPr sz="1000"/>
+              <a:defRPr sz="750"/>
             </a:lvl8pPr>
-            <a:lvl9pPr marL="3657600" indent="0">
+            <a:lvl9pPr marL="2743200" indent="0">
               <a:buNone/>
-              <a:defRPr sz="1000"/>
+              <a:defRPr sz="750"/>
             </a:lvl9pPr>
           </a:lstStyle>
           <a:p>
@@ -2098,7 +3721,7 @@
           <a:p>
             <a:fld id="{F7002437-F966-4254-8623-60AC76BC85E2}" type="datetimeFigureOut">
               <a:rPr lang="en-NZ" smtClean="0"/>
-              <a:t>17/11/2015</a:t>
+              <a:t>18/11/2015</a:t>
             </a:fld>
             <a:endParaRPr lang="en-NZ"/>
           </a:p>
@@ -2149,7 +3772,7 @@
     </p:spTree>
     <p:extLst>
       <p:ext uri="{BB962C8B-B14F-4D97-AF65-F5344CB8AC3E}">
-        <p14:creationId xmlns:p14="http://schemas.microsoft.com/office/powerpoint/2010/main" val="21612879"/>
+        <p14:creationId xmlns:p14="http://schemas.microsoft.com/office/powerpoint/2010/main" val="4252331291"/>
       </p:ext>
     </p:extLst>
   </p:cSld>
@@ -2196,7 +3819,7 @@
           <a:bodyPr anchor="b"/>
           <a:lstStyle>
             <a:lvl1pPr>
-              <a:defRPr sz="3200"/>
+              <a:defRPr sz="2400"/>
             </a:lvl1pPr>
           </a:lstStyle>
           <a:p>
@@ -2204,7 +3827,7 @@
               <a:rPr lang="en-US" smtClean="0"/>
               <a:t>Click to edit Master title style</a:t>
             </a:r>
-            <a:endParaRPr lang="en-US" dirty="0"/>
+            <a:endParaRPr lang="en-US"/>
           </a:p>
         </p:txBody>
       </p:sp>
@@ -2212,7 +3835,7 @@
         <p:nvSpPr>
           <p:cNvPr id="3" name="Picture Placeholder 2"/>
           <p:cNvSpPr>
-            <a:spLocks noGrp="1" noChangeAspect="1"/>
+            <a:spLocks noGrp="1"/>
           </p:cNvSpPr>
           <p:nvPr>
             <p:ph type="pic" idx="1"/>
@@ -2225,51 +3848,47 @@
           </a:xfrm>
         </p:spPr>
         <p:txBody>
-          <a:bodyPr anchor="t"/>
+          <a:bodyPr/>
           <a:lstStyle>
             <a:lvl1pPr marL="0" indent="0">
               <a:buNone/>
-              <a:defRPr sz="3200"/>
+              <a:defRPr sz="2400"/>
             </a:lvl1pPr>
-            <a:lvl2pPr marL="457200" indent="0">
+            <a:lvl2pPr marL="342900" indent="0">
               <a:buNone/>
-              <a:defRPr sz="2800"/>
+              <a:defRPr sz="2100"/>
             </a:lvl2pPr>
-            <a:lvl3pPr marL="914400" indent="0">
+            <a:lvl3pPr marL="685800" indent="0">
               <a:buNone/>
-              <a:defRPr sz="2400"/>
+              <a:defRPr sz="1800"/>
             </a:lvl3pPr>
-            <a:lvl4pPr marL="1371600" indent="0">
+            <a:lvl4pPr marL="1028700" indent="0">
               <a:buNone/>
-              <a:defRPr sz="2000"/>
+              <a:defRPr sz="1500"/>
             </a:lvl4pPr>
-            <a:lvl5pPr marL="1828800" indent="0">
+            <a:lvl5pPr marL="1371600" indent="0">
               <a:buNone/>
-              <a:defRPr sz="2000"/>
+              <a:defRPr sz="1500"/>
             </a:lvl5pPr>
-            <a:lvl6pPr marL="2286000" indent="0">
+            <a:lvl6pPr marL="1714500" indent="0">
               <a:buNone/>
-              <a:defRPr sz="2000"/>
+              <a:defRPr sz="1500"/>
             </a:lvl6pPr>
-            <a:lvl7pPr marL="2743200" indent="0">
+            <a:lvl7pPr marL="2057400" indent="0">
               <a:buNone/>
-              <a:defRPr sz="2000"/>
+              <a:defRPr sz="1500"/>
             </a:lvl7pPr>
-            <a:lvl8pPr marL="3200400" indent="0">
+            <a:lvl8pPr marL="2400300" indent="0">
               <a:buNone/>
-              <a:defRPr sz="2000"/>
+              <a:defRPr sz="1500"/>
             </a:lvl8pPr>
-            <a:lvl9pPr marL="3657600" indent="0">
+            <a:lvl9pPr marL="2743200" indent="0">
               <a:buNone/>
-              <a:defRPr sz="2000"/>
+              <a:defRPr sz="1500"/>
             </a:lvl9pPr>
           </a:lstStyle>
           <a:p>
-            <a:r>
-              <a:rPr lang="en-US" smtClean="0"/>
-              <a:t>Click icon to add picture</a:t>
-            </a:r>
-            <a:endParaRPr lang="en-US" dirty="0"/>
+            <a:endParaRPr lang="en-US"/>
           </a:p>
         </p:txBody>
       </p:sp>
@@ -2294,39 +3913,39 @@
           <a:lstStyle>
             <a:lvl1pPr marL="0" indent="0">
               <a:buNone/>
-              <a:defRPr sz="1600"/>
+              <a:defRPr sz="1200"/>
             </a:lvl1pPr>
-            <a:lvl2pPr marL="457200" indent="0">
+            <a:lvl2pPr marL="342900" indent="0">
               <a:buNone/>
-              <a:defRPr sz="1400"/>
+              <a:defRPr sz="1050"/>
             </a:lvl2pPr>
-            <a:lvl3pPr marL="914400" indent="0">
+            <a:lvl3pPr marL="685800" indent="0">
               <a:buNone/>
-              <a:defRPr sz="1200"/>
+              <a:defRPr sz="900"/>
             </a:lvl3pPr>
-            <a:lvl4pPr marL="1371600" indent="0">
+            <a:lvl4pPr marL="1028700" indent="0">
               <a:buNone/>
-              <a:defRPr sz="1000"/>
+              <a:defRPr sz="750"/>
             </a:lvl4pPr>
-            <a:lvl5pPr marL="1828800" indent="0">
+            <a:lvl5pPr marL="1371600" indent="0">
               <a:buNone/>
-              <a:defRPr sz="1000"/>
+              <a:defRPr sz="750"/>
             </a:lvl5pPr>
-            <a:lvl6pPr marL="2286000" indent="0">
+            <a:lvl6pPr marL="1714500" indent="0">
               <a:buNone/>
-              <a:defRPr sz="1000"/>
+              <a:defRPr sz="750"/>
             </a:lvl6pPr>
-            <a:lvl7pPr marL="2743200" indent="0">
+            <a:lvl7pPr marL="2057400" indent="0">
               <a:buNone/>
-              <a:defRPr sz="1000"/>
+              <a:defRPr sz="750"/>
             </a:lvl7pPr>
-            <a:lvl8pPr marL="3200400" indent="0">
+            <a:lvl8pPr marL="2400300" indent="0">
               <a:buNone/>
-              <a:defRPr sz="1000"/>
+              <a:defRPr sz="750"/>
             </a:lvl8pPr>
-            <a:lvl9pPr marL="3657600" indent="0">
+            <a:lvl9pPr marL="2743200" indent="0">
               <a:buNone/>
-              <a:defRPr sz="1000"/>
+              <a:defRPr sz="750"/>
             </a:lvl9pPr>
           </a:lstStyle>
           <a:p>
@@ -2355,7 +3974,7 @@
           <a:p>
             <a:fld id="{F7002437-F966-4254-8623-60AC76BC85E2}" type="datetimeFigureOut">
               <a:rPr lang="en-NZ" smtClean="0"/>
-              <a:t>17/11/2015</a:t>
+              <a:t>18/11/2015</a:t>
             </a:fld>
             <a:endParaRPr lang="en-NZ"/>
           </a:p>
@@ -2406,7 +4025,7 @@
     </p:spTree>
     <p:extLst>
       <p:ext uri="{BB962C8B-B14F-4D97-AF65-F5344CB8AC3E}">
-        <p14:creationId xmlns:p14="http://schemas.microsoft.com/office/powerpoint/2010/main" val="550929377"/>
+        <p14:creationId xmlns:p14="http://schemas.microsoft.com/office/powerpoint/2010/main" val="3190815513"/>
       </p:ext>
     </p:extLst>
   </p:cSld>
@@ -2420,9 +4039,12 @@
 <p:sldMaster xmlns:a="http://schemas.openxmlformats.org/drawingml/2006/main" xmlns:r="http://schemas.openxmlformats.org/officeDocument/2006/relationships" xmlns:p="http://schemas.openxmlformats.org/presentationml/2006/main">
   <p:cSld>
     <p:bg>
-      <p:bgRef idx="1001">
-        <a:schemeClr val="bg1"/>
-      </p:bgRef>
+      <p:bgPr>
+        <a:solidFill>
+          <a:srgbClr val="3A3B3C"/>
+        </a:solidFill>
+        <a:effectLst/>
+      </p:bgPr>
     </p:bg>
     <p:spTree>
       <p:nvGrpSpPr>
@@ -2467,7 +4089,7 @@
               <a:rPr lang="en-US" smtClean="0"/>
               <a:t>Click to edit Master title style</a:t>
             </a:r>
-            <a:endParaRPr lang="en-US" dirty="0"/>
+            <a:endParaRPr lang="en-US"/>
           </a:p>
         </p:txBody>
       </p:sp>
@@ -2529,7 +4151,7 @@
               <a:rPr lang="en-US" smtClean="0"/>
               <a:t>Fifth level</a:t>
             </a:r>
-            <a:endParaRPr lang="en-US" dirty="0"/>
+            <a:endParaRPr lang="en-US"/>
           </a:p>
         </p:txBody>
       </p:sp>
@@ -2556,7 +4178,7 @@
           <a:bodyPr vert="horz" lIns="91440" tIns="45720" rIns="91440" bIns="45720" rtlCol="0" anchor="ctr"/>
           <a:lstStyle>
             <a:lvl1pPr algn="l">
-              <a:defRPr sz="1200">
+              <a:defRPr sz="900">
                 <a:solidFill>
                   <a:schemeClr val="tx1">
                     <a:tint val="75000"/>
@@ -2568,7 +4190,7 @@
           <a:p>
             <a:fld id="{F7002437-F966-4254-8623-60AC76BC85E2}" type="datetimeFigureOut">
               <a:rPr lang="en-NZ" smtClean="0"/>
-              <a:t>17/11/2015</a:t>
+              <a:t>18/11/2015</a:t>
             </a:fld>
             <a:endParaRPr lang="en-NZ"/>
           </a:p>
@@ -2597,7 +4219,7 @@
           <a:bodyPr vert="horz" lIns="91440" tIns="45720" rIns="91440" bIns="45720" rtlCol="0" anchor="ctr"/>
           <a:lstStyle>
             <a:lvl1pPr algn="ctr">
-              <a:defRPr sz="1200">
+              <a:defRPr sz="900">
                 <a:solidFill>
                   <a:schemeClr val="tx1">
                     <a:tint val="75000"/>
@@ -2634,7 +4256,7 @@
           <a:bodyPr vert="horz" lIns="91440" tIns="45720" rIns="91440" bIns="45720" rtlCol="0" anchor="ctr"/>
           <a:lstStyle>
             <a:lvl1pPr algn="r">
-              <a:defRPr sz="1200">
+              <a:defRPr sz="900">
                 <a:solidFill>
                   <a:schemeClr val="tx1">
                     <a:tint val="75000"/>
@@ -2655,27 +4277,27 @@
     </p:spTree>
     <p:extLst>
       <p:ext uri="{BB962C8B-B14F-4D97-AF65-F5344CB8AC3E}">
-        <p14:creationId xmlns:p14="http://schemas.microsoft.com/office/powerpoint/2010/main" val="955128908"/>
+        <p14:creationId xmlns:p14="http://schemas.microsoft.com/office/powerpoint/2010/main" val="3372579828"/>
       </p:ext>
     </p:extLst>
   </p:cSld>
   <p:clrMap bg1="lt1" tx1="dk1" bg2="lt2" tx2="dk2" accent1="accent1" accent2="accent2" accent3="accent3" accent4="accent4" accent5="accent5" accent6="accent6" hlink="hlink" folHlink="folHlink"/>
   <p:sldLayoutIdLst>
-    <p:sldLayoutId id="2147483661" r:id="rId1"/>
-    <p:sldLayoutId id="2147483662" r:id="rId2"/>
-    <p:sldLayoutId id="2147483663" r:id="rId3"/>
-    <p:sldLayoutId id="2147483664" r:id="rId4"/>
-    <p:sldLayoutId id="2147483665" r:id="rId5"/>
-    <p:sldLayoutId id="2147483666" r:id="rId6"/>
-    <p:sldLayoutId id="2147483667" r:id="rId7"/>
-    <p:sldLayoutId id="2147483668" r:id="rId8"/>
-    <p:sldLayoutId id="2147483669" r:id="rId9"/>
-    <p:sldLayoutId id="2147483670" r:id="rId10"/>
-    <p:sldLayoutId id="2147483671" r:id="rId11"/>
+    <p:sldLayoutId id="2147483739" r:id="rId1"/>
+    <p:sldLayoutId id="2147483740" r:id="rId2"/>
+    <p:sldLayoutId id="2147483741" r:id="rId3"/>
+    <p:sldLayoutId id="2147483742" r:id="rId4"/>
+    <p:sldLayoutId id="2147483743" r:id="rId5"/>
+    <p:sldLayoutId id="2147483744" r:id="rId6"/>
+    <p:sldLayoutId id="2147483745" r:id="rId7"/>
+    <p:sldLayoutId id="2147483746" r:id="rId8"/>
+    <p:sldLayoutId id="2147483747" r:id="rId9"/>
+    <p:sldLayoutId id="2147483748" r:id="rId10"/>
+    <p:sldLayoutId id="2147483749" r:id="rId11"/>
   </p:sldLayoutIdLst>
   <p:txStyles>
     <p:titleStyle>
-      <a:lvl1pPr algn="l" defTabSz="914400" rtl="0" eaLnBrk="1" latinLnBrk="0" hangingPunct="1">
+      <a:lvl1pPr algn="l" defTabSz="685800" rtl="0" eaLnBrk="1" latinLnBrk="0" hangingPunct="1">
         <a:lnSpc>
           <a:spcPct val="90000"/>
         </a:lnSpc>
@@ -2683,7 +4305,7 @@
           <a:spcPct val="0"/>
         </a:spcBef>
         <a:buNone/>
-        <a:defRPr sz="4400" kern="1200">
+        <a:defRPr sz="3300" kern="1200">
           <a:solidFill>
             <a:schemeClr val="tx1"/>
           </a:solidFill>
@@ -2694,16 +4316,16 @@
       </a:lvl1pPr>
     </p:titleStyle>
     <p:bodyStyle>
-      <a:lvl1pPr marL="228600" indent="-228600" algn="l" defTabSz="914400" rtl="0" eaLnBrk="1" latinLnBrk="0" hangingPunct="1">
+      <a:lvl1pPr marL="171450" indent="-171450" algn="l" defTabSz="685800" rtl="0" eaLnBrk="1" latinLnBrk="0" hangingPunct="1">
         <a:lnSpc>
           <a:spcPct val="90000"/>
         </a:lnSpc>
         <a:spcBef>
-          <a:spcPts val="1000"/>
+          <a:spcPts val="750"/>
         </a:spcBef>
         <a:buFont typeface="Arial" panose="020B0604020202020204" pitchFamily="34" charset="0"/>
         <a:buChar char="•"/>
-        <a:defRPr sz="2800" kern="1200">
+        <a:defRPr sz="2100" kern="1200">
           <a:solidFill>
             <a:schemeClr val="tx1"/>
           </a:solidFill>
@@ -2712,48 +4334,12 @@
           <a:cs typeface="+mn-cs"/>
         </a:defRPr>
       </a:lvl1pPr>
-      <a:lvl2pPr marL="685800" indent="-228600" algn="l" defTabSz="914400" rtl="0" eaLnBrk="1" latinLnBrk="0" hangingPunct="1">
+      <a:lvl2pPr marL="514350" indent="-171450" algn="l" defTabSz="685800" rtl="0" eaLnBrk="1" latinLnBrk="0" hangingPunct="1">
         <a:lnSpc>
           <a:spcPct val="90000"/>
         </a:lnSpc>
         <a:spcBef>
-          <a:spcPts val="500"/>
-        </a:spcBef>
-        <a:buFont typeface="Arial" panose="020B0604020202020204" pitchFamily="34" charset="0"/>
-        <a:buChar char="•"/>
-        <a:defRPr sz="2400" kern="1200">
-          <a:solidFill>
-            <a:schemeClr val="tx1"/>
-          </a:solidFill>
-          <a:latin typeface="+mn-lt"/>
-          <a:ea typeface="+mn-ea"/>
-          <a:cs typeface="+mn-cs"/>
-        </a:defRPr>
-      </a:lvl2pPr>
-      <a:lvl3pPr marL="1143000" indent="-228600" algn="l" defTabSz="914400" rtl="0" eaLnBrk="1" latinLnBrk="0" hangingPunct="1">
-        <a:lnSpc>
-          <a:spcPct val="90000"/>
-        </a:lnSpc>
-        <a:spcBef>
-          <a:spcPts val="500"/>
-        </a:spcBef>
-        <a:buFont typeface="Arial" panose="020B0604020202020204" pitchFamily="34" charset="0"/>
-        <a:buChar char="•"/>
-        <a:defRPr sz="2000" kern="1200">
-          <a:solidFill>
-            <a:schemeClr val="tx1"/>
-          </a:solidFill>
-          <a:latin typeface="+mn-lt"/>
-          <a:ea typeface="+mn-ea"/>
-          <a:cs typeface="+mn-cs"/>
-        </a:defRPr>
-      </a:lvl3pPr>
-      <a:lvl4pPr marL="1600200" indent="-228600" algn="l" defTabSz="914400" rtl="0" eaLnBrk="1" latinLnBrk="0" hangingPunct="1">
-        <a:lnSpc>
-          <a:spcPct val="90000"/>
-        </a:lnSpc>
-        <a:spcBef>
-          <a:spcPts val="500"/>
+          <a:spcPts val="375"/>
         </a:spcBef>
         <a:buFont typeface="Arial" panose="020B0604020202020204" pitchFamily="34" charset="0"/>
         <a:buChar char="•"/>
@@ -2765,17 +4351,53 @@
           <a:ea typeface="+mn-ea"/>
           <a:cs typeface="+mn-cs"/>
         </a:defRPr>
-      </a:lvl4pPr>
-      <a:lvl5pPr marL="2057400" indent="-228600" algn="l" defTabSz="914400" rtl="0" eaLnBrk="1" latinLnBrk="0" hangingPunct="1">
+      </a:lvl2pPr>
+      <a:lvl3pPr marL="857250" indent="-171450" algn="l" defTabSz="685800" rtl="0" eaLnBrk="1" latinLnBrk="0" hangingPunct="1">
         <a:lnSpc>
           <a:spcPct val="90000"/>
         </a:lnSpc>
         <a:spcBef>
-          <a:spcPts val="500"/>
+          <a:spcPts val="375"/>
         </a:spcBef>
         <a:buFont typeface="Arial" panose="020B0604020202020204" pitchFamily="34" charset="0"/>
         <a:buChar char="•"/>
-        <a:defRPr sz="1800" kern="1200">
+        <a:defRPr sz="1500" kern="1200">
+          <a:solidFill>
+            <a:schemeClr val="tx1"/>
+          </a:solidFill>
+          <a:latin typeface="+mn-lt"/>
+          <a:ea typeface="+mn-ea"/>
+          <a:cs typeface="+mn-cs"/>
+        </a:defRPr>
+      </a:lvl3pPr>
+      <a:lvl4pPr marL="1200150" indent="-171450" algn="l" defTabSz="685800" rtl="0" eaLnBrk="1" latinLnBrk="0" hangingPunct="1">
+        <a:lnSpc>
+          <a:spcPct val="90000"/>
+        </a:lnSpc>
+        <a:spcBef>
+          <a:spcPts val="375"/>
+        </a:spcBef>
+        <a:buFont typeface="Arial" panose="020B0604020202020204" pitchFamily="34" charset="0"/>
+        <a:buChar char="•"/>
+        <a:defRPr sz="1350" kern="1200">
+          <a:solidFill>
+            <a:schemeClr val="tx1"/>
+          </a:solidFill>
+          <a:latin typeface="+mn-lt"/>
+          <a:ea typeface="+mn-ea"/>
+          <a:cs typeface="+mn-cs"/>
+        </a:defRPr>
+      </a:lvl4pPr>
+      <a:lvl5pPr marL="1543050" indent="-171450" algn="l" defTabSz="685800" rtl="0" eaLnBrk="1" latinLnBrk="0" hangingPunct="1">
+        <a:lnSpc>
+          <a:spcPct val="90000"/>
+        </a:lnSpc>
+        <a:spcBef>
+          <a:spcPts val="375"/>
+        </a:spcBef>
+        <a:buFont typeface="Arial" panose="020B0604020202020204" pitchFamily="34" charset="0"/>
+        <a:buChar char="•"/>
+        <a:defRPr sz="1350" kern="1200">
           <a:solidFill>
             <a:schemeClr val="tx1"/>
           </a:solidFill>
@@ -2784,16 +4406,16 @@
           <a:cs typeface="+mn-cs"/>
         </a:defRPr>
       </a:lvl5pPr>
-      <a:lvl6pPr marL="2514600" indent="-228600" algn="l" defTabSz="914400" rtl="0" eaLnBrk="1" latinLnBrk="0" hangingPunct="1">
+      <a:lvl6pPr marL="1885950" indent="-171450" algn="l" defTabSz="685800" rtl="0" eaLnBrk="1" latinLnBrk="0" hangingPunct="1">
         <a:lnSpc>
           <a:spcPct val="90000"/>
         </a:lnSpc>
         <a:spcBef>
-          <a:spcPts val="500"/>
+          <a:spcPts val="375"/>
         </a:spcBef>
         <a:buFont typeface="Arial" panose="020B0604020202020204" pitchFamily="34" charset="0"/>
         <a:buChar char="•"/>
-        <a:defRPr sz="1800" kern="1200">
+        <a:defRPr sz="1350" kern="1200">
           <a:solidFill>
             <a:schemeClr val="tx1"/>
           </a:solidFill>
@@ -2802,16 +4424,16 @@
           <a:cs typeface="+mn-cs"/>
         </a:defRPr>
       </a:lvl6pPr>
-      <a:lvl7pPr marL="2971800" indent="-228600" algn="l" defTabSz="914400" rtl="0" eaLnBrk="1" latinLnBrk="0" hangingPunct="1">
+      <a:lvl7pPr marL="2228850" indent="-171450" algn="l" defTabSz="685800" rtl="0" eaLnBrk="1" latinLnBrk="0" hangingPunct="1">
         <a:lnSpc>
           <a:spcPct val="90000"/>
         </a:lnSpc>
         <a:spcBef>
-          <a:spcPts val="500"/>
+          <a:spcPts val="375"/>
         </a:spcBef>
         <a:buFont typeface="Arial" panose="020B0604020202020204" pitchFamily="34" charset="0"/>
         <a:buChar char="•"/>
-        <a:defRPr sz="1800" kern="1200">
+        <a:defRPr sz="1350" kern="1200">
           <a:solidFill>
             <a:schemeClr val="tx1"/>
           </a:solidFill>
@@ -2820,16 +4442,16 @@
           <a:cs typeface="+mn-cs"/>
         </a:defRPr>
       </a:lvl7pPr>
-      <a:lvl8pPr marL="3429000" indent="-228600" algn="l" defTabSz="914400" rtl="0" eaLnBrk="1" latinLnBrk="0" hangingPunct="1">
+      <a:lvl8pPr marL="2571750" indent="-171450" algn="l" defTabSz="685800" rtl="0" eaLnBrk="1" latinLnBrk="0" hangingPunct="1">
         <a:lnSpc>
           <a:spcPct val="90000"/>
         </a:lnSpc>
         <a:spcBef>
-          <a:spcPts val="500"/>
+          <a:spcPts val="375"/>
         </a:spcBef>
         <a:buFont typeface="Arial" panose="020B0604020202020204" pitchFamily="34" charset="0"/>
         <a:buChar char="•"/>
-        <a:defRPr sz="1800" kern="1200">
+        <a:defRPr sz="1350" kern="1200">
           <a:solidFill>
             <a:schemeClr val="tx1"/>
           </a:solidFill>
@@ -2838,16 +4460,16 @@
           <a:cs typeface="+mn-cs"/>
         </a:defRPr>
       </a:lvl8pPr>
-      <a:lvl9pPr marL="3886200" indent="-228600" algn="l" defTabSz="914400" rtl="0" eaLnBrk="1" latinLnBrk="0" hangingPunct="1">
+      <a:lvl9pPr marL="2914650" indent="-171450" algn="l" defTabSz="685800" rtl="0" eaLnBrk="1" latinLnBrk="0" hangingPunct="1">
         <a:lnSpc>
           <a:spcPct val="90000"/>
         </a:lnSpc>
         <a:spcBef>
-          <a:spcPts val="500"/>
+          <a:spcPts val="375"/>
         </a:spcBef>
         <a:buFont typeface="Arial" panose="020B0604020202020204" pitchFamily="34" charset="0"/>
         <a:buChar char="•"/>
-        <a:defRPr sz="1800" kern="1200">
+        <a:defRPr sz="1350" kern="1200">
           <a:solidFill>
             <a:schemeClr val="tx1"/>
           </a:solidFill>
@@ -2861,8 +4483,8 @@
       <a:defPPr>
         <a:defRPr lang="en-US"/>
       </a:defPPr>
-      <a:lvl1pPr marL="0" algn="l" defTabSz="914400" rtl="0" eaLnBrk="1" latinLnBrk="0" hangingPunct="1">
-        <a:defRPr sz="1800" kern="1200">
+      <a:lvl1pPr marL="0" algn="l" defTabSz="685800" rtl="0" eaLnBrk="1" latinLnBrk="0" hangingPunct="1">
+        <a:defRPr sz="1350" kern="1200">
           <a:solidFill>
             <a:schemeClr val="tx1"/>
           </a:solidFill>
@@ -2871,8 +4493,8 @@
           <a:cs typeface="+mn-cs"/>
         </a:defRPr>
       </a:lvl1pPr>
-      <a:lvl2pPr marL="457200" algn="l" defTabSz="914400" rtl="0" eaLnBrk="1" latinLnBrk="0" hangingPunct="1">
-        <a:defRPr sz="1800" kern="1200">
+      <a:lvl2pPr marL="342900" algn="l" defTabSz="685800" rtl="0" eaLnBrk="1" latinLnBrk="0" hangingPunct="1">
+        <a:defRPr sz="1350" kern="1200">
           <a:solidFill>
             <a:schemeClr val="tx1"/>
           </a:solidFill>
@@ -2881,8 +4503,8 @@
           <a:cs typeface="+mn-cs"/>
         </a:defRPr>
       </a:lvl2pPr>
-      <a:lvl3pPr marL="914400" algn="l" defTabSz="914400" rtl="0" eaLnBrk="1" latinLnBrk="0" hangingPunct="1">
-        <a:defRPr sz="1800" kern="1200">
+      <a:lvl3pPr marL="685800" algn="l" defTabSz="685800" rtl="0" eaLnBrk="1" latinLnBrk="0" hangingPunct="1">
+        <a:defRPr sz="1350" kern="1200">
           <a:solidFill>
             <a:schemeClr val="tx1"/>
           </a:solidFill>
@@ -2891,8 +4513,8 @@
           <a:cs typeface="+mn-cs"/>
         </a:defRPr>
       </a:lvl3pPr>
-      <a:lvl4pPr marL="1371600" algn="l" defTabSz="914400" rtl="0" eaLnBrk="1" latinLnBrk="0" hangingPunct="1">
-        <a:defRPr sz="1800" kern="1200">
+      <a:lvl4pPr marL="1028700" algn="l" defTabSz="685800" rtl="0" eaLnBrk="1" latinLnBrk="0" hangingPunct="1">
+        <a:defRPr sz="1350" kern="1200">
           <a:solidFill>
             <a:schemeClr val="tx1"/>
           </a:solidFill>
@@ -2901,8 +4523,8 @@
           <a:cs typeface="+mn-cs"/>
         </a:defRPr>
       </a:lvl4pPr>
-      <a:lvl5pPr marL="1828800" algn="l" defTabSz="914400" rtl="0" eaLnBrk="1" latinLnBrk="0" hangingPunct="1">
-        <a:defRPr sz="1800" kern="1200">
+      <a:lvl5pPr marL="1371600" algn="l" defTabSz="685800" rtl="0" eaLnBrk="1" latinLnBrk="0" hangingPunct="1">
+        <a:defRPr sz="1350" kern="1200">
           <a:solidFill>
             <a:schemeClr val="tx1"/>
           </a:solidFill>
@@ -2911,8 +4533,8 @@
           <a:cs typeface="+mn-cs"/>
         </a:defRPr>
       </a:lvl5pPr>
-      <a:lvl6pPr marL="2286000" algn="l" defTabSz="914400" rtl="0" eaLnBrk="1" latinLnBrk="0" hangingPunct="1">
-        <a:defRPr sz="1800" kern="1200">
+      <a:lvl6pPr marL="1714500" algn="l" defTabSz="685800" rtl="0" eaLnBrk="1" latinLnBrk="0" hangingPunct="1">
+        <a:defRPr sz="1350" kern="1200">
           <a:solidFill>
             <a:schemeClr val="tx1"/>
           </a:solidFill>
@@ -2921,8 +4543,8 @@
           <a:cs typeface="+mn-cs"/>
         </a:defRPr>
       </a:lvl6pPr>
-      <a:lvl7pPr marL="2743200" algn="l" defTabSz="914400" rtl="0" eaLnBrk="1" latinLnBrk="0" hangingPunct="1">
-        <a:defRPr sz="1800" kern="1200">
+      <a:lvl7pPr marL="2057400" algn="l" defTabSz="685800" rtl="0" eaLnBrk="1" latinLnBrk="0" hangingPunct="1">
+        <a:defRPr sz="1350" kern="1200">
           <a:solidFill>
             <a:schemeClr val="tx1"/>
           </a:solidFill>
@@ -2931,8 +4553,8 @@
           <a:cs typeface="+mn-cs"/>
         </a:defRPr>
       </a:lvl7pPr>
-      <a:lvl8pPr marL="3200400" algn="l" defTabSz="914400" rtl="0" eaLnBrk="1" latinLnBrk="0" hangingPunct="1">
-        <a:defRPr sz="1800" kern="1200">
+      <a:lvl8pPr marL="2400300" algn="l" defTabSz="685800" rtl="0" eaLnBrk="1" latinLnBrk="0" hangingPunct="1">
+        <a:defRPr sz="1350" kern="1200">
           <a:solidFill>
             <a:schemeClr val="tx1"/>
           </a:solidFill>
@@ -2941,8 +4563,8 @@
           <a:cs typeface="+mn-cs"/>
         </a:defRPr>
       </a:lvl8pPr>
-      <a:lvl9pPr marL="3657600" algn="l" defTabSz="914400" rtl="0" eaLnBrk="1" latinLnBrk="0" hangingPunct="1">
-        <a:defRPr sz="1800" kern="1200">
+      <a:lvl9pPr marL="2743200" algn="l" defTabSz="685800" rtl="0" eaLnBrk="1" latinLnBrk="0" hangingPunct="1">
+        <a:defRPr sz="1350" kern="1200">
           <a:solidFill>
             <a:schemeClr val="tx1"/>
           </a:solidFill>
@@ -2994,10 +4616,18 @@
           <a:lstStyle/>
           <a:p>
             <a:r>
-              <a:rPr lang="en-NZ" dirty="0" smtClean="0"/>
+              <a:rPr lang="en-NZ" dirty="0" smtClean="0">
+                <a:solidFill>
+                  <a:schemeClr val="bg1"/>
+                </a:solidFill>
+              </a:rPr>
               <a:t>Software Engineering 2015</a:t>
             </a:r>
-            <a:endParaRPr lang="en-NZ" dirty="0"/>
+            <a:endParaRPr lang="en-NZ" dirty="0">
+              <a:solidFill>
+                <a:schemeClr val="bg1"/>
+              </a:solidFill>
+            </a:endParaRPr>
           </a:p>
         </p:txBody>
       </p:sp>
@@ -3010,7 +4640,7 @@
           <p:nvPr/>
         </p:nvPicPr>
         <p:blipFill>
-          <a:blip r:embed="rId2">
+          <a:blip r:embed="rId3">
             <a:extLst>
               <a:ext uri="{28A0092B-C50C-407E-A947-70E740481C1C}">
                 <a14:useLocalDpi xmlns:a14="http://schemas.microsoft.com/office/drawing/2010/main" val="0"/>
@@ -3044,6 +4674,673 @@
 </p:sld>
 </file>
 
+<file path=ppt/slides/slide10.xml><?xml version="1.0" encoding="utf-8"?>
+<p:sld xmlns:a="http://schemas.openxmlformats.org/drawingml/2006/main" xmlns:r="http://schemas.openxmlformats.org/officeDocument/2006/relationships" xmlns:p="http://schemas.openxmlformats.org/presentationml/2006/main">
+  <p:cSld>
+    <p:spTree>
+      <p:nvGrpSpPr>
+        <p:cNvPr id="1" name=""/>
+        <p:cNvGrpSpPr/>
+        <p:nvPr/>
+      </p:nvGrpSpPr>
+      <p:grpSpPr>
+        <a:xfrm>
+          <a:off x="0" y="0"/>
+          <a:ext cx="0" cy="0"/>
+          <a:chOff x="0" y="0"/>
+          <a:chExt cx="0" cy="0"/>
+        </a:xfrm>
+      </p:grpSpPr>
+      <p:sp>
+        <p:nvSpPr>
+          <p:cNvPr id="2" name="Title 1"/>
+          <p:cNvSpPr>
+            <a:spLocks noGrp="1"/>
+          </p:cNvSpPr>
+          <p:nvPr>
+            <p:ph type="title"/>
+          </p:nvPr>
+        </p:nvSpPr>
+        <p:spPr/>
+        <p:txBody>
+          <a:bodyPr/>
+          <a:lstStyle/>
+          <a:p>
+            <a:r>
+              <a:rPr lang="en-US" dirty="0" smtClean="0">
+                <a:solidFill>
+                  <a:schemeClr val="bg1"/>
+                </a:solidFill>
+              </a:rPr>
+              <a:t>How it works</a:t>
+            </a:r>
+            <a:endParaRPr lang="en-US" dirty="0">
+              <a:solidFill>
+                <a:schemeClr val="bg1"/>
+              </a:solidFill>
+            </a:endParaRPr>
+          </a:p>
+        </p:txBody>
+      </p:sp>
+      <p:sp>
+        <p:nvSpPr>
+          <p:cNvPr id="3" name="Content Placeholder 2"/>
+          <p:cNvSpPr>
+            <a:spLocks noGrp="1"/>
+          </p:cNvSpPr>
+          <p:nvPr>
+            <p:ph idx="1"/>
+          </p:nvPr>
+        </p:nvSpPr>
+        <p:spPr>
+          <a:xfrm>
+            <a:off x="628650" y="1851751"/>
+            <a:ext cx="7886700" cy="4351338"/>
+          </a:xfrm>
+        </p:spPr>
+        <p:txBody>
+          <a:bodyPr/>
+          <a:lstStyle/>
+          <a:p>
+            <a:endParaRPr lang="en-NZ" b="1" dirty="0" smtClean="0">
+              <a:solidFill>
+                <a:schemeClr val="bg1"/>
+              </a:solidFill>
+            </a:endParaRPr>
+          </a:p>
+          <a:p>
+            <a:r>
+              <a:rPr lang="en-NZ" b="1" dirty="0" smtClean="0">
+                <a:solidFill>
+                  <a:schemeClr val="bg1"/>
+                </a:solidFill>
+              </a:rPr>
+              <a:t>PHP</a:t>
+            </a:r>
+          </a:p>
+          <a:p>
+            <a:pPr lvl="1"/>
+            <a:r>
+              <a:rPr lang="en-NZ" dirty="0" smtClean="0">
+                <a:solidFill>
+                  <a:schemeClr val="bg1"/>
+                </a:solidFill>
+              </a:rPr>
+              <a:t>Retrieves information from the database</a:t>
+            </a:r>
+          </a:p>
+          <a:p>
+            <a:pPr lvl="1"/>
+            <a:r>
+              <a:rPr lang="en-NZ" dirty="0" smtClean="0">
+                <a:solidFill>
+                  <a:schemeClr val="bg1"/>
+                </a:solidFill>
+              </a:rPr>
+              <a:t>Creates an array for each column in the database</a:t>
+            </a:r>
+          </a:p>
+          <a:p>
+            <a:pPr lvl="1"/>
+            <a:r>
+              <a:rPr lang="en-NZ" dirty="0" smtClean="0">
+                <a:solidFill>
+                  <a:schemeClr val="bg1"/>
+                </a:solidFill>
+              </a:rPr>
+              <a:t>JSON encoding</a:t>
+            </a:r>
+            <a:endParaRPr lang="en-US" dirty="0">
+              <a:solidFill>
+                <a:schemeClr val="bg1"/>
+              </a:solidFill>
+            </a:endParaRPr>
+          </a:p>
+        </p:txBody>
+      </p:sp>
+    </p:spTree>
+    <p:extLst>
+      <p:ext uri="{BB962C8B-B14F-4D97-AF65-F5344CB8AC3E}">
+        <p14:creationId xmlns:p14="http://schemas.microsoft.com/office/powerpoint/2010/main" val="1368068047"/>
+      </p:ext>
+    </p:extLst>
+  </p:cSld>
+  <p:clrMapOvr>
+    <a:masterClrMapping/>
+  </p:clrMapOvr>
+</p:sld>
+</file>
+
+<file path=ppt/slides/slide11.xml><?xml version="1.0" encoding="utf-8"?>
+<p:sld xmlns:a="http://schemas.openxmlformats.org/drawingml/2006/main" xmlns:r="http://schemas.openxmlformats.org/officeDocument/2006/relationships" xmlns:p="http://schemas.openxmlformats.org/presentationml/2006/main">
+  <p:cSld>
+    <p:spTree>
+      <p:nvGrpSpPr>
+        <p:cNvPr id="1" name=""/>
+        <p:cNvGrpSpPr/>
+        <p:nvPr/>
+      </p:nvGrpSpPr>
+      <p:grpSpPr>
+        <a:xfrm>
+          <a:off x="0" y="0"/>
+          <a:ext cx="0" cy="0"/>
+          <a:chOff x="0" y="0"/>
+          <a:chExt cx="0" cy="0"/>
+        </a:xfrm>
+      </p:grpSpPr>
+      <p:sp>
+        <p:nvSpPr>
+          <p:cNvPr id="2" name="Title 1"/>
+          <p:cNvSpPr>
+            <a:spLocks noGrp="1"/>
+          </p:cNvSpPr>
+          <p:nvPr>
+            <p:ph type="title"/>
+          </p:nvPr>
+        </p:nvSpPr>
+        <p:spPr/>
+        <p:txBody>
+          <a:bodyPr/>
+          <a:lstStyle/>
+          <a:p>
+            <a:r>
+              <a:rPr lang="en-US" dirty="0" smtClean="0">
+                <a:solidFill>
+                  <a:schemeClr val="bg1"/>
+                </a:solidFill>
+              </a:rPr>
+              <a:t>How it works</a:t>
+            </a:r>
+            <a:endParaRPr lang="en-US" dirty="0">
+              <a:solidFill>
+                <a:schemeClr val="bg1"/>
+              </a:solidFill>
+            </a:endParaRPr>
+          </a:p>
+        </p:txBody>
+      </p:sp>
+      <p:sp>
+        <p:nvSpPr>
+          <p:cNvPr id="3" name="Content Placeholder 2"/>
+          <p:cNvSpPr>
+            <a:spLocks noGrp="1"/>
+          </p:cNvSpPr>
+          <p:nvPr>
+            <p:ph idx="1"/>
+          </p:nvPr>
+        </p:nvSpPr>
+        <p:spPr/>
+        <p:txBody>
+          <a:bodyPr/>
+          <a:lstStyle/>
+          <a:p>
+            <a:endParaRPr lang="en-NZ" b="1" dirty="0" smtClean="0">
+              <a:solidFill>
+                <a:schemeClr val="bg1"/>
+              </a:solidFill>
+            </a:endParaRPr>
+          </a:p>
+          <a:p>
+            <a:r>
+              <a:rPr lang="en-NZ" b="1" dirty="0" smtClean="0">
+                <a:solidFill>
+                  <a:schemeClr val="bg1"/>
+                </a:solidFill>
+              </a:rPr>
+              <a:t>JavaScript</a:t>
+            </a:r>
+            <a:endParaRPr lang="en-NZ" b="1" dirty="0">
+              <a:solidFill>
+                <a:schemeClr val="bg1"/>
+              </a:solidFill>
+            </a:endParaRPr>
+          </a:p>
+          <a:p>
+            <a:pPr lvl="1"/>
+            <a:r>
+              <a:rPr lang="en-NZ" dirty="0">
+                <a:solidFill>
+                  <a:schemeClr val="bg1"/>
+                </a:solidFill>
+              </a:rPr>
+              <a:t>Google Maps </a:t>
+            </a:r>
+            <a:r>
+              <a:rPr lang="en-NZ" dirty="0" smtClean="0">
+                <a:solidFill>
+                  <a:schemeClr val="bg1"/>
+                </a:solidFill>
+              </a:rPr>
+              <a:t>API</a:t>
+            </a:r>
+          </a:p>
+          <a:p>
+            <a:pPr lvl="1"/>
+            <a:r>
+              <a:rPr lang="en-NZ" dirty="0" err="1" smtClean="0">
+                <a:solidFill>
+                  <a:schemeClr val="bg1"/>
+                </a:solidFill>
+              </a:rPr>
+              <a:t>GeoLocation</a:t>
+            </a:r>
+            <a:endParaRPr lang="en-NZ" dirty="0" smtClean="0">
+              <a:solidFill>
+                <a:schemeClr val="bg1"/>
+              </a:solidFill>
+            </a:endParaRPr>
+          </a:p>
+          <a:p>
+            <a:pPr lvl="1"/>
+            <a:r>
+              <a:rPr lang="en-NZ" dirty="0" smtClean="0">
+                <a:solidFill>
+                  <a:schemeClr val="bg1"/>
+                </a:solidFill>
+              </a:rPr>
+              <a:t>Marker / </a:t>
+            </a:r>
+            <a:r>
+              <a:rPr lang="en-NZ" dirty="0" err="1" smtClean="0">
+                <a:solidFill>
+                  <a:schemeClr val="bg1"/>
+                </a:solidFill>
+              </a:rPr>
+              <a:t>InfoWindow</a:t>
+            </a:r>
+            <a:r>
+              <a:rPr lang="en-NZ" dirty="0" smtClean="0">
+                <a:solidFill>
+                  <a:schemeClr val="bg1"/>
+                </a:solidFill>
+              </a:rPr>
+              <a:t> creation</a:t>
+            </a:r>
+          </a:p>
+          <a:p>
+            <a:pPr lvl="1"/>
+            <a:r>
+              <a:rPr lang="en-NZ" dirty="0" smtClean="0">
+                <a:solidFill>
+                  <a:schemeClr val="bg1"/>
+                </a:solidFill>
+              </a:rPr>
+              <a:t>Content string</a:t>
+            </a:r>
+            <a:endParaRPr lang="en-NZ" dirty="0">
+              <a:solidFill>
+                <a:schemeClr val="bg1"/>
+              </a:solidFill>
+            </a:endParaRPr>
+          </a:p>
+          <a:p>
+            <a:endParaRPr lang="en-US" dirty="0"/>
+          </a:p>
+        </p:txBody>
+      </p:sp>
+    </p:spTree>
+    <p:extLst>
+      <p:ext uri="{BB962C8B-B14F-4D97-AF65-F5344CB8AC3E}">
+        <p14:creationId xmlns:p14="http://schemas.microsoft.com/office/powerpoint/2010/main" val="1622240508"/>
+      </p:ext>
+    </p:extLst>
+  </p:cSld>
+  <p:clrMapOvr>
+    <a:masterClrMapping/>
+  </p:clrMapOvr>
+</p:sld>
+</file>
+
+<file path=ppt/slides/slide12.xml><?xml version="1.0" encoding="utf-8"?>
+<p:sld xmlns:a="http://schemas.openxmlformats.org/drawingml/2006/main" xmlns:r="http://schemas.openxmlformats.org/officeDocument/2006/relationships" xmlns:p="http://schemas.openxmlformats.org/presentationml/2006/main">
+  <p:cSld>
+    <p:spTree>
+      <p:nvGrpSpPr>
+        <p:cNvPr id="1" name=""/>
+        <p:cNvGrpSpPr/>
+        <p:nvPr/>
+      </p:nvGrpSpPr>
+      <p:grpSpPr>
+        <a:xfrm>
+          <a:off x="0" y="0"/>
+          <a:ext cx="0" cy="0"/>
+          <a:chOff x="0" y="0"/>
+          <a:chExt cx="0" cy="0"/>
+        </a:xfrm>
+      </p:grpSpPr>
+      <p:sp>
+        <p:nvSpPr>
+          <p:cNvPr id="2" name="Title 1"/>
+          <p:cNvSpPr>
+            <a:spLocks noGrp="1"/>
+          </p:cNvSpPr>
+          <p:nvPr>
+            <p:ph type="title"/>
+          </p:nvPr>
+        </p:nvSpPr>
+        <p:spPr/>
+        <p:txBody>
+          <a:bodyPr/>
+          <a:lstStyle/>
+          <a:p>
+            <a:r>
+              <a:rPr lang="en-US" dirty="0" smtClean="0">
+                <a:solidFill>
+                  <a:schemeClr val="bg1"/>
+                </a:solidFill>
+              </a:rPr>
+              <a:t>Google Maps API</a:t>
+            </a:r>
+            <a:endParaRPr lang="en-US" dirty="0">
+              <a:solidFill>
+                <a:schemeClr val="bg1"/>
+              </a:solidFill>
+            </a:endParaRPr>
+          </a:p>
+        </p:txBody>
+      </p:sp>
+      <p:sp>
+        <p:nvSpPr>
+          <p:cNvPr id="3" name="Content Placeholder 2"/>
+          <p:cNvSpPr>
+            <a:spLocks noGrp="1"/>
+          </p:cNvSpPr>
+          <p:nvPr>
+            <p:ph idx="1"/>
+          </p:nvPr>
+        </p:nvSpPr>
+        <p:spPr/>
+        <p:txBody>
+          <a:bodyPr/>
+          <a:lstStyle/>
+          <a:p>
+            <a:r>
+              <a:rPr lang="en-US" dirty="0" smtClean="0">
+                <a:solidFill>
+                  <a:schemeClr val="bg1"/>
+                </a:solidFill>
+              </a:rPr>
+              <a:t>Maps / Markers and </a:t>
+            </a:r>
+            <a:r>
+              <a:rPr lang="en-US" dirty="0" err="1" smtClean="0">
+                <a:solidFill>
+                  <a:schemeClr val="bg1"/>
+                </a:solidFill>
+              </a:rPr>
+              <a:t>InfoWindows</a:t>
+            </a:r>
+            <a:r>
+              <a:rPr lang="en-US" dirty="0" smtClean="0">
+                <a:solidFill>
+                  <a:schemeClr val="bg1"/>
+                </a:solidFill>
+              </a:rPr>
+              <a:t> are objects</a:t>
+            </a:r>
+          </a:p>
+          <a:p>
+            <a:endParaRPr lang="en-US" dirty="0">
+              <a:solidFill>
+                <a:schemeClr val="bg1"/>
+              </a:solidFill>
+            </a:endParaRPr>
+          </a:p>
+        </p:txBody>
+      </p:sp>
+      <p:pic>
+        <p:nvPicPr>
+          <p:cNvPr id="4" name="Picture 3"/>
+          <p:cNvPicPr>
+            <a:picLocks noChangeAspect="1"/>
+          </p:cNvPicPr>
+          <p:nvPr/>
+        </p:nvPicPr>
+        <p:blipFill>
+          <a:blip r:embed="rId2">
+            <a:extLst>
+              <a:ext uri="{28A0092B-C50C-407E-A947-70E740481C1C}">
+                <a14:useLocalDpi xmlns:a14="http://schemas.microsoft.com/office/drawing/2010/main" val="0"/>
+              </a:ext>
+            </a:extLst>
+          </a:blip>
+          <a:stretch>
+            <a:fillRect/>
+          </a:stretch>
+        </p:blipFill>
+        <p:spPr>
+          <a:xfrm>
+            <a:off x="628650" y="2481762"/>
+            <a:ext cx="8125959" cy="2591162"/>
+          </a:xfrm>
+          <a:prstGeom prst="rect">
+            <a:avLst/>
+          </a:prstGeom>
+        </p:spPr>
+      </p:pic>
+    </p:spTree>
+    <p:extLst>
+      <p:ext uri="{BB962C8B-B14F-4D97-AF65-F5344CB8AC3E}">
+        <p14:creationId xmlns:p14="http://schemas.microsoft.com/office/powerpoint/2010/main" val="3349732992"/>
+      </p:ext>
+    </p:extLst>
+  </p:cSld>
+  <p:clrMapOvr>
+    <a:masterClrMapping/>
+  </p:clrMapOvr>
+</p:sld>
+</file>
+
+<file path=ppt/slides/slide13.xml><?xml version="1.0" encoding="utf-8"?>
+<p:sld xmlns:a="http://schemas.openxmlformats.org/drawingml/2006/main" xmlns:r="http://schemas.openxmlformats.org/officeDocument/2006/relationships" xmlns:p="http://schemas.openxmlformats.org/presentationml/2006/main">
+  <p:cSld>
+    <p:spTree>
+      <p:nvGrpSpPr>
+        <p:cNvPr id="1" name=""/>
+        <p:cNvGrpSpPr/>
+        <p:nvPr/>
+      </p:nvGrpSpPr>
+      <p:grpSpPr>
+        <a:xfrm>
+          <a:off x="0" y="0"/>
+          <a:ext cx="0" cy="0"/>
+          <a:chOff x="0" y="0"/>
+          <a:chExt cx="0" cy="0"/>
+        </a:xfrm>
+      </p:grpSpPr>
+      <p:sp>
+        <p:nvSpPr>
+          <p:cNvPr id="2" name="Title 1"/>
+          <p:cNvSpPr>
+            <a:spLocks noGrp="1"/>
+          </p:cNvSpPr>
+          <p:nvPr>
+            <p:ph type="title"/>
+          </p:nvPr>
+        </p:nvSpPr>
+        <p:spPr/>
+        <p:txBody>
+          <a:bodyPr/>
+          <a:lstStyle/>
+          <a:p>
+            <a:r>
+              <a:rPr lang="en-US" dirty="0" smtClean="0">
+                <a:solidFill>
+                  <a:schemeClr val="bg1"/>
+                </a:solidFill>
+              </a:rPr>
+              <a:t>Google Maps API</a:t>
+            </a:r>
+            <a:endParaRPr lang="en-US" dirty="0">
+              <a:solidFill>
+                <a:schemeClr val="bg1"/>
+              </a:solidFill>
+            </a:endParaRPr>
+          </a:p>
+        </p:txBody>
+      </p:sp>
+      <p:sp>
+        <p:nvSpPr>
+          <p:cNvPr id="3" name="Content Placeholder 2"/>
+          <p:cNvSpPr>
+            <a:spLocks noGrp="1"/>
+          </p:cNvSpPr>
+          <p:nvPr>
+            <p:ph idx="1"/>
+          </p:nvPr>
+        </p:nvSpPr>
+        <p:spPr/>
+        <p:txBody>
+          <a:bodyPr/>
+          <a:lstStyle/>
+          <a:p>
+            <a:r>
+              <a:rPr lang="en-US" dirty="0" smtClean="0">
+                <a:solidFill>
+                  <a:schemeClr val="bg1"/>
+                </a:solidFill>
+              </a:rPr>
+              <a:t>Content string is a string of HTML that will be inserted into the </a:t>
+            </a:r>
+            <a:r>
+              <a:rPr lang="en-US" dirty="0" err="1" smtClean="0">
+                <a:solidFill>
+                  <a:schemeClr val="bg1"/>
+                </a:solidFill>
+              </a:rPr>
+              <a:t>infowindow</a:t>
+            </a:r>
+            <a:endParaRPr lang="en-US" dirty="0">
+              <a:solidFill>
+                <a:schemeClr val="bg1"/>
+              </a:solidFill>
+            </a:endParaRPr>
+          </a:p>
+        </p:txBody>
+      </p:sp>
+      <p:pic>
+        <p:nvPicPr>
+          <p:cNvPr id="5" name="Picture 4"/>
+          <p:cNvPicPr>
+            <a:picLocks noChangeAspect="1"/>
+          </p:cNvPicPr>
+          <p:nvPr/>
+        </p:nvPicPr>
+        <p:blipFill>
+          <a:blip r:embed="rId2">
+            <a:extLst>
+              <a:ext uri="{28A0092B-C50C-407E-A947-70E740481C1C}">
+                <a14:useLocalDpi xmlns:a14="http://schemas.microsoft.com/office/drawing/2010/main" val="0"/>
+              </a:ext>
+            </a:extLst>
+          </a:blip>
+          <a:stretch>
+            <a:fillRect/>
+          </a:stretch>
+        </p:blipFill>
+        <p:spPr>
+          <a:xfrm>
+            <a:off x="570941" y="2484482"/>
+            <a:ext cx="8002117" cy="3905795"/>
+          </a:xfrm>
+          <a:prstGeom prst="rect">
+            <a:avLst/>
+          </a:prstGeom>
+        </p:spPr>
+      </p:pic>
+    </p:spTree>
+    <p:extLst>
+      <p:ext uri="{BB962C8B-B14F-4D97-AF65-F5344CB8AC3E}">
+        <p14:creationId xmlns:p14="http://schemas.microsoft.com/office/powerpoint/2010/main" val="2198457115"/>
+      </p:ext>
+    </p:extLst>
+  </p:cSld>
+  <p:clrMapOvr>
+    <a:masterClrMapping/>
+  </p:clrMapOvr>
+</p:sld>
+</file>
+
+<file path=ppt/slides/slide14.xml><?xml version="1.0" encoding="utf-8"?>
+<p:sld xmlns:a="http://schemas.openxmlformats.org/drawingml/2006/main" xmlns:r="http://schemas.openxmlformats.org/officeDocument/2006/relationships" xmlns:p="http://schemas.openxmlformats.org/presentationml/2006/main">
+  <p:cSld>
+    <p:spTree>
+      <p:nvGrpSpPr>
+        <p:cNvPr id="1" name=""/>
+        <p:cNvGrpSpPr/>
+        <p:nvPr/>
+      </p:nvGrpSpPr>
+      <p:grpSpPr>
+        <a:xfrm>
+          <a:off x="0" y="0"/>
+          <a:ext cx="0" cy="0"/>
+          <a:chOff x="0" y="0"/>
+          <a:chExt cx="0" cy="0"/>
+        </a:xfrm>
+      </p:grpSpPr>
+      <p:sp>
+        <p:nvSpPr>
+          <p:cNvPr id="2" name="Title 1"/>
+          <p:cNvSpPr>
+            <a:spLocks noGrp="1"/>
+          </p:cNvSpPr>
+          <p:nvPr>
+            <p:ph type="title"/>
+          </p:nvPr>
+        </p:nvSpPr>
+        <p:spPr/>
+        <p:txBody>
+          <a:bodyPr/>
+          <a:lstStyle/>
+          <a:p>
+            <a:r>
+              <a:rPr lang="en-US" dirty="0" smtClean="0">
+                <a:solidFill>
+                  <a:schemeClr val="bg1"/>
+                </a:solidFill>
+              </a:rPr>
+              <a:t>Questions?</a:t>
+            </a:r>
+            <a:endParaRPr lang="en-US" dirty="0">
+              <a:solidFill>
+                <a:schemeClr val="bg1"/>
+              </a:solidFill>
+            </a:endParaRPr>
+          </a:p>
+        </p:txBody>
+      </p:sp>
+      <p:sp>
+        <p:nvSpPr>
+          <p:cNvPr id="3" name="Content Placeholder 2"/>
+          <p:cNvSpPr>
+            <a:spLocks noGrp="1"/>
+          </p:cNvSpPr>
+          <p:nvPr>
+            <p:ph idx="1"/>
+          </p:nvPr>
+        </p:nvSpPr>
+        <p:spPr/>
+        <p:txBody>
+          <a:bodyPr/>
+          <a:lstStyle/>
+          <a:p>
+            <a:endParaRPr lang="en-US"/>
+          </a:p>
+        </p:txBody>
+      </p:sp>
+    </p:spTree>
+    <p:extLst>
+      <p:ext uri="{BB962C8B-B14F-4D97-AF65-F5344CB8AC3E}">
+        <p14:creationId xmlns:p14="http://schemas.microsoft.com/office/powerpoint/2010/main" val="3170098883"/>
+      </p:ext>
+    </p:extLst>
+  </p:cSld>
+  <p:clrMapOvr>
+    <a:masterClrMapping/>
+  </p:clrMapOvr>
+</p:sld>
+</file>
+
 <file path=ppt/slides/slide2.xml><?xml version="1.0" encoding="utf-8"?>
 <p:sld xmlns:a="http://schemas.openxmlformats.org/drawingml/2006/main" xmlns:r="http://schemas.openxmlformats.org/officeDocument/2006/relationships" xmlns:p="http://schemas.openxmlformats.org/presentationml/2006/main">
   <p:cSld>
@@ -3077,10 +5374,18 @@
           <a:lstStyle/>
           <a:p>
             <a:r>
-              <a:rPr lang="en-NZ" dirty="0" smtClean="0"/>
+              <a:rPr lang="en-NZ" dirty="0" smtClean="0">
+                <a:solidFill>
+                  <a:schemeClr val="bg1"/>
+                </a:solidFill>
+              </a:rPr>
               <a:t>Overview</a:t>
             </a:r>
-            <a:endParaRPr lang="en-NZ" dirty="0"/>
+            <a:endParaRPr lang="en-NZ" dirty="0">
+              <a:solidFill>
+                <a:schemeClr val="bg1"/>
+              </a:solidFill>
+            </a:endParaRPr>
           </a:p>
         </p:txBody>
       </p:sp>
@@ -3099,47 +5404,94 @@
           <a:bodyPr/>
           <a:lstStyle/>
           <a:p>
-            <a:r>
-              <a:rPr lang="en-NZ" dirty="0" smtClean="0"/>
-              <a:t>Project Description</a:t>
-            </a:r>
-          </a:p>
-          <a:p>
-            <a:r>
-              <a:rPr lang="en-NZ" dirty="0" smtClean="0"/>
+            <a:endParaRPr lang="en-NZ" dirty="0" smtClean="0">
+              <a:solidFill>
+                <a:schemeClr val="bg1"/>
+              </a:solidFill>
+            </a:endParaRPr>
+          </a:p>
+          <a:p>
+            <a:r>
+              <a:rPr lang="en-NZ" dirty="0" smtClean="0">
+                <a:solidFill>
+                  <a:schemeClr val="bg1"/>
+                </a:solidFill>
+              </a:rPr>
+              <a:t>Project </a:t>
+            </a:r>
+            <a:r>
+              <a:rPr lang="en-NZ" dirty="0" smtClean="0">
+                <a:solidFill>
+                  <a:schemeClr val="bg1"/>
+                </a:solidFill>
+              </a:rPr>
+              <a:t>Description</a:t>
+            </a:r>
+          </a:p>
+          <a:p>
+            <a:r>
+              <a:rPr lang="en-NZ" dirty="0" smtClean="0">
+                <a:solidFill>
+                  <a:schemeClr val="bg1"/>
+                </a:solidFill>
+              </a:rPr>
               <a:t>What went right</a:t>
             </a:r>
           </a:p>
           <a:p>
             <a:r>
-              <a:rPr lang="en-NZ" dirty="0" smtClean="0"/>
+              <a:rPr lang="en-NZ" dirty="0" smtClean="0">
+                <a:solidFill>
+                  <a:schemeClr val="bg1"/>
+                </a:solidFill>
+              </a:rPr>
               <a:t>What went wrong</a:t>
             </a:r>
           </a:p>
           <a:p>
             <a:r>
-              <a:rPr lang="en-NZ" dirty="0" smtClean="0"/>
+              <a:rPr lang="en-NZ" dirty="0" smtClean="0">
+                <a:solidFill>
+                  <a:schemeClr val="bg1"/>
+                </a:solidFill>
+              </a:rPr>
               <a:t>What we hoped the end product would be</a:t>
             </a:r>
           </a:p>
           <a:p>
             <a:r>
-              <a:rPr lang="en-NZ" dirty="0" smtClean="0"/>
+              <a:rPr lang="en-NZ" dirty="0" smtClean="0">
+                <a:solidFill>
+                  <a:schemeClr val="bg1"/>
+                </a:solidFill>
+              </a:rPr>
               <a:t>What the end product actually looks like</a:t>
             </a:r>
           </a:p>
           <a:p>
             <a:r>
-              <a:rPr lang="en-NZ" dirty="0" smtClean="0"/>
+              <a:rPr lang="en-NZ" dirty="0" smtClean="0">
+                <a:solidFill>
+                  <a:schemeClr val="bg1"/>
+                </a:solidFill>
+              </a:rPr>
               <a:t>Live demonstration</a:t>
             </a:r>
           </a:p>
           <a:p>
             <a:r>
-              <a:rPr lang="en-NZ" dirty="0" smtClean="0"/>
+              <a:rPr lang="en-NZ" dirty="0" smtClean="0">
+                <a:solidFill>
+                  <a:schemeClr val="bg1"/>
+                </a:solidFill>
+              </a:rPr>
               <a:t>How it works</a:t>
             </a:r>
-            <a:endParaRPr lang="en-NZ" dirty="0"/>
+            <a:endParaRPr lang="en-NZ" dirty="0">
+              <a:solidFill>
+                <a:schemeClr val="bg1"/>
+              </a:solidFill>
+            </a:endParaRPr>
           </a:p>
         </p:txBody>
       </p:sp>
@@ -3189,10 +5541,34 @@
           <a:lstStyle/>
           <a:p>
             <a:r>
-              <a:rPr lang="en-NZ" dirty="0" smtClean="0"/>
-              <a:t>Project Description</a:t>
-            </a:r>
-            <a:endParaRPr lang="en-NZ" dirty="0"/>
+              <a:rPr lang="en-NZ" dirty="0" smtClean="0">
+                <a:solidFill>
+                  <a:schemeClr val="bg1"/>
+                </a:solidFill>
+              </a:rPr>
+              <a:t>What is </a:t>
+            </a:r>
+            <a:r>
+              <a:rPr lang="en-NZ" dirty="0" err="1" smtClean="0">
+                <a:solidFill>
+                  <a:schemeClr val="bg1"/>
+                </a:solidFill>
+              </a:rPr>
+              <a:t>SwimSafe</a:t>
+            </a:r>
+            <a:r>
+              <a:rPr lang="en-NZ" dirty="0" smtClean="0">
+                <a:solidFill>
+                  <a:schemeClr val="bg1"/>
+                </a:solidFill>
+              </a:rPr>
+              <a:t>?</a:t>
+            </a:r>
+            <a:endParaRPr lang="en-NZ" dirty="0">
+              <a:solidFill>
+                <a:schemeClr val="bg1"/>
+              </a:solidFill>
+            </a:endParaRPr>
           </a:p>
         </p:txBody>
       </p:sp>
@@ -3211,11 +5587,49 @@
           <a:bodyPr/>
           <a:lstStyle/>
           <a:p>
-            <a:r>
-              <a:rPr lang="en-NZ" dirty="0" smtClean="0"/>
-              <a:t>What our project is</a:t>
-            </a:r>
-            <a:endParaRPr lang="en-NZ" dirty="0"/>
+            <a:endParaRPr lang="en-NZ" dirty="0" smtClean="0">
+              <a:solidFill>
+                <a:schemeClr val="bg1"/>
+              </a:solidFill>
+            </a:endParaRPr>
+          </a:p>
+          <a:p>
+            <a:r>
+              <a:rPr lang="en-NZ" dirty="0" smtClean="0">
+                <a:solidFill>
+                  <a:schemeClr val="bg1"/>
+                </a:solidFill>
+              </a:rPr>
+              <a:t>Interactive map</a:t>
+            </a:r>
+            <a:endParaRPr lang="en-NZ" dirty="0">
+              <a:solidFill>
+                <a:schemeClr val="bg1"/>
+              </a:solidFill>
+            </a:endParaRPr>
+          </a:p>
+          <a:p>
+            <a:r>
+              <a:rPr lang="en-NZ" dirty="0" smtClean="0">
+                <a:solidFill>
+                  <a:schemeClr val="bg1"/>
+                </a:solidFill>
+              </a:rPr>
+              <a:t>Informs users about safe swimming</a:t>
+            </a:r>
+          </a:p>
+          <a:p>
+            <a:r>
+              <a:rPr lang="en-NZ" dirty="0" smtClean="0">
+                <a:solidFill>
+                  <a:schemeClr val="bg1"/>
+                </a:solidFill>
+              </a:rPr>
+              <a:t>Displays approximate water quality information</a:t>
+            </a:r>
+          </a:p>
+          <a:p>
+            <a:endParaRPr lang="en-NZ" dirty="0" smtClean="0"/>
           </a:p>
         </p:txBody>
       </p:sp>
@@ -3265,10 +5679,18 @@
           <a:lstStyle/>
           <a:p>
             <a:r>
-              <a:rPr lang="en-NZ" dirty="0" smtClean="0"/>
+              <a:rPr lang="en-NZ" dirty="0" smtClean="0">
+                <a:solidFill>
+                  <a:schemeClr val="bg1"/>
+                </a:solidFill>
+              </a:rPr>
               <a:t>What went right</a:t>
             </a:r>
-            <a:endParaRPr lang="en-NZ" dirty="0"/>
+            <a:endParaRPr lang="en-NZ" dirty="0">
+              <a:solidFill>
+                <a:schemeClr val="bg1"/>
+              </a:solidFill>
+            </a:endParaRPr>
           </a:p>
         </p:txBody>
       </p:sp>
@@ -3287,17 +5709,61 @@
           <a:bodyPr/>
           <a:lstStyle/>
           <a:p>
-            <a:r>
-              <a:rPr lang="en-NZ" dirty="0" smtClean="0"/>
-              <a:t>Things that worked as we expected them to</a:t>
-            </a:r>
-          </a:p>
-          <a:p>
-            <a:r>
-              <a:rPr lang="en-NZ" dirty="0" smtClean="0"/>
+            <a:endParaRPr lang="en-NZ" dirty="0" smtClean="0">
+              <a:solidFill>
+                <a:schemeClr val="bg1"/>
+              </a:solidFill>
+            </a:endParaRPr>
+          </a:p>
+          <a:p>
+            <a:r>
+              <a:rPr lang="en-NZ" dirty="0" smtClean="0">
+                <a:solidFill>
+                  <a:schemeClr val="bg1"/>
+                </a:solidFill>
+              </a:rPr>
+              <a:t>Google maps API</a:t>
+            </a:r>
+          </a:p>
+          <a:p>
+            <a:r>
+              <a:rPr lang="en-NZ" dirty="0" smtClean="0">
+                <a:solidFill>
+                  <a:schemeClr val="bg1"/>
+                </a:solidFill>
+              </a:rPr>
+              <a:t>PHP</a:t>
+            </a:r>
+          </a:p>
+          <a:p>
+            <a:r>
+              <a:rPr lang="en-NZ" dirty="0" smtClean="0">
+                <a:solidFill>
+                  <a:schemeClr val="bg1"/>
+                </a:solidFill>
+              </a:rPr>
+              <a:t>JavaScript</a:t>
+            </a:r>
+            <a:endParaRPr lang="en-NZ" dirty="0" smtClean="0">
+              <a:solidFill>
+                <a:schemeClr val="bg1"/>
+              </a:solidFill>
+            </a:endParaRPr>
+          </a:p>
+          <a:p>
+            <a:r>
+              <a:rPr lang="en-NZ" dirty="0" smtClean="0">
+                <a:solidFill>
+                  <a:schemeClr val="bg1"/>
+                </a:solidFill>
+              </a:rPr>
               <a:t>Database, server setup</a:t>
             </a:r>
-            <a:endParaRPr lang="en-NZ" dirty="0"/>
+            <a:endParaRPr lang="en-NZ" dirty="0">
+              <a:solidFill>
+                <a:schemeClr val="bg1"/>
+              </a:solidFill>
+            </a:endParaRPr>
           </a:p>
         </p:txBody>
       </p:sp>
@@ -3347,10 +5813,18 @@
           <a:lstStyle/>
           <a:p>
             <a:r>
-              <a:rPr lang="en-NZ" dirty="0" smtClean="0"/>
+              <a:rPr lang="en-NZ" dirty="0" smtClean="0">
+                <a:solidFill>
+                  <a:schemeClr val="bg1"/>
+                </a:solidFill>
+              </a:rPr>
               <a:t>What went wrong</a:t>
             </a:r>
-            <a:endParaRPr lang="en-NZ" dirty="0"/>
+            <a:endParaRPr lang="en-NZ" dirty="0">
+              <a:solidFill>
+                <a:schemeClr val="bg1"/>
+              </a:solidFill>
+            </a:endParaRPr>
           </a:p>
         </p:txBody>
       </p:sp>
@@ -3369,21 +5843,49 @@
           <a:bodyPr/>
           <a:lstStyle/>
           <a:p>
-            <a:r>
-              <a:rPr lang="en-NZ" dirty="0" smtClean="0"/>
-              <a:t>Things that didn’t go to plan</a:t>
-            </a:r>
-          </a:p>
-          <a:p>
-            <a:r>
-              <a:rPr lang="en-NZ" dirty="0" err="1" smtClean="0"/>
-              <a:t>Infowindow</a:t>
-            </a:r>
-            <a:r>
-              <a:rPr lang="en-NZ" dirty="0" smtClean="0"/>
-              <a:t> styling, server setup, live data</a:t>
-            </a:r>
-            <a:endParaRPr lang="en-NZ" dirty="0"/>
+            <a:endParaRPr lang="en-NZ" dirty="0" smtClean="0">
+              <a:solidFill>
+                <a:schemeClr val="bg1"/>
+              </a:solidFill>
+            </a:endParaRPr>
+          </a:p>
+          <a:p>
+            <a:r>
+              <a:rPr lang="en-NZ" dirty="0" err="1" smtClean="0">
+                <a:solidFill>
+                  <a:schemeClr val="bg1"/>
+                </a:solidFill>
+              </a:rPr>
+              <a:t>InfoWindow</a:t>
+            </a:r>
+            <a:r>
+              <a:rPr lang="en-NZ" dirty="0" smtClean="0">
+                <a:solidFill>
+                  <a:schemeClr val="bg1"/>
+                </a:solidFill>
+              </a:rPr>
+              <a:t> styling</a:t>
+            </a:r>
+            <a:endParaRPr lang="en-NZ" dirty="0" smtClean="0">
+              <a:solidFill>
+                <a:schemeClr val="bg1"/>
+              </a:solidFill>
+            </a:endParaRPr>
+          </a:p>
+          <a:p>
+            <a:r>
+              <a:rPr lang="en-NZ" dirty="0" smtClean="0">
+                <a:solidFill>
+                  <a:schemeClr val="bg1"/>
+                </a:solidFill>
+              </a:rPr>
+              <a:t>Acquiring live data</a:t>
+            </a:r>
+            <a:endParaRPr lang="en-NZ" dirty="0">
+              <a:solidFill>
+                <a:schemeClr val="bg1"/>
+              </a:solidFill>
+            </a:endParaRPr>
           </a:p>
         </p:txBody>
       </p:sp>
@@ -3435,10 +5937,18 @@
           <a:lstStyle/>
           <a:p>
             <a:r>
-              <a:rPr lang="en-NZ" dirty="0" smtClean="0"/>
+              <a:rPr lang="en-NZ" dirty="0" smtClean="0">
+                <a:solidFill>
+                  <a:schemeClr val="bg1"/>
+                </a:solidFill>
+              </a:rPr>
               <a:t>What we hoped the product would be</a:t>
             </a:r>
-            <a:endParaRPr lang="en-NZ" dirty="0"/>
+            <a:endParaRPr lang="en-NZ" dirty="0">
+              <a:solidFill>
+                <a:schemeClr val="bg1"/>
+              </a:solidFill>
+            </a:endParaRPr>
           </a:p>
         </p:txBody>
       </p:sp>
@@ -3457,7 +5967,39 @@
           <a:bodyPr/>
           <a:lstStyle/>
           <a:p>
-            <a:endParaRPr lang="en-NZ" dirty="0"/>
+            <a:r>
+              <a:rPr lang="en-NZ" dirty="0" smtClean="0">
+                <a:solidFill>
+                  <a:schemeClr val="bg1"/>
+                </a:solidFill>
+              </a:rPr>
+              <a:t>Easy to use</a:t>
+            </a:r>
+          </a:p>
+          <a:p>
+            <a:r>
+              <a:rPr lang="en-NZ" dirty="0" smtClean="0">
+                <a:solidFill>
+                  <a:schemeClr val="bg1"/>
+                </a:solidFill>
+              </a:rPr>
+              <a:t>Intuitive</a:t>
+            </a:r>
+          </a:p>
+          <a:p>
+            <a:r>
+              <a:rPr lang="en-NZ" dirty="0" smtClean="0">
+                <a:solidFill>
+                  <a:schemeClr val="bg1"/>
+                </a:solidFill>
+              </a:rPr>
+              <a:t>Live data about swimming locations</a:t>
+            </a:r>
+            <a:endParaRPr lang="en-NZ" dirty="0">
+              <a:solidFill>
+                <a:schemeClr val="bg1"/>
+              </a:solidFill>
+            </a:endParaRPr>
           </a:p>
         </p:txBody>
       </p:sp>
@@ -3507,10 +6049,18 @@
           <a:lstStyle/>
           <a:p>
             <a:r>
-              <a:rPr lang="en-NZ" dirty="0" smtClean="0"/>
+              <a:rPr lang="en-NZ" dirty="0" smtClean="0">
+                <a:solidFill>
+                  <a:schemeClr val="bg1"/>
+                </a:solidFill>
+              </a:rPr>
               <a:t>The end product</a:t>
             </a:r>
-            <a:endParaRPr lang="en-NZ" dirty="0"/>
+            <a:endParaRPr lang="en-NZ" dirty="0">
+              <a:solidFill>
+                <a:schemeClr val="bg1"/>
+              </a:solidFill>
+            </a:endParaRPr>
           </a:p>
         </p:txBody>
       </p:sp>
@@ -3529,11 +6079,37 @@
           <a:bodyPr/>
           <a:lstStyle/>
           <a:p>
-            <a:r>
-              <a:rPr lang="en-NZ" dirty="0" smtClean="0"/>
-              <a:t>Live Demo</a:t>
-            </a:r>
-            <a:endParaRPr lang="en-NZ" dirty="0"/>
+            <a:pPr marL="0" indent="0">
+              <a:buNone/>
+            </a:pPr>
+            <a:endParaRPr lang="en-NZ" dirty="0" smtClean="0">
+              <a:solidFill>
+                <a:schemeClr val="bg1"/>
+              </a:solidFill>
+            </a:endParaRPr>
+          </a:p>
+          <a:p>
+            <a:r>
+              <a:rPr lang="en-NZ" dirty="0" smtClean="0">
+                <a:solidFill>
+                  <a:schemeClr val="bg1"/>
+                </a:solidFill>
+              </a:rPr>
+              <a:t>Live </a:t>
+            </a:r>
+            <a:r>
+              <a:rPr lang="en-NZ" dirty="0" smtClean="0">
+                <a:solidFill>
+                  <a:schemeClr val="bg1"/>
+                </a:solidFill>
+              </a:rPr>
+              <a:t>Demo</a:t>
+            </a:r>
+            <a:endParaRPr lang="en-NZ" dirty="0">
+              <a:solidFill>
+                <a:schemeClr val="bg1"/>
+              </a:solidFill>
+            </a:endParaRPr>
           </a:p>
         </p:txBody>
       </p:sp>
@@ -3583,10 +6159,18 @@
           <a:lstStyle/>
           <a:p>
             <a:r>
-              <a:rPr lang="en-NZ" dirty="0" smtClean="0"/>
+              <a:rPr lang="en-US" dirty="0" smtClean="0">
+                <a:solidFill>
+                  <a:schemeClr val="bg1"/>
+                </a:solidFill>
+              </a:rPr>
               <a:t>How it works</a:t>
             </a:r>
-            <a:endParaRPr lang="en-NZ" dirty="0"/>
+            <a:endParaRPr lang="en-US" dirty="0">
+              <a:solidFill>
+                <a:schemeClr val="bg1"/>
+              </a:solidFill>
+            </a:endParaRPr>
           </a:p>
         </p:txBody>
       </p:sp>
@@ -3605,27 +6189,201 @@
           <a:bodyPr/>
           <a:lstStyle/>
           <a:p>
-            <a:r>
-              <a:rPr lang="en-NZ" dirty="0" smtClean="0"/>
-              <a:t>Explain PHP, </a:t>
-            </a:r>
-            <a:r>
-              <a:rPr lang="en-NZ" dirty="0" err="1" smtClean="0"/>
-              <a:t>MySql</a:t>
-            </a:r>
-            <a:r>
-              <a:rPr lang="en-NZ" dirty="0" smtClean="0"/>
-              <a:t>, JavaScript, </a:t>
-            </a:r>
-            <a:r>
-              <a:rPr lang="en-NZ" dirty="0" err="1" smtClean="0"/>
-              <a:t>json</a:t>
-            </a:r>
-            <a:r>
-              <a:rPr lang="en-NZ" dirty="0" smtClean="0"/>
-              <a:t>, Digital Ocean</a:t>
-            </a:r>
-            <a:endParaRPr lang="en-NZ" dirty="0"/>
+            <a:endParaRPr lang="en-US" dirty="0" smtClean="0">
+              <a:solidFill>
+                <a:schemeClr val="bg1"/>
+              </a:solidFill>
+            </a:endParaRPr>
+          </a:p>
+          <a:p>
+            <a:r>
+              <a:rPr lang="en-US" dirty="0" smtClean="0">
+                <a:solidFill>
+                  <a:schemeClr val="bg1"/>
+                </a:solidFill>
+              </a:rPr>
+              <a:t>MySQL</a:t>
+            </a:r>
+          </a:p>
+          <a:p>
+            <a:r>
+              <a:rPr lang="en-US" dirty="0" smtClean="0">
+                <a:solidFill>
+                  <a:schemeClr val="bg1"/>
+                </a:solidFill>
+              </a:rPr>
+              <a:t>PHP</a:t>
+            </a:r>
+          </a:p>
+          <a:p>
+            <a:r>
+              <a:rPr lang="en-US" dirty="0" smtClean="0">
+                <a:solidFill>
+                  <a:schemeClr val="bg1"/>
+                </a:solidFill>
+              </a:rPr>
+              <a:t>JavaScript</a:t>
+            </a:r>
+          </a:p>
+          <a:p>
+            <a:r>
+              <a:rPr lang="en-US" dirty="0" smtClean="0">
+                <a:solidFill>
+                  <a:schemeClr val="bg1"/>
+                </a:solidFill>
+              </a:rPr>
+              <a:t>HTML</a:t>
+            </a:r>
+          </a:p>
+          <a:p>
+            <a:endParaRPr lang="en-US" dirty="0">
+              <a:solidFill>
+                <a:schemeClr val="bg1"/>
+              </a:solidFill>
+            </a:endParaRPr>
+          </a:p>
+        </p:txBody>
+      </p:sp>
+    </p:spTree>
+    <p:extLst>
+      <p:ext uri="{BB962C8B-B14F-4D97-AF65-F5344CB8AC3E}">
+        <p14:creationId xmlns:p14="http://schemas.microsoft.com/office/powerpoint/2010/main" val="2217025913"/>
+      </p:ext>
+    </p:extLst>
+  </p:cSld>
+  <p:clrMapOvr>
+    <a:masterClrMapping/>
+  </p:clrMapOvr>
+</p:sld>
+</file>
+
+<file path=ppt/slides/slide9.xml><?xml version="1.0" encoding="utf-8"?>
+<p:sld xmlns:a="http://schemas.openxmlformats.org/drawingml/2006/main" xmlns:r="http://schemas.openxmlformats.org/officeDocument/2006/relationships" xmlns:p="http://schemas.openxmlformats.org/presentationml/2006/main">
+  <p:cSld>
+    <p:spTree>
+      <p:nvGrpSpPr>
+        <p:cNvPr id="1" name=""/>
+        <p:cNvGrpSpPr/>
+        <p:nvPr/>
+      </p:nvGrpSpPr>
+      <p:grpSpPr>
+        <a:xfrm>
+          <a:off x="0" y="0"/>
+          <a:ext cx="0" cy="0"/>
+          <a:chOff x="0" y="0"/>
+          <a:chExt cx="0" cy="0"/>
+        </a:xfrm>
+      </p:grpSpPr>
+      <p:sp>
+        <p:nvSpPr>
+          <p:cNvPr id="2" name="Title 1"/>
+          <p:cNvSpPr>
+            <a:spLocks noGrp="1"/>
+          </p:cNvSpPr>
+          <p:nvPr>
+            <p:ph type="title"/>
+          </p:nvPr>
+        </p:nvSpPr>
+        <p:spPr/>
+        <p:txBody>
+          <a:bodyPr/>
+          <a:lstStyle/>
+          <a:p>
+            <a:r>
+              <a:rPr lang="en-NZ" dirty="0" smtClean="0">
+                <a:solidFill>
+                  <a:schemeClr val="bg1"/>
+                </a:solidFill>
+              </a:rPr>
+              <a:t>How it works</a:t>
+            </a:r>
+            <a:endParaRPr lang="en-NZ" dirty="0">
+              <a:solidFill>
+                <a:schemeClr val="bg1"/>
+              </a:solidFill>
+            </a:endParaRPr>
+          </a:p>
+        </p:txBody>
+      </p:sp>
+      <p:sp>
+        <p:nvSpPr>
+          <p:cNvPr id="3" name="Content Placeholder 2"/>
+          <p:cNvSpPr>
+            <a:spLocks noGrp="1"/>
+          </p:cNvSpPr>
+          <p:nvPr>
+            <p:ph idx="1"/>
+          </p:nvPr>
+        </p:nvSpPr>
+        <p:spPr/>
+        <p:txBody>
+          <a:bodyPr/>
+          <a:lstStyle/>
+          <a:p>
+            <a:endParaRPr lang="en-NZ" b="1" dirty="0" smtClean="0">
+              <a:solidFill>
+                <a:schemeClr val="bg1"/>
+              </a:solidFill>
+            </a:endParaRPr>
+          </a:p>
+          <a:p>
+            <a:r>
+              <a:rPr lang="en-NZ" b="1" dirty="0" smtClean="0">
+                <a:solidFill>
+                  <a:schemeClr val="bg1"/>
+                </a:solidFill>
+              </a:rPr>
+              <a:t>MySQL</a:t>
+            </a:r>
+          </a:p>
+          <a:p>
+            <a:pPr lvl="1"/>
+            <a:r>
+              <a:rPr lang="en-NZ" dirty="0" smtClean="0">
+                <a:solidFill>
+                  <a:schemeClr val="bg1"/>
+                </a:solidFill>
+              </a:rPr>
+              <a:t>Latitude </a:t>
+            </a:r>
+            <a:r>
+              <a:rPr lang="en-NZ" dirty="0">
+                <a:solidFill>
+                  <a:schemeClr val="bg1"/>
+                </a:solidFill>
+              </a:rPr>
+              <a:t>/ </a:t>
+            </a:r>
+            <a:r>
+              <a:rPr lang="en-NZ" dirty="0" smtClean="0">
+                <a:solidFill>
+                  <a:schemeClr val="bg1"/>
+                </a:solidFill>
+              </a:rPr>
+              <a:t>longitude</a:t>
+            </a:r>
+          </a:p>
+          <a:p>
+            <a:pPr lvl="1"/>
+            <a:r>
+              <a:rPr lang="en-NZ" dirty="0" smtClean="0">
+                <a:solidFill>
+                  <a:schemeClr val="bg1"/>
+                </a:solidFill>
+              </a:rPr>
+              <a:t>Quality levels</a:t>
+            </a:r>
+          </a:p>
+          <a:p>
+            <a:pPr lvl="1"/>
+            <a:r>
+              <a:rPr lang="en-NZ" dirty="0" smtClean="0">
+                <a:solidFill>
+                  <a:schemeClr val="bg1"/>
+                </a:solidFill>
+              </a:rPr>
+              <a:t>Danger levels</a:t>
+            </a:r>
           </a:p>
         </p:txBody>
       </p:sp>
@@ -3645,7 +6403,7 @@
 <file path=ppt/theme/theme1.xml><?xml version="1.0" encoding="utf-8"?>
 <a:theme xmlns:a="http://schemas.openxmlformats.org/drawingml/2006/main" name="Office Theme">
   <a:themeElements>
-    <a:clrScheme name="Office Theme">
+    <a:clrScheme name="Office">
       <a:dk1>
         <a:sysClr val="windowText" lastClr="000000"/>
       </a:dk1>
@@ -3683,7 +6441,7 @@
         <a:srgbClr val="954F72"/>
       </a:folHlink>
     </a:clrScheme>
-    <a:fontScheme name="Office Theme">
+    <a:fontScheme name="Office">
       <a:majorFont>
         <a:latin typeface="Calibri Light" panose="020F0302020204030204"/>
         <a:ea typeface=""/>
@@ -3755,7 +6513,268 @@
         <a:font script="Geor" typeface="Sylfaen"/>
       </a:minorFont>
     </a:fontScheme>
-    <a:fmtScheme name="Office Theme">
+    <a:fmtScheme name="Office">
+      <a:fillStyleLst>
+        <a:solidFill>
+          <a:schemeClr val="phClr"/>
+        </a:solidFill>
+        <a:gradFill rotWithShape="1">
+          <a:gsLst>
+            <a:gs pos="0">
+              <a:schemeClr val="phClr">
+                <a:lumMod val="110000"/>
+                <a:satMod val="105000"/>
+                <a:tint val="67000"/>
+              </a:schemeClr>
+            </a:gs>
+            <a:gs pos="50000">
+              <a:schemeClr val="phClr">
+                <a:lumMod val="105000"/>
+                <a:satMod val="103000"/>
+                <a:tint val="73000"/>
+              </a:schemeClr>
+            </a:gs>
+            <a:gs pos="100000">
+              <a:schemeClr val="phClr">
+                <a:lumMod val="105000"/>
+                <a:satMod val="109000"/>
+                <a:tint val="81000"/>
+              </a:schemeClr>
+            </a:gs>
+          </a:gsLst>
+          <a:lin ang="5400000" scaled="0"/>
+        </a:gradFill>
+        <a:gradFill rotWithShape="1">
+          <a:gsLst>
+            <a:gs pos="0">
+              <a:schemeClr val="phClr">
+                <a:satMod val="103000"/>
+                <a:lumMod val="102000"/>
+                <a:tint val="94000"/>
+              </a:schemeClr>
+            </a:gs>
+            <a:gs pos="50000">
+              <a:schemeClr val="phClr">
+                <a:satMod val="110000"/>
+                <a:lumMod val="100000"/>
+                <a:shade val="100000"/>
+              </a:schemeClr>
+            </a:gs>
+            <a:gs pos="100000">
+              <a:schemeClr val="phClr">
+                <a:lumMod val="99000"/>
+                <a:satMod val="120000"/>
+                <a:shade val="78000"/>
+              </a:schemeClr>
+            </a:gs>
+          </a:gsLst>
+          <a:lin ang="5400000" scaled="0"/>
+        </a:gradFill>
+      </a:fillStyleLst>
+      <a:lnStyleLst>
+        <a:ln w="6350" cap="flat" cmpd="sng" algn="ctr">
+          <a:solidFill>
+            <a:schemeClr val="phClr"/>
+          </a:solidFill>
+          <a:prstDash val="solid"/>
+          <a:miter lim="800000"/>
+        </a:ln>
+        <a:ln w="12700" cap="flat" cmpd="sng" algn="ctr">
+          <a:solidFill>
+            <a:schemeClr val="phClr"/>
+          </a:solidFill>
+          <a:prstDash val="solid"/>
+          <a:miter lim="800000"/>
+        </a:ln>
+        <a:ln w="19050" cap="flat" cmpd="sng" algn="ctr">
+          <a:solidFill>
+            <a:schemeClr val="phClr"/>
+          </a:solidFill>
+          <a:prstDash val="solid"/>
+          <a:miter lim="800000"/>
+        </a:ln>
+      </a:lnStyleLst>
+      <a:effectStyleLst>
+        <a:effectStyle>
+          <a:effectLst/>
+        </a:effectStyle>
+        <a:effectStyle>
+          <a:effectLst/>
+        </a:effectStyle>
+        <a:effectStyle>
+          <a:effectLst>
+            <a:outerShdw blurRad="57150" dist="19050" dir="5400000" algn="ctr" rotWithShape="0">
+              <a:srgbClr val="000000">
+                <a:alpha val="63000"/>
+              </a:srgbClr>
+            </a:outerShdw>
+          </a:effectLst>
+        </a:effectStyle>
+      </a:effectStyleLst>
+      <a:bgFillStyleLst>
+        <a:solidFill>
+          <a:schemeClr val="phClr"/>
+        </a:solidFill>
+        <a:solidFill>
+          <a:schemeClr val="phClr">
+            <a:tint val="95000"/>
+            <a:satMod val="170000"/>
+          </a:schemeClr>
+        </a:solidFill>
+        <a:gradFill rotWithShape="1">
+          <a:gsLst>
+            <a:gs pos="0">
+              <a:schemeClr val="phClr">
+                <a:tint val="93000"/>
+                <a:satMod val="150000"/>
+                <a:shade val="98000"/>
+                <a:lumMod val="102000"/>
+              </a:schemeClr>
+            </a:gs>
+            <a:gs pos="50000">
+              <a:schemeClr val="phClr">
+                <a:tint val="98000"/>
+                <a:satMod val="130000"/>
+                <a:shade val="90000"/>
+                <a:lumMod val="103000"/>
+              </a:schemeClr>
+            </a:gs>
+            <a:gs pos="100000">
+              <a:schemeClr val="phClr">
+                <a:shade val="63000"/>
+                <a:satMod val="120000"/>
+              </a:schemeClr>
+            </a:gs>
+          </a:gsLst>
+          <a:lin ang="5400000" scaled="0"/>
+        </a:gradFill>
+      </a:bgFillStyleLst>
+    </a:fmtScheme>
+  </a:themeElements>
+  <a:objectDefaults/>
+  <a:extraClrSchemeLst/>
+  <a:extLst>
+    <a:ext uri="{05A4C25C-085E-4340-85A3-A5531E510DB2}">
+      <thm15:themeFamily xmlns:thm15="http://schemas.microsoft.com/office/thememl/2012/main" name="Office Theme" id="{62F939B6-93AF-4DB8-9C6B-D6C7DFDC589F}" vid="{4A3C46E8-61CC-4603-A589-7422A47A8E4A}"/>
+    </a:ext>
+  </a:extLst>
+</a:theme>
+</file>
+
+<file path=ppt/theme/theme2.xml><?xml version="1.0" encoding="utf-8"?>
+<a:theme xmlns:a="http://schemas.openxmlformats.org/drawingml/2006/main" name="Office Theme">
+  <a:themeElements>
+    <a:clrScheme name="Office">
+      <a:dk1>
+        <a:sysClr val="windowText" lastClr="000000"/>
+      </a:dk1>
+      <a:lt1>
+        <a:sysClr val="window" lastClr="FFFFFF"/>
+      </a:lt1>
+      <a:dk2>
+        <a:srgbClr val="44546A"/>
+      </a:dk2>
+      <a:lt2>
+        <a:srgbClr val="E7E6E6"/>
+      </a:lt2>
+      <a:accent1>
+        <a:srgbClr val="5B9BD5"/>
+      </a:accent1>
+      <a:accent2>
+        <a:srgbClr val="ED7D31"/>
+      </a:accent2>
+      <a:accent3>
+        <a:srgbClr val="A5A5A5"/>
+      </a:accent3>
+      <a:accent4>
+        <a:srgbClr val="FFC000"/>
+      </a:accent4>
+      <a:accent5>
+        <a:srgbClr val="4472C4"/>
+      </a:accent5>
+      <a:accent6>
+        <a:srgbClr val="70AD47"/>
+      </a:accent6>
+      <a:hlink>
+        <a:srgbClr val="0563C1"/>
+      </a:hlink>
+      <a:folHlink>
+        <a:srgbClr val="954F72"/>
+      </a:folHlink>
+    </a:clrScheme>
+    <a:fontScheme name="Office">
+      <a:majorFont>
+        <a:latin typeface="Calibri Light" panose="020F0302020204030204"/>
+        <a:ea typeface=""/>
+        <a:cs typeface=""/>
+        <a:font script="Jpan" typeface="ＭＳ Ｐゴシック"/>
+        <a:font script="Hang" typeface="맑은 고딕"/>
+        <a:font script="Hans" typeface="宋体"/>
+        <a:font script="Hant" typeface="新細明體"/>
+        <a:font script="Arab" typeface="Times New Roman"/>
+        <a:font script="Hebr" typeface="Times New Roman"/>
+        <a:font script="Thai" typeface="Angsana New"/>
+        <a:font script="Ethi" typeface="Nyala"/>
+        <a:font script="Beng" typeface="Vrinda"/>
+        <a:font script="Gujr" typeface="Shruti"/>
+        <a:font script="Khmr" typeface="MoolBoran"/>
+        <a:font script="Knda" typeface="Tunga"/>
+        <a:font script="Guru" typeface="Raavi"/>
+        <a:font script="Cans" typeface="Euphemia"/>
+        <a:font script="Cher" typeface="Plantagenet Cherokee"/>
+        <a:font script="Yiii" typeface="Microsoft Yi Baiti"/>
+        <a:font script="Tibt" typeface="Microsoft Himalaya"/>
+        <a:font script="Thaa" typeface="MV Boli"/>
+        <a:font script="Deva" typeface="Mangal"/>
+        <a:font script="Telu" typeface="Gautami"/>
+        <a:font script="Taml" typeface="Latha"/>
+        <a:font script="Syrc" typeface="Estrangelo Edessa"/>
+        <a:font script="Orya" typeface="Kalinga"/>
+        <a:font script="Mlym" typeface="Kartika"/>
+        <a:font script="Laoo" typeface="DokChampa"/>
+        <a:font script="Sinh" typeface="Iskoola Pota"/>
+        <a:font script="Mong" typeface="Mongolian Baiti"/>
+        <a:font script="Viet" typeface="Times New Roman"/>
+        <a:font script="Uigh" typeface="Microsoft Uighur"/>
+        <a:font script="Geor" typeface="Sylfaen"/>
+      </a:majorFont>
+      <a:minorFont>
+        <a:latin typeface="Calibri" panose="020F0502020204030204"/>
+        <a:ea typeface=""/>
+        <a:cs typeface=""/>
+        <a:font script="Jpan" typeface="ＭＳ Ｐゴシック"/>
+        <a:font script="Hang" typeface="맑은 고딕"/>
+        <a:font script="Hans" typeface="宋体"/>
+        <a:font script="Hant" typeface="新細明體"/>
+        <a:font script="Arab" typeface="Arial"/>
+        <a:font script="Hebr" typeface="Arial"/>
+        <a:font script="Thai" typeface="Cordia New"/>
+        <a:font script="Ethi" typeface="Nyala"/>
+        <a:font script="Beng" typeface="Vrinda"/>
+        <a:font script="Gujr" typeface="Shruti"/>
+        <a:font script="Khmr" typeface="DaunPenh"/>
+        <a:font script="Knda" typeface="Tunga"/>
+        <a:font script="Guru" typeface="Raavi"/>
+        <a:font script="Cans" typeface="Euphemia"/>
+        <a:font script="Cher" typeface="Plantagenet Cherokee"/>
+        <a:font script="Yiii" typeface="Microsoft Yi Baiti"/>
+        <a:font script="Tibt" typeface="Microsoft Himalaya"/>
+        <a:font script="Thaa" typeface="MV Boli"/>
+        <a:font script="Deva" typeface="Mangal"/>
+        <a:font script="Telu" typeface="Gautami"/>
+        <a:font script="Taml" typeface="Latha"/>
+        <a:font script="Syrc" typeface="Estrangelo Edessa"/>
+        <a:font script="Orya" typeface="Kalinga"/>
+        <a:font script="Mlym" typeface="Kartika"/>
+        <a:font script="Laoo" typeface="DokChampa"/>
+        <a:font script="Sinh" typeface="Iskoola Pota"/>
+        <a:font script="Mong" typeface="Mongolian Baiti"/>
+        <a:font script="Viet" typeface="Arial"/>
+        <a:font script="Uigh" typeface="Microsoft Uighur"/>
+        <a:font script="Geor" typeface="Sylfaen"/>
+      </a:minorFont>
+    </a:fontScheme>
+    <a:fmtScheme name="Office">
       <a:fillStyleLst>
         <a:solidFill>
           <a:schemeClr val="phClr"/>

--- a/Test/Presentations/Iteration 3.pptx
+++ b/Test/Presentations/Iteration 3.pptx
@@ -210,7 +210,7 @@
           <a:p>
             <a:fld id="{2C7CE36A-6537-48C9-86A7-C5BB40560095}" type="datetimeFigureOut">
               <a:rPr lang="en-US" smtClean="0"/>
-              <a:t>18-Nov-15</a:t>
+              <a:t>18/11/2015</a:t>
             </a:fld>
             <a:endParaRPr lang="en-US"/>
           </a:p>
@@ -4707,16 +4707,16 @@
           <a:lstStyle/>
           <a:p>
             <a:r>
-              <a:rPr lang="en-US" dirty="0" smtClean="0">
-                <a:solidFill>
-                  <a:schemeClr val="bg1"/>
+              <a:rPr lang="en-US" b="1" dirty="0" smtClean="0">
+                <a:solidFill>
+                  <a:srgbClr val="008AD3"/>
                 </a:solidFill>
               </a:rPr>
               <a:t>How it works</a:t>
             </a:r>
-            <a:endParaRPr lang="en-US" dirty="0">
+            <a:endParaRPr lang="en-US" b="1" dirty="0">
               <a:solidFill>
-                <a:schemeClr val="bg1"/>
+                <a:srgbClr val="008AD3"/>
               </a:solidFill>
             </a:endParaRPr>
           </a:p>
@@ -4742,6 +4742,11 @@
           <a:bodyPr/>
           <a:lstStyle/>
           <a:p>
+            <a:pPr>
+              <a:buClr>
+                <a:srgbClr val="91D7EC"/>
+              </a:buClr>
+            </a:pPr>
             <a:endParaRPr lang="en-NZ" b="1" dirty="0" smtClean="0">
               <a:solidFill>
                 <a:schemeClr val="bg1"/>
@@ -4749,6 +4754,11 @@
             </a:endParaRPr>
           </a:p>
           <a:p>
+            <a:pPr>
+              <a:buClr>
+                <a:srgbClr val="91D7EC"/>
+              </a:buClr>
+            </a:pPr>
             <a:r>
               <a:rPr lang="en-NZ" b="1" dirty="0" smtClean="0">
                 <a:solidFill>
@@ -4759,7 +4769,11 @@
             </a:r>
           </a:p>
           <a:p>
-            <a:pPr lvl="1"/>
+            <a:pPr lvl="1">
+              <a:buClr>
+                <a:srgbClr val="91D7EC"/>
+              </a:buClr>
+            </a:pPr>
             <a:r>
               <a:rPr lang="en-NZ" dirty="0" smtClean="0">
                 <a:solidFill>
@@ -4770,7 +4784,11 @@
             </a:r>
           </a:p>
           <a:p>
-            <a:pPr lvl="1"/>
+            <a:pPr lvl="1">
+              <a:buClr>
+                <a:srgbClr val="91D7EC"/>
+              </a:buClr>
+            </a:pPr>
             <a:r>
               <a:rPr lang="en-NZ" dirty="0" smtClean="0">
                 <a:solidFill>
@@ -4781,7 +4799,11 @@
             </a:r>
           </a:p>
           <a:p>
-            <a:pPr lvl="1"/>
+            <a:pPr lvl="1">
+              <a:buClr>
+                <a:srgbClr val="91D7EC"/>
+              </a:buClr>
+            </a:pPr>
             <a:r>
               <a:rPr lang="en-NZ" dirty="0" smtClean="0">
                 <a:solidFill>
@@ -4798,6 +4820,36 @@
           </a:p>
         </p:txBody>
       </p:sp>
+      <p:pic>
+        <p:nvPicPr>
+          <p:cNvPr id="4" name="Picture 3"/>
+          <p:cNvPicPr>
+            <a:picLocks noChangeAspect="1"/>
+          </p:cNvPicPr>
+          <p:nvPr/>
+        </p:nvPicPr>
+        <p:blipFill>
+          <a:blip r:embed="rId3">
+            <a:extLst>
+              <a:ext uri="{28A0092B-C50C-407E-A947-70E740481C1C}">
+                <a14:useLocalDpi xmlns:a14="http://schemas.microsoft.com/office/drawing/2010/main" val="0"/>
+              </a:ext>
+            </a:extLst>
+          </a:blip>
+          <a:stretch>
+            <a:fillRect/>
+          </a:stretch>
+        </p:blipFill>
+        <p:spPr>
+          <a:xfrm>
+            <a:off x="4048396" y="4541816"/>
+            <a:ext cx="5095604" cy="2316184"/>
+          </a:xfrm>
+          <a:prstGeom prst="rect">
+            <a:avLst/>
+          </a:prstGeom>
+        </p:spPr>
+      </p:pic>
     </p:spTree>
     <p:extLst>
       <p:ext uri="{BB962C8B-B14F-4D97-AF65-F5344CB8AC3E}">
@@ -4844,16 +4896,16 @@
           <a:lstStyle/>
           <a:p>
             <a:r>
-              <a:rPr lang="en-US" dirty="0" smtClean="0">
-                <a:solidFill>
-                  <a:schemeClr val="bg1"/>
+              <a:rPr lang="en-US" b="1" dirty="0" smtClean="0">
+                <a:solidFill>
+                  <a:srgbClr val="008AD3"/>
                 </a:solidFill>
               </a:rPr>
               <a:t>How it works</a:t>
             </a:r>
-            <a:endParaRPr lang="en-US" dirty="0">
+            <a:endParaRPr lang="en-US" b="1" dirty="0">
               <a:solidFill>
-                <a:schemeClr val="bg1"/>
+                <a:srgbClr val="008AD3"/>
               </a:solidFill>
             </a:endParaRPr>
           </a:p>
@@ -4874,6 +4926,11 @@
           <a:bodyPr/>
           <a:lstStyle/>
           <a:p>
+            <a:pPr>
+              <a:buClr>
+                <a:srgbClr val="91D7EC"/>
+              </a:buClr>
+            </a:pPr>
             <a:endParaRPr lang="en-NZ" b="1" dirty="0" smtClean="0">
               <a:solidFill>
                 <a:schemeClr val="bg1"/>
@@ -4881,6 +4938,11 @@
             </a:endParaRPr>
           </a:p>
           <a:p>
+            <a:pPr>
+              <a:buClr>
+                <a:srgbClr val="91D7EC"/>
+              </a:buClr>
+            </a:pPr>
             <a:r>
               <a:rPr lang="en-NZ" b="1" dirty="0" smtClean="0">
                 <a:solidFill>
@@ -4896,7 +4958,11 @@
             </a:endParaRPr>
           </a:p>
           <a:p>
-            <a:pPr lvl="1"/>
+            <a:pPr lvl="1">
+              <a:buClr>
+                <a:srgbClr val="91D7EC"/>
+              </a:buClr>
+            </a:pPr>
             <a:r>
               <a:rPr lang="en-NZ" dirty="0">
                 <a:solidFill>
@@ -4915,7 +4981,11 @@
             </a:r>
           </a:p>
           <a:p>
-            <a:pPr lvl="1"/>
+            <a:pPr lvl="1">
+              <a:buClr>
+                <a:srgbClr val="91D7EC"/>
+              </a:buClr>
+            </a:pPr>
             <a:r>
               <a:rPr lang="en-NZ" dirty="0" err="1" smtClean="0">
                 <a:solidFill>
@@ -4931,7 +5001,11 @@
             </a:endParaRPr>
           </a:p>
           <a:p>
-            <a:pPr lvl="1"/>
+            <a:pPr lvl="1">
+              <a:buClr>
+                <a:srgbClr val="91D7EC"/>
+              </a:buClr>
+            </a:pPr>
             <a:r>
               <a:rPr lang="en-NZ" dirty="0" smtClean="0">
                 <a:solidFill>
@@ -4958,7 +5032,11 @@
             </a:r>
           </a:p>
           <a:p>
-            <a:pPr lvl="1"/>
+            <a:pPr lvl="1">
+              <a:buClr>
+                <a:srgbClr val="91D7EC"/>
+              </a:buClr>
+            </a:pPr>
             <a:r>
               <a:rPr lang="en-NZ" dirty="0" smtClean="0">
                 <a:solidFill>
@@ -4974,10 +5052,45 @@
             </a:endParaRPr>
           </a:p>
           <a:p>
+            <a:pPr>
+              <a:buClr>
+                <a:srgbClr val="91D7EC"/>
+              </a:buClr>
+            </a:pPr>
             <a:endParaRPr lang="en-US" dirty="0"/>
           </a:p>
         </p:txBody>
       </p:sp>
+      <p:pic>
+        <p:nvPicPr>
+          <p:cNvPr id="4" name="Picture 3"/>
+          <p:cNvPicPr>
+            <a:picLocks noChangeAspect="1"/>
+          </p:cNvPicPr>
+          <p:nvPr/>
+        </p:nvPicPr>
+        <p:blipFill>
+          <a:blip r:embed="rId3">
+            <a:extLst>
+              <a:ext uri="{28A0092B-C50C-407E-A947-70E740481C1C}">
+                <a14:useLocalDpi xmlns:a14="http://schemas.microsoft.com/office/drawing/2010/main" val="0"/>
+              </a:ext>
+            </a:extLst>
+          </a:blip>
+          <a:stretch>
+            <a:fillRect/>
+          </a:stretch>
+        </p:blipFill>
+        <p:spPr>
+          <a:xfrm>
+            <a:off x="4048396" y="4541816"/>
+            <a:ext cx="5095604" cy="2316184"/>
+          </a:xfrm>
+          <a:prstGeom prst="rect">
+            <a:avLst/>
+          </a:prstGeom>
+        </p:spPr>
+      </p:pic>
     </p:spTree>
     <p:extLst>
       <p:ext uri="{BB962C8B-B14F-4D97-AF65-F5344CB8AC3E}">
@@ -5024,16 +5137,16 @@
           <a:lstStyle/>
           <a:p>
             <a:r>
-              <a:rPr lang="en-US" dirty="0" smtClean="0">
-                <a:solidFill>
-                  <a:schemeClr val="bg1"/>
+              <a:rPr lang="en-US" b="1" dirty="0" smtClean="0">
+                <a:solidFill>
+                  <a:srgbClr val="008AD3"/>
                 </a:solidFill>
               </a:rPr>
               <a:t>Google Maps API</a:t>
             </a:r>
-            <a:endParaRPr lang="en-US" dirty="0">
+            <a:endParaRPr lang="en-US" b="1" dirty="0">
               <a:solidFill>
-                <a:schemeClr val="bg1"/>
+                <a:srgbClr val="008AD3"/>
               </a:solidFill>
             </a:endParaRPr>
           </a:p>
@@ -5054,6 +5167,11 @@
           <a:bodyPr/>
           <a:lstStyle/>
           <a:p>
+            <a:pPr>
+              <a:buClr>
+                <a:srgbClr val="91D7EC"/>
+              </a:buClr>
+            </a:pPr>
             <a:r>
               <a:rPr lang="en-US" dirty="0" smtClean="0">
                 <a:solidFill>
@@ -5080,6 +5198,11 @@
             </a:r>
           </a:p>
           <a:p>
+            <a:pPr>
+              <a:buClr>
+                <a:srgbClr val="91D7EC"/>
+              </a:buClr>
+            </a:pPr>
             <a:endParaRPr lang="en-US" dirty="0">
               <a:solidFill>
                 <a:schemeClr val="bg1"/>
@@ -5164,16 +5287,16 @@
           <a:lstStyle/>
           <a:p>
             <a:r>
-              <a:rPr lang="en-US" dirty="0" smtClean="0">
-                <a:solidFill>
-                  <a:schemeClr val="bg1"/>
+              <a:rPr lang="en-US" b="1" dirty="0" smtClean="0">
+                <a:solidFill>
+                  <a:srgbClr val="008AD3"/>
                 </a:solidFill>
               </a:rPr>
               <a:t>Google Maps API</a:t>
             </a:r>
-            <a:endParaRPr lang="en-US" dirty="0">
+            <a:endParaRPr lang="en-US" b="1" dirty="0">
               <a:solidFill>
-                <a:schemeClr val="bg1"/>
+                <a:srgbClr val="008AD3"/>
               </a:solidFill>
             </a:endParaRPr>
           </a:p>
@@ -5194,6 +5317,11 @@
           <a:bodyPr/>
           <a:lstStyle/>
           <a:p>
+            <a:pPr>
+              <a:buClr>
+                <a:srgbClr val="91D7EC"/>
+              </a:buClr>
+            </a:pPr>
             <a:r>
               <a:rPr lang="en-US" dirty="0" smtClean="0">
                 <a:solidFill>
@@ -5294,40 +5422,51 @@
           <a:lstStyle/>
           <a:p>
             <a:r>
-              <a:rPr lang="en-US" dirty="0" smtClean="0">
-                <a:solidFill>
-                  <a:schemeClr val="bg1"/>
+              <a:rPr lang="en-US" b="1" dirty="0" smtClean="0">
+                <a:solidFill>
+                  <a:srgbClr val="008AD3"/>
                 </a:solidFill>
               </a:rPr>
               <a:t>Questions?</a:t>
             </a:r>
-            <a:endParaRPr lang="en-US" dirty="0">
+            <a:endParaRPr lang="en-US" b="1" dirty="0">
               <a:solidFill>
-                <a:schemeClr val="bg1"/>
+                <a:srgbClr val="008AD3"/>
               </a:solidFill>
             </a:endParaRPr>
           </a:p>
         </p:txBody>
       </p:sp>
-      <p:sp>
-        <p:nvSpPr>
-          <p:cNvPr id="3" name="Content Placeholder 2"/>
-          <p:cNvSpPr>
-            <a:spLocks noGrp="1"/>
-          </p:cNvSpPr>
-          <p:nvPr>
-            <p:ph idx="1"/>
-          </p:nvPr>
-        </p:nvSpPr>
-        <p:spPr/>
-        <p:txBody>
-          <a:bodyPr/>
-          <a:lstStyle/>
-          <a:p>
-            <a:endParaRPr lang="en-US"/>
-          </a:p>
-        </p:txBody>
-      </p:sp>
+      <p:pic>
+        <p:nvPicPr>
+          <p:cNvPr id="5" name="Picture 4"/>
+          <p:cNvPicPr>
+            <a:picLocks noChangeAspect="1"/>
+          </p:cNvPicPr>
+          <p:nvPr/>
+        </p:nvPicPr>
+        <p:blipFill>
+          <a:blip r:embed="rId2">
+            <a:extLst>
+              <a:ext uri="{28A0092B-C50C-407E-A947-70E740481C1C}">
+                <a14:useLocalDpi xmlns:a14="http://schemas.microsoft.com/office/drawing/2010/main" val="0"/>
+              </a:ext>
+            </a:extLst>
+          </a:blip>
+          <a:stretch>
+            <a:fillRect/>
+          </a:stretch>
+        </p:blipFill>
+        <p:spPr>
+          <a:xfrm>
+            <a:off x="628650" y="1690689"/>
+            <a:ext cx="7859222" cy="3572374"/>
+          </a:xfrm>
+          <a:prstGeom prst="rect">
+            <a:avLst/>
+          </a:prstGeom>
+        </p:spPr>
+      </p:pic>
     </p:spTree>
     <p:extLst>
       <p:ext uri="{BB962C8B-B14F-4D97-AF65-F5344CB8AC3E}">
@@ -5374,12 +5513,145 @@
           <a:lstStyle/>
           <a:p>
             <a:r>
-              <a:rPr lang="en-NZ" dirty="0" smtClean="0">
-                <a:solidFill>
-                  <a:schemeClr val="bg1"/>
+              <a:rPr lang="en-NZ" b="1" dirty="0" smtClean="0">
+                <a:solidFill>
+                  <a:srgbClr val="008AD3"/>
                 </a:solidFill>
               </a:rPr>
               <a:t>Overview</a:t>
+            </a:r>
+            <a:endParaRPr lang="en-NZ" b="1" dirty="0">
+              <a:solidFill>
+                <a:srgbClr val="008AD3"/>
+              </a:solidFill>
+            </a:endParaRPr>
+          </a:p>
+        </p:txBody>
+      </p:sp>
+      <p:sp>
+        <p:nvSpPr>
+          <p:cNvPr id="3" name="Content Placeholder 2"/>
+          <p:cNvSpPr>
+            <a:spLocks noGrp="1"/>
+          </p:cNvSpPr>
+          <p:nvPr>
+            <p:ph idx="1"/>
+          </p:nvPr>
+        </p:nvSpPr>
+        <p:spPr/>
+        <p:txBody>
+          <a:bodyPr/>
+          <a:lstStyle/>
+          <a:p>
+            <a:endParaRPr lang="en-NZ" dirty="0" smtClean="0">
+              <a:solidFill>
+                <a:srgbClr val="91D7EC"/>
+              </a:solidFill>
+            </a:endParaRPr>
+          </a:p>
+          <a:p>
+            <a:pPr>
+              <a:buClr>
+                <a:srgbClr val="91D7EC"/>
+              </a:buClr>
+            </a:pPr>
+            <a:r>
+              <a:rPr lang="en-NZ" dirty="0" smtClean="0">
+                <a:solidFill>
+                  <a:schemeClr val="bg1"/>
+                </a:solidFill>
+              </a:rPr>
+              <a:t>Project Description</a:t>
+            </a:r>
+          </a:p>
+          <a:p>
+            <a:pPr>
+              <a:buClr>
+                <a:srgbClr val="91D7EC"/>
+              </a:buClr>
+            </a:pPr>
+            <a:r>
+              <a:rPr lang="en-NZ" dirty="0" smtClean="0">
+                <a:solidFill>
+                  <a:schemeClr val="bg1"/>
+                </a:solidFill>
+              </a:rPr>
+              <a:t>What went right</a:t>
+            </a:r>
+          </a:p>
+          <a:p>
+            <a:pPr>
+              <a:buClr>
+                <a:srgbClr val="91D7EC"/>
+              </a:buClr>
+            </a:pPr>
+            <a:r>
+              <a:rPr lang="en-NZ" dirty="0" smtClean="0">
+                <a:solidFill>
+                  <a:schemeClr val="bg1"/>
+                </a:solidFill>
+              </a:rPr>
+              <a:t>What went wrong</a:t>
+            </a:r>
+          </a:p>
+          <a:p>
+            <a:pPr>
+              <a:buClr>
+                <a:srgbClr val="91D7EC"/>
+              </a:buClr>
+            </a:pPr>
+            <a:r>
+              <a:rPr lang="en-NZ" dirty="0" smtClean="0">
+                <a:solidFill>
+                  <a:schemeClr val="bg1"/>
+                </a:solidFill>
+              </a:rPr>
+              <a:t>What we hoped the end product would be</a:t>
+            </a:r>
+          </a:p>
+          <a:p>
+            <a:pPr>
+              <a:buClr>
+                <a:srgbClr val="91D7EC"/>
+              </a:buClr>
+            </a:pPr>
+            <a:r>
+              <a:rPr lang="en-NZ" dirty="0" smtClean="0">
+                <a:solidFill>
+                  <a:schemeClr val="bg1"/>
+                </a:solidFill>
+              </a:rPr>
+              <a:t>What the end product actually looks like</a:t>
+            </a:r>
+          </a:p>
+          <a:p>
+            <a:pPr>
+              <a:buClr>
+                <a:srgbClr val="91D7EC"/>
+              </a:buClr>
+            </a:pPr>
+            <a:r>
+              <a:rPr lang="en-NZ" dirty="0" smtClean="0">
+                <a:solidFill>
+                  <a:schemeClr val="bg1"/>
+                </a:solidFill>
+              </a:rPr>
+              <a:t>Live demonstration</a:t>
+            </a:r>
+          </a:p>
+          <a:p>
+            <a:pPr>
+              <a:buClr>
+                <a:srgbClr val="91D7EC"/>
+              </a:buClr>
+            </a:pPr>
+            <a:r>
+              <a:rPr lang="en-NZ" dirty="0" smtClean="0">
+                <a:solidFill>
+                  <a:schemeClr val="bg1"/>
+                </a:solidFill>
+              </a:rPr>
+              <a:t>How it works</a:t>
             </a:r>
             <a:endParaRPr lang="en-NZ" dirty="0">
               <a:solidFill>
@@ -5389,112 +5661,36 @@
           </a:p>
         </p:txBody>
       </p:sp>
-      <p:sp>
-        <p:nvSpPr>
-          <p:cNvPr id="3" name="Content Placeholder 2"/>
-          <p:cNvSpPr>
-            <a:spLocks noGrp="1"/>
-          </p:cNvSpPr>
-          <p:nvPr>
-            <p:ph idx="1"/>
-          </p:nvPr>
-        </p:nvSpPr>
-        <p:spPr/>
-        <p:txBody>
-          <a:bodyPr/>
-          <a:lstStyle/>
-          <a:p>
-            <a:endParaRPr lang="en-NZ" dirty="0" smtClean="0">
-              <a:solidFill>
-                <a:schemeClr val="bg1"/>
-              </a:solidFill>
-            </a:endParaRPr>
-          </a:p>
-          <a:p>
-            <a:r>
-              <a:rPr lang="en-NZ" dirty="0" smtClean="0">
-                <a:solidFill>
-                  <a:schemeClr val="bg1"/>
-                </a:solidFill>
-              </a:rPr>
-              <a:t>Project </a:t>
-            </a:r>
-            <a:r>
-              <a:rPr lang="en-NZ" dirty="0" smtClean="0">
-                <a:solidFill>
-                  <a:schemeClr val="bg1"/>
-                </a:solidFill>
-              </a:rPr>
-              <a:t>Description</a:t>
-            </a:r>
-          </a:p>
-          <a:p>
-            <a:r>
-              <a:rPr lang="en-NZ" dirty="0" smtClean="0">
-                <a:solidFill>
-                  <a:schemeClr val="bg1"/>
-                </a:solidFill>
-              </a:rPr>
-              <a:t>What went right</a:t>
-            </a:r>
-          </a:p>
-          <a:p>
-            <a:r>
-              <a:rPr lang="en-NZ" dirty="0" smtClean="0">
-                <a:solidFill>
-                  <a:schemeClr val="bg1"/>
-                </a:solidFill>
-              </a:rPr>
-              <a:t>What went wrong</a:t>
-            </a:r>
-          </a:p>
-          <a:p>
-            <a:r>
-              <a:rPr lang="en-NZ" dirty="0" smtClean="0">
-                <a:solidFill>
-                  <a:schemeClr val="bg1"/>
-                </a:solidFill>
-              </a:rPr>
-              <a:t>What we hoped the end product would be</a:t>
-            </a:r>
-          </a:p>
-          <a:p>
-            <a:r>
-              <a:rPr lang="en-NZ" dirty="0" smtClean="0">
-                <a:solidFill>
-                  <a:schemeClr val="bg1"/>
-                </a:solidFill>
-              </a:rPr>
-              <a:t>What the end product actually looks like</a:t>
-            </a:r>
-          </a:p>
-          <a:p>
-            <a:r>
-              <a:rPr lang="en-NZ" dirty="0" smtClean="0">
-                <a:solidFill>
-                  <a:schemeClr val="bg1"/>
-                </a:solidFill>
-              </a:rPr>
-              <a:t>Live demonstration</a:t>
-            </a:r>
-          </a:p>
-          <a:p>
-            <a:r>
-              <a:rPr lang="en-NZ" dirty="0" smtClean="0">
-                <a:solidFill>
-                  <a:schemeClr val="bg1"/>
-                </a:solidFill>
-              </a:rPr>
-              <a:t>How it works</a:t>
-            </a:r>
-            <a:endParaRPr lang="en-NZ" dirty="0">
-              <a:solidFill>
-                <a:schemeClr val="bg1"/>
-              </a:solidFill>
-            </a:endParaRPr>
-          </a:p>
-        </p:txBody>
-      </p:sp>
+      <p:pic>
+        <p:nvPicPr>
+          <p:cNvPr id="4" name="Picture 3"/>
+          <p:cNvPicPr>
+            <a:picLocks noChangeAspect="1"/>
+          </p:cNvPicPr>
+          <p:nvPr/>
+        </p:nvPicPr>
+        <p:blipFill>
+          <a:blip r:embed="rId3">
+            <a:extLst>
+              <a:ext uri="{28A0092B-C50C-407E-A947-70E740481C1C}">
+                <a14:useLocalDpi xmlns:a14="http://schemas.microsoft.com/office/drawing/2010/main" val="0"/>
+              </a:ext>
+            </a:extLst>
+          </a:blip>
+          <a:stretch>
+            <a:fillRect/>
+          </a:stretch>
+        </p:blipFill>
+        <p:spPr>
+          <a:xfrm>
+            <a:off x="4048396" y="4541816"/>
+            <a:ext cx="5095604" cy="2316184"/>
+          </a:xfrm>
+          <a:prstGeom prst="rect">
+            <a:avLst/>
+          </a:prstGeom>
+        </p:spPr>
+      </p:pic>
     </p:spTree>
     <p:extLst>
       <p:ext uri="{BB962C8B-B14F-4D97-AF65-F5344CB8AC3E}">
@@ -5541,28 +5737,76 @@
           <a:lstStyle/>
           <a:p>
             <a:r>
-              <a:rPr lang="en-NZ" dirty="0" smtClean="0">
-                <a:solidFill>
-                  <a:schemeClr val="bg1"/>
+              <a:rPr lang="en-NZ" b="1" dirty="0" smtClean="0">
+                <a:solidFill>
+                  <a:srgbClr val="008AD3"/>
                 </a:solidFill>
               </a:rPr>
               <a:t>What is </a:t>
             </a:r>
             <a:r>
-              <a:rPr lang="en-NZ" dirty="0" err="1" smtClean="0">
-                <a:solidFill>
-                  <a:schemeClr val="bg1"/>
+              <a:rPr lang="en-NZ" b="1" dirty="0" err="1" smtClean="0">
+                <a:solidFill>
+                  <a:srgbClr val="008AD3"/>
                 </a:solidFill>
               </a:rPr>
               <a:t>SwimSafe</a:t>
             </a:r>
             <a:r>
-              <a:rPr lang="en-NZ" dirty="0" smtClean="0">
-                <a:solidFill>
-                  <a:schemeClr val="bg1"/>
+              <a:rPr lang="en-NZ" b="1" dirty="0" smtClean="0">
+                <a:solidFill>
+                  <a:srgbClr val="008AD3"/>
                 </a:solidFill>
               </a:rPr>
               <a:t>?</a:t>
+            </a:r>
+            <a:endParaRPr lang="en-NZ" b="1" dirty="0">
+              <a:solidFill>
+                <a:srgbClr val="008AD3"/>
+              </a:solidFill>
+            </a:endParaRPr>
+          </a:p>
+        </p:txBody>
+      </p:sp>
+      <p:sp>
+        <p:nvSpPr>
+          <p:cNvPr id="3" name="Content Placeholder 2"/>
+          <p:cNvSpPr>
+            <a:spLocks noGrp="1"/>
+          </p:cNvSpPr>
+          <p:nvPr>
+            <p:ph idx="1"/>
+          </p:nvPr>
+        </p:nvSpPr>
+        <p:spPr/>
+        <p:txBody>
+          <a:bodyPr/>
+          <a:lstStyle/>
+          <a:p>
+            <a:pPr>
+              <a:buClr>
+                <a:srgbClr val="91D7EC"/>
+              </a:buClr>
+            </a:pPr>
+            <a:endParaRPr lang="en-NZ" dirty="0" smtClean="0">
+              <a:solidFill>
+                <a:schemeClr val="bg1"/>
+              </a:solidFill>
+            </a:endParaRPr>
+          </a:p>
+          <a:p>
+            <a:pPr>
+              <a:buClr>
+                <a:srgbClr val="91D7EC"/>
+              </a:buClr>
+            </a:pPr>
+            <a:r>
+              <a:rPr lang="en-NZ" dirty="0" smtClean="0">
+                <a:solidFill>
+                  <a:schemeClr val="bg1"/>
+                </a:solidFill>
+              </a:rPr>
+              <a:t>Interactive map</a:t>
             </a:r>
             <a:endParaRPr lang="en-NZ" dirty="0">
               <a:solidFill>
@@ -5570,45 +5814,12 @@
               </a:solidFill>
             </a:endParaRPr>
           </a:p>
-        </p:txBody>
-      </p:sp>
-      <p:sp>
-        <p:nvSpPr>
-          <p:cNvPr id="3" name="Content Placeholder 2"/>
-          <p:cNvSpPr>
-            <a:spLocks noGrp="1"/>
-          </p:cNvSpPr>
-          <p:nvPr>
-            <p:ph idx="1"/>
-          </p:nvPr>
-        </p:nvSpPr>
-        <p:spPr/>
-        <p:txBody>
-          <a:bodyPr/>
-          <a:lstStyle/>
-          <a:p>
-            <a:endParaRPr lang="en-NZ" dirty="0" smtClean="0">
-              <a:solidFill>
-                <a:schemeClr val="bg1"/>
-              </a:solidFill>
-            </a:endParaRPr>
-          </a:p>
-          <a:p>
-            <a:r>
-              <a:rPr lang="en-NZ" dirty="0" smtClean="0">
-                <a:solidFill>
-                  <a:schemeClr val="bg1"/>
-                </a:solidFill>
-              </a:rPr>
-              <a:t>Interactive map</a:t>
-            </a:r>
-            <a:endParaRPr lang="en-NZ" dirty="0">
-              <a:solidFill>
-                <a:schemeClr val="bg1"/>
-              </a:solidFill>
-            </a:endParaRPr>
-          </a:p>
-          <a:p>
+          <a:p>
+            <a:pPr>
+              <a:buClr>
+                <a:srgbClr val="91D7EC"/>
+              </a:buClr>
+            </a:pPr>
             <a:r>
               <a:rPr lang="en-NZ" dirty="0" smtClean="0">
                 <a:solidFill>
@@ -5619,6 +5830,11 @@
             </a:r>
           </a:p>
           <a:p>
+            <a:pPr>
+              <a:buClr>
+                <a:srgbClr val="91D7EC"/>
+              </a:buClr>
+            </a:pPr>
             <a:r>
               <a:rPr lang="en-NZ" dirty="0" smtClean="0">
                 <a:solidFill>
@@ -5629,10 +5845,45 @@
             </a:r>
           </a:p>
           <a:p>
+            <a:pPr>
+              <a:buClr>
+                <a:srgbClr val="91D7EC"/>
+              </a:buClr>
+            </a:pPr>
             <a:endParaRPr lang="en-NZ" dirty="0" smtClean="0"/>
           </a:p>
         </p:txBody>
       </p:sp>
+      <p:pic>
+        <p:nvPicPr>
+          <p:cNvPr id="4" name="Picture 3"/>
+          <p:cNvPicPr>
+            <a:picLocks noChangeAspect="1"/>
+          </p:cNvPicPr>
+          <p:nvPr/>
+        </p:nvPicPr>
+        <p:blipFill>
+          <a:blip r:embed="rId3">
+            <a:extLst>
+              <a:ext uri="{28A0092B-C50C-407E-A947-70E740481C1C}">
+                <a14:useLocalDpi xmlns:a14="http://schemas.microsoft.com/office/drawing/2010/main" val="0"/>
+              </a:ext>
+            </a:extLst>
+          </a:blip>
+          <a:stretch>
+            <a:fillRect/>
+          </a:stretch>
+        </p:blipFill>
+        <p:spPr>
+          <a:xfrm>
+            <a:off x="4048396" y="4541816"/>
+            <a:ext cx="5095604" cy="2316184"/>
+          </a:xfrm>
+          <a:prstGeom prst="rect">
+            <a:avLst/>
+          </a:prstGeom>
+        </p:spPr>
+      </p:pic>
     </p:spTree>
     <p:extLst>
       <p:ext uri="{BB962C8B-B14F-4D97-AF65-F5344CB8AC3E}">
@@ -5679,12 +5930,105 @@
           <a:lstStyle/>
           <a:p>
             <a:r>
-              <a:rPr lang="en-NZ" dirty="0" smtClean="0">
-                <a:solidFill>
-                  <a:schemeClr val="bg1"/>
+              <a:rPr lang="en-NZ" b="1" dirty="0" smtClean="0">
+                <a:solidFill>
+                  <a:srgbClr val="008AD3"/>
                 </a:solidFill>
               </a:rPr>
               <a:t>What went right</a:t>
+            </a:r>
+            <a:endParaRPr lang="en-NZ" b="1" dirty="0">
+              <a:solidFill>
+                <a:srgbClr val="008AD3"/>
+              </a:solidFill>
+            </a:endParaRPr>
+          </a:p>
+        </p:txBody>
+      </p:sp>
+      <p:sp>
+        <p:nvSpPr>
+          <p:cNvPr id="3" name="Content Placeholder 2"/>
+          <p:cNvSpPr>
+            <a:spLocks noGrp="1"/>
+          </p:cNvSpPr>
+          <p:nvPr>
+            <p:ph idx="1"/>
+          </p:nvPr>
+        </p:nvSpPr>
+        <p:spPr/>
+        <p:txBody>
+          <a:bodyPr/>
+          <a:lstStyle/>
+          <a:p>
+            <a:pPr>
+              <a:buClr>
+                <a:srgbClr val="91D7EC"/>
+              </a:buClr>
+            </a:pPr>
+            <a:endParaRPr lang="en-NZ" dirty="0" smtClean="0">
+              <a:solidFill>
+                <a:schemeClr val="bg1"/>
+              </a:solidFill>
+            </a:endParaRPr>
+          </a:p>
+          <a:p>
+            <a:pPr>
+              <a:buClr>
+                <a:srgbClr val="91D7EC"/>
+              </a:buClr>
+            </a:pPr>
+            <a:r>
+              <a:rPr lang="en-NZ" dirty="0" smtClean="0">
+                <a:solidFill>
+                  <a:schemeClr val="bg1"/>
+                </a:solidFill>
+              </a:rPr>
+              <a:t>Google maps API</a:t>
+            </a:r>
+          </a:p>
+          <a:p>
+            <a:pPr>
+              <a:buClr>
+                <a:srgbClr val="91D7EC"/>
+              </a:buClr>
+            </a:pPr>
+            <a:r>
+              <a:rPr lang="en-NZ" dirty="0" smtClean="0">
+                <a:solidFill>
+                  <a:schemeClr val="bg1"/>
+                </a:solidFill>
+              </a:rPr>
+              <a:t>PHP</a:t>
+            </a:r>
+          </a:p>
+          <a:p>
+            <a:pPr>
+              <a:buClr>
+                <a:srgbClr val="91D7EC"/>
+              </a:buClr>
+            </a:pPr>
+            <a:r>
+              <a:rPr lang="en-NZ" dirty="0" smtClean="0">
+                <a:solidFill>
+                  <a:schemeClr val="bg1"/>
+                </a:solidFill>
+              </a:rPr>
+              <a:t>JavaScript</a:t>
+            </a:r>
+          </a:p>
+          <a:p>
+            <a:pPr>
+              <a:buClr>
+                <a:srgbClr val="91D7EC"/>
+              </a:buClr>
+            </a:pPr>
+            <a:r>
+              <a:rPr lang="en-NZ" dirty="0" smtClean="0">
+                <a:solidFill>
+                  <a:schemeClr val="bg1"/>
+                </a:solidFill>
+              </a:rPr>
+              <a:t>Database, server setup</a:t>
             </a:r>
             <a:endParaRPr lang="en-NZ" dirty="0">
               <a:solidFill>
@@ -5694,79 +6038,36 @@
           </a:p>
         </p:txBody>
       </p:sp>
-      <p:sp>
-        <p:nvSpPr>
-          <p:cNvPr id="3" name="Content Placeholder 2"/>
-          <p:cNvSpPr>
-            <a:spLocks noGrp="1"/>
-          </p:cNvSpPr>
-          <p:nvPr>
-            <p:ph idx="1"/>
-          </p:nvPr>
-        </p:nvSpPr>
-        <p:spPr/>
-        <p:txBody>
-          <a:bodyPr/>
-          <a:lstStyle/>
-          <a:p>
-            <a:endParaRPr lang="en-NZ" dirty="0" smtClean="0">
-              <a:solidFill>
-                <a:schemeClr val="bg1"/>
-              </a:solidFill>
-            </a:endParaRPr>
-          </a:p>
-          <a:p>
-            <a:r>
-              <a:rPr lang="en-NZ" dirty="0" smtClean="0">
-                <a:solidFill>
-                  <a:schemeClr val="bg1"/>
-                </a:solidFill>
-              </a:rPr>
-              <a:t>Google maps API</a:t>
-            </a:r>
-          </a:p>
-          <a:p>
-            <a:r>
-              <a:rPr lang="en-NZ" dirty="0" smtClean="0">
-                <a:solidFill>
-                  <a:schemeClr val="bg1"/>
-                </a:solidFill>
-              </a:rPr>
-              <a:t>PHP</a:t>
-            </a:r>
-          </a:p>
-          <a:p>
-            <a:r>
-              <a:rPr lang="en-NZ" dirty="0" smtClean="0">
-                <a:solidFill>
-                  <a:schemeClr val="bg1"/>
-                </a:solidFill>
-              </a:rPr>
-              <a:t>JavaScript</a:t>
-            </a:r>
-            <a:endParaRPr lang="en-NZ" dirty="0" smtClean="0">
-              <a:solidFill>
-                <a:schemeClr val="bg1"/>
-              </a:solidFill>
-            </a:endParaRPr>
-          </a:p>
-          <a:p>
-            <a:r>
-              <a:rPr lang="en-NZ" dirty="0" smtClean="0">
-                <a:solidFill>
-                  <a:schemeClr val="bg1"/>
-                </a:solidFill>
-              </a:rPr>
-              <a:t>Database, server setup</a:t>
-            </a:r>
-            <a:endParaRPr lang="en-NZ" dirty="0">
-              <a:solidFill>
-                <a:schemeClr val="bg1"/>
-              </a:solidFill>
-            </a:endParaRPr>
-          </a:p>
-        </p:txBody>
-      </p:sp>
+      <p:pic>
+        <p:nvPicPr>
+          <p:cNvPr id="4" name="Picture 3"/>
+          <p:cNvPicPr>
+            <a:picLocks noChangeAspect="1"/>
+          </p:cNvPicPr>
+          <p:nvPr/>
+        </p:nvPicPr>
+        <p:blipFill>
+          <a:blip r:embed="rId3">
+            <a:extLst>
+              <a:ext uri="{28A0092B-C50C-407E-A947-70E740481C1C}">
+                <a14:useLocalDpi xmlns:a14="http://schemas.microsoft.com/office/drawing/2010/main" val="0"/>
+              </a:ext>
+            </a:extLst>
+          </a:blip>
+          <a:stretch>
+            <a:fillRect/>
+          </a:stretch>
+        </p:blipFill>
+        <p:spPr>
+          <a:xfrm>
+            <a:off x="4048396" y="4541816"/>
+            <a:ext cx="5095604" cy="2316184"/>
+          </a:xfrm>
+          <a:prstGeom prst="rect">
+            <a:avLst/>
+          </a:prstGeom>
+        </p:spPr>
+      </p:pic>
     </p:spTree>
     <p:extLst>
       <p:ext uri="{BB962C8B-B14F-4D97-AF65-F5344CB8AC3E}">
@@ -5813,12 +6114,83 @@
           <a:lstStyle/>
           <a:p>
             <a:r>
-              <a:rPr lang="en-NZ" dirty="0" smtClean="0">
-                <a:solidFill>
-                  <a:schemeClr val="bg1"/>
+              <a:rPr lang="en-NZ" b="1" dirty="0" smtClean="0">
+                <a:solidFill>
+                  <a:srgbClr val="008AD3"/>
                 </a:solidFill>
               </a:rPr>
               <a:t>What went wrong</a:t>
+            </a:r>
+            <a:endParaRPr lang="en-NZ" b="1" dirty="0">
+              <a:solidFill>
+                <a:srgbClr val="008AD3"/>
+              </a:solidFill>
+            </a:endParaRPr>
+          </a:p>
+        </p:txBody>
+      </p:sp>
+      <p:sp>
+        <p:nvSpPr>
+          <p:cNvPr id="3" name="Content Placeholder 2"/>
+          <p:cNvSpPr>
+            <a:spLocks noGrp="1"/>
+          </p:cNvSpPr>
+          <p:nvPr>
+            <p:ph idx="1"/>
+          </p:nvPr>
+        </p:nvSpPr>
+        <p:spPr/>
+        <p:txBody>
+          <a:bodyPr/>
+          <a:lstStyle/>
+          <a:p>
+            <a:pPr>
+              <a:buClr>
+                <a:srgbClr val="91D7EC"/>
+              </a:buClr>
+            </a:pPr>
+            <a:endParaRPr lang="en-NZ" dirty="0" smtClean="0">
+              <a:solidFill>
+                <a:schemeClr val="bg1"/>
+              </a:solidFill>
+            </a:endParaRPr>
+          </a:p>
+          <a:p>
+            <a:pPr>
+              <a:buClr>
+                <a:srgbClr val="91D7EC"/>
+              </a:buClr>
+            </a:pPr>
+            <a:r>
+              <a:rPr lang="en-NZ" dirty="0" err="1" smtClean="0">
+                <a:solidFill>
+                  <a:schemeClr val="bg1"/>
+                </a:solidFill>
+              </a:rPr>
+              <a:t>InfoWindow</a:t>
+            </a:r>
+            <a:r>
+              <a:rPr lang="en-NZ" dirty="0" smtClean="0">
+                <a:solidFill>
+                  <a:schemeClr val="bg1"/>
+                </a:solidFill>
+              </a:rPr>
+              <a:t> styling</a:t>
+            </a:r>
+          </a:p>
+          <a:p>
+            <a:pPr>
+              <a:buClr>
+                <a:srgbClr val="91D7EC"/>
+              </a:buClr>
+            </a:pPr>
+            <a:r>
+              <a:rPr lang="en-NZ" dirty="0" smtClean="0">
+                <a:solidFill>
+                  <a:schemeClr val="bg1"/>
+                </a:solidFill>
+              </a:rPr>
+              <a:t>Acquiring live data</a:t>
             </a:r>
             <a:endParaRPr lang="en-NZ" dirty="0">
               <a:solidFill>
@@ -5828,67 +6200,36 @@
           </a:p>
         </p:txBody>
       </p:sp>
-      <p:sp>
-        <p:nvSpPr>
-          <p:cNvPr id="3" name="Content Placeholder 2"/>
-          <p:cNvSpPr>
-            <a:spLocks noGrp="1"/>
-          </p:cNvSpPr>
-          <p:nvPr>
-            <p:ph idx="1"/>
-          </p:nvPr>
-        </p:nvSpPr>
-        <p:spPr/>
-        <p:txBody>
-          <a:bodyPr/>
-          <a:lstStyle/>
-          <a:p>
-            <a:endParaRPr lang="en-NZ" dirty="0" smtClean="0">
-              <a:solidFill>
-                <a:schemeClr val="bg1"/>
-              </a:solidFill>
-            </a:endParaRPr>
-          </a:p>
-          <a:p>
-            <a:r>
-              <a:rPr lang="en-NZ" dirty="0" err="1" smtClean="0">
-                <a:solidFill>
-                  <a:schemeClr val="bg1"/>
-                </a:solidFill>
-              </a:rPr>
-              <a:t>InfoWindow</a:t>
-            </a:r>
-            <a:r>
-              <a:rPr lang="en-NZ" dirty="0" smtClean="0">
-                <a:solidFill>
-                  <a:schemeClr val="bg1"/>
-                </a:solidFill>
-              </a:rPr>
-              <a:t> styling</a:t>
-            </a:r>
-            <a:endParaRPr lang="en-NZ" dirty="0" smtClean="0">
-              <a:solidFill>
-                <a:schemeClr val="bg1"/>
-              </a:solidFill>
-            </a:endParaRPr>
-          </a:p>
-          <a:p>
-            <a:r>
-              <a:rPr lang="en-NZ" dirty="0" smtClean="0">
-                <a:solidFill>
-                  <a:schemeClr val="bg1"/>
-                </a:solidFill>
-              </a:rPr>
-              <a:t>Acquiring live data</a:t>
-            </a:r>
-            <a:endParaRPr lang="en-NZ" dirty="0">
-              <a:solidFill>
-                <a:schemeClr val="bg1"/>
-              </a:solidFill>
-            </a:endParaRPr>
-          </a:p>
-        </p:txBody>
-      </p:sp>
+      <p:pic>
+        <p:nvPicPr>
+          <p:cNvPr id="4" name="Picture 3"/>
+          <p:cNvPicPr>
+            <a:picLocks noChangeAspect="1"/>
+          </p:cNvPicPr>
+          <p:nvPr/>
+        </p:nvPicPr>
+        <p:blipFill>
+          <a:blip r:embed="rId3">
+            <a:extLst>
+              <a:ext uri="{28A0092B-C50C-407E-A947-70E740481C1C}">
+                <a14:useLocalDpi xmlns:a14="http://schemas.microsoft.com/office/drawing/2010/main" val="0"/>
+              </a:ext>
+            </a:extLst>
+          </a:blip>
+          <a:stretch>
+            <a:fillRect/>
+          </a:stretch>
+        </p:blipFill>
+        <p:spPr>
+          <a:xfrm>
+            <a:off x="4048396" y="4541816"/>
+            <a:ext cx="5095604" cy="2316184"/>
+          </a:xfrm>
+          <a:prstGeom prst="rect">
+            <a:avLst/>
+          </a:prstGeom>
+        </p:spPr>
+      </p:pic>
     </p:spTree>
     <p:extLst>
       <p:ext uri="{BB962C8B-B14F-4D97-AF65-F5344CB8AC3E}">
@@ -5937,12 +6278,78 @@
           <a:lstStyle/>
           <a:p>
             <a:r>
-              <a:rPr lang="en-NZ" dirty="0" smtClean="0">
-                <a:solidFill>
-                  <a:schemeClr val="bg1"/>
+              <a:rPr lang="en-NZ" b="1" dirty="0" smtClean="0">
+                <a:solidFill>
+                  <a:srgbClr val="008AD3"/>
                 </a:solidFill>
               </a:rPr>
               <a:t>What we hoped the product would be</a:t>
+            </a:r>
+            <a:endParaRPr lang="en-NZ" b="1" dirty="0">
+              <a:solidFill>
+                <a:srgbClr val="008AD3"/>
+              </a:solidFill>
+            </a:endParaRPr>
+          </a:p>
+        </p:txBody>
+      </p:sp>
+      <p:sp>
+        <p:nvSpPr>
+          <p:cNvPr id="3" name="Content Placeholder 2"/>
+          <p:cNvSpPr>
+            <a:spLocks noGrp="1"/>
+          </p:cNvSpPr>
+          <p:nvPr>
+            <p:ph idx="1"/>
+          </p:nvPr>
+        </p:nvSpPr>
+        <p:spPr/>
+        <p:txBody>
+          <a:bodyPr/>
+          <a:lstStyle/>
+          <a:p>
+            <a:pPr>
+              <a:buClr>
+                <a:srgbClr val="91D7EC"/>
+              </a:buClr>
+            </a:pPr>
+            <a:r>
+              <a:rPr lang="en-NZ" dirty="0" smtClean="0">
+                <a:solidFill>
+                  <a:schemeClr val="bg1"/>
+                </a:solidFill>
+              </a:rPr>
+              <a:t>Easy to use</a:t>
+            </a:r>
+          </a:p>
+          <a:p>
+            <a:pPr>
+              <a:buClr>
+                <a:srgbClr val="91D7EC"/>
+              </a:buClr>
+            </a:pPr>
+            <a:r>
+              <a:rPr lang="en-NZ" dirty="0" smtClean="0">
+                <a:solidFill>
+                  <a:schemeClr val="bg1"/>
+                </a:solidFill>
+              </a:rPr>
+              <a:t>Intuitive</a:t>
+            </a:r>
+          </a:p>
+          <a:p>
+            <a:pPr>
+              <a:buClr>
+                <a:srgbClr val="91D7EC"/>
+              </a:buClr>
+            </a:pPr>
+            <a:r>
+              <a:rPr lang="en-NZ" dirty="0" smtClean="0">
+                <a:solidFill>
+                  <a:schemeClr val="bg1"/>
+                </a:solidFill>
+              </a:rPr>
+              <a:t>Live data about swimming locations</a:t>
             </a:r>
             <a:endParaRPr lang="en-NZ" dirty="0">
               <a:solidFill>
@@ -5952,57 +6359,36 @@
           </a:p>
         </p:txBody>
       </p:sp>
-      <p:sp>
-        <p:nvSpPr>
-          <p:cNvPr id="3" name="Content Placeholder 2"/>
-          <p:cNvSpPr>
-            <a:spLocks noGrp="1"/>
-          </p:cNvSpPr>
-          <p:nvPr>
-            <p:ph idx="1"/>
-          </p:nvPr>
-        </p:nvSpPr>
-        <p:spPr/>
-        <p:txBody>
-          <a:bodyPr/>
-          <a:lstStyle/>
-          <a:p>
-            <a:r>
-              <a:rPr lang="en-NZ" dirty="0" smtClean="0">
-                <a:solidFill>
-                  <a:schemeClr val="bg1"/>
-                </a:solidFill>
-              </a:rPr>
-              <a:t>Easy to use</a:t>
-            </a:r>
-          </a:p>
-          <a:p>
-            <a:r>
-              <a:rPr lang="en-NZ" dirty="0" smtClean="0">
-                <a:solidFill>
-                  <a:schemeClr val="bg1"/>
-                </a:solidFill>
-              </a:rPr>
-              <a:t>Intuitive</a:t>
-            </a:r>
-          </a:p>
-          <a:p>
-            <a:r>
-              <a:rPr lang="en-NZ" dirty="0" smtClean="0">
-                <a:solidFill>
-                  <a:schemeClr val="bg1"/>
-                </a:solidFill>
-              </a:rPr>
-              <a:t>Live data about swimming locations</a:t>
-            </a:r>
-            <a:endParaRPr lang="en-NZ" dirty="0">
-              <a:solidFill>
-                <a:schemeClr val="bg1"/>
-              </a:solidFill>
-            </a:endParaRPr>
-          </a:p>
-        </p:txBody>
-      </p:sp>
+      <p:pic>
+        <p:nvPicPr>
+          <p:cNvPr id="4" name="Picture 3"/>
+          <p:cNvPicPr>
+            <a:picLocks noChangeAspect="1"/>
+          </p:cNvPicPr>
+          <p:nvPr/>
+        </p:nvPicPr>
+        <p:blipFill>
+          <a:blip r:embed="rId3">
+            <a:extLst>
+              <a:ext uri="{28A0092B-C50C-407E-A947-70E740481C1C}">
+                <a14:useLocalDpi xmlns:a14="http://schemas.microsoft.com/office/drawing/2010/main" val="0"/>
+              </a:ext>
+            </a:extLst>
+          </a:blip>
+          <a:stretch>
+            <a:fillRect/>
+          </a:stretch>
+        </p:blipFill>
+        <p:spPr>
+          <a:xfrm>
+            <a:off x="4048396" y="4541816"/>
+            <a:ext cx="5095604" cy="2316184"/>
+          </a:xfrm>
+          <a:prstGeom prst="rect">
+            <a:avLst/>
+          </a:prstGeom>
+        </p:spPr>
+      </p:pic>
     </p:spTree>
     <p:extLst>
       <p:ext uri="{BB962C8B-B14F-4D97-AF65-F5344CB8AC3E}">
@@ -6049,16 +6435,16 @@
           <a:lstStyle/>
           <a:p>
             <a:r>
-              <a:rPr lang="en-NZ" dirty="0" smtClean="0">
-                <a:solidFill>
-                  <a:schemeClr val="bg1"/>
+              <a:rPr lang="en-NZ" b="1" dirty="0" smtClean="0">
+                <a:solidFill>
+                  <a:srgbClr val="008AD3"/>
                 </a:solidFill>
               </a:rPr>
               <a:t>The end product</a:t>
             </a:r>
-            <a:endParaRPr lang="en-NZ" dirty="0">
+            <a:endParaRPr lang="en-NZ" b="1" dirty="0">
               <a:solidFill>
-                <a:schemeClr val="bg1"/>
+                <a:srgbClr val="008AD3"/>
               </a:solidFill>
             </a:endParaRPr>
           </a:p>
@@ -6080,6 +6466,9 @@
           <a:lstStyle/>
           <a:p>
             <a:pPr marL="0" indent="0">
+              <a:buClr>
+                <a:srgbClr val="91D7EC"/>
+              </a:buClr>
               <a:buNone/>
             </a:pPr>
             <a:endParaRPr lang="en-NZ" dirty="0" smtClean="0">
@@ -6089,21 +6478,18 @@
             </a:endParaRPr>
           </a:p>
           <a:p>
+            <a:pPr>
+              <a:buClr>
+                <a:srgbClr val="91D7EC"/>
+              </a:buClr>
+            </a:pPr>
             <a:r>
               <a:rPr lang="en-NZ" dirty="0" smtClean="0">
                 <a:solidFill>
                   <a:schemeClr val="bg1"/>
                 </a:solidFill>
               </a:rPr>
-              <a:t>Live </a:t>
-            </a:r>
-            <a:r>
-              <a:rPr lang="en-NZ" dirty="0" smtClean="0">
-                <a:solidFill>
-                  <a:schemeClr val="bg1"/>
-                </a:solidFill>
-              </a:rPr>
-              <a:t>Demo</a:t>
+              <a:t>Live Demo</a:t>
             </a:r>
             <a:endParaRPr lang="en-NZ" dirty="0">
               <a:solidFill>
@@ -6113,6 +6499,36 @@
           </a:p>
         </p:txBody>
       </p:sp>
+      <p:pic>
+        <p:nvPicPr>
+          <p:cNvPr id="4" name="Picture 3"/>
+          <p:cNvPicPr>
+            <a:picLocks noChangeAspect="1"/>
+          </p:cNvPicPr>
+          <p:nvPr/>
+        </p:nvPicPr>
+        <p:blipFill>
+          <a:blip r:embed="rId3">
+            <a:extLst>
+              <a:ext uri="{28A0092B-C50C-407E-A947-70E740481C1C}">
+                <a14:useLocalDpi xmlns:a14="http://schemas.microsoft.com/office/drawing/2010/main" val="0"/>
+              </a:ext>
+            </a:extLst>
+          </a:blip>
+          <a:stretch>
+            <a:fillRect/>
+          </a:stretch>
+        </p:blipFill>
+        <p:spPr>
+          <a:xfrm>
+            <a:off x="4048396" y="4541816"/>
+            <a:ext cx="5095604" cy="2316184"/>
+          </a:xfrm>
+          <a:prstGeom prst="rect">
+            <a:avLst/>
+          </a:prstGeom>
+        </p:spPr>
+      </p:pic>
     </p:spTree>
     <p:extLst>
       <p:ext uri="{BB962C8B-B14F-4D97-AF65-F5344CB8AC3E}">
@@ -6159,13 +6575,113 @@
           <a:lstStyle/>
           <a:p>
             <a:r>
-              <a:rPr lang="en-US" dirty="0" smtClean="0">
-                <a:solidFill>
-                  <a:schemeClr val="bg1"/>
+              <a:rPr lang="en-US" b="1" dirty="0" smtClean="0">
+                <a:solidFill>
+                  <a:srgbClr val="008AD3"/>
                 </a:solidFill>
               </a:rPr>
               <a:t>How it works</a:t>
             </a:r>
+            <a:endParaRPr lang="en-US" b="1" dirty="0">
+              <a:solidFill>
+                <a:srgbClr val="008AD3"/>
+              </a:solidFill>
+            </a:endParaRPr>
+          </a:p>
+        </p:txBody>
+      </p:sp>
+      <p:sp>
+        <p:nvSpPr>
+          <p:cNvPr id="3" name="Content Placeholder 2"/>
+          <p:cNvSpPr>
+            <a:spLocks noGrp="1"/>
+          </p:cNvSpPr>
+          <p:nvPr>
+            <p:ph idx="1"/>
+          </p:nvPr>
+        </p:nvSpPr>
+        <p:spPr/>
+        <p:txBody>
+          <a:bodyPr/>
+          <a:lstStyle/>
+          <a:p>
+            <a:pPr>
+              <a:buClr>
+                <a:srgbClr val="91D7EC"/>
+              </a:buClr>
+            </a:pPr>
+            <a:endParaRPr lang="en-US" dirty="0" smtClean="0">
+              <a:solidFill>
+                <a:schemeClr val="bg1"/>
+              </a:solidFill>
+            </a:endParaRPr>
+          </a:p>
+          <a:p>
+            <a:pPr>
+              <a:buClr>
+                <a:srgbClr val="91D7EC"/>
+              </a:buClr>
+            </a:pPr>
+            <a:r>
+              <a:rPr lang="en-US" dirty="0" smtClean="0">
+                <a:solidFill>
+                  <a:schemeClr val="bg1"/>
+                </a:solidFill>
+              </a:rPr>
+              <a:t>MySQL</a:t>
+            </a:r>
+          </a:p>
+          <a:p>
+            <a:pPr>
+              <a:buClr>
+                <a:srgbClr val="91D7EC"/>
+              </a:buClr>
+            </a:pPr>
+            <a:r>
+              <a:rPr lang="en-US" dirty="0" smtClean="0">
+                <a:solidFill>
+                  <a:schemeClr val="bg1"/>
+                </a:solidFill>
+              </a:rPr>
+              <a:t>PHP</a:t>
+            </a:r>
+          </a:p>
+          <a:p>
+            <a:pPr>
+              <a:buClr>
+                <a:srgbClr val="91D7EC"/>
+              </a:buClr>
+            </a:pPr>
+            <a:r>
+              <a:rPr lang="en-US" dirty="0" smtClean="0">
+                <a:solidFill>
+                  <a:schemeClr val="bg1"/>
+                </a:solidFill>
+              </a:rPr>
+              <a:t>JavaScript</a:t>
+            </a:r>
+          </a:p>
+          <a:p>
+            <a:pPr>
+              <a:buClr>
+                <a:srgbClr val="91D7EC"/>
+              </a:buClr>
+            </a:pPr>
+            <a:r>
+              <a:rPr lang="en-US" dirty="0" smtClean="0">
+                <a:solidFill>
+                  <a:schemeClr val="bg1"/>
+                </a:solidFill>
+              </a:rPr>
+              <a:t>HTML</a:t>
+            </a:r>
+          </a:p>
+          <a:p>
+            <a:pPr>
+              <a:buClr>
+                <a:srgbClr val="91D7EC"/>
+              </a:buClr>
+            </a:pPr>
             <a:endParaRPr lang="en-US" dirty="0">
               <a:solidFill>
                 <a:schemeClr val="bg1"/>
@@ -6174,76 +6690,36 @@
           </a:p>
         </p:txBody>
       </p:sp>
-      <p:sp>
-        <p:nvSpPr>
-          <p:cNvPr id="3" name="Content Placeholder 2"/>
-          <p:cNvSpPr>
-            <a:spLocks noGrp="1"/>
-          </p:cNvSpPr>
-          <p:nvPr>
-            <p:ph idx="1"/>
-          </p:nvPr>
-        </p:nvSpPr>
-        <p:spPr/>
-        <p:txBody>
-          <a:bodyPr/>
-          <a:lstStyle/>
-          <a:p>
-            <a:endParaRPr lang="en-US" dirty="0" smtClean="0">
-              <a:solidFill>
-                <a:schemeClr val="bg1"/>
-              </a:solidFill>
-            </a:endParaRPr>
-          </a:p>
-          <a:p>
-            <a:r>
-              <a:rPr lang="en-US" dirty="0" smtClean="0">
-                <a:solidFill>
-                  <a:schemeClr val="bg1"/>
-                </a:solidFill>
-              </a:rPr>
-              <a:t>MySQL</a:t>
-            </a:r>
-          </a:p>
-          <a:p>
-            <a:r>
-              <a:rPr lang="en-US" dirty="0" smtClean="0">
-                <a:solidFill>
-                  <a:schemeClr val="bg1"/>
-                </a:solidFill>
-              </a:rPr>
-              <a:t>PHP</a:t>
-            </a:r>
-          </a:p>
-          <a:p>
-            <a:r>
-              <a:rPr lang="en-US" dirty="0" smtClean="0">
-                <a:solidFill>
-                  <a:schemeClr val="bg1"/>
-                </a:solidFill>
-              </a:rPr>
-              <a:t>JavaScript</a:t>
-            </a:r>
-          </a:p>
-          <a:p>
-            <a:r>
-              <a:rPr lang="en-US" dirty="0" smtClean="0">
-                <a:solidFill>
-                  <a:schemeClr val="bg1"/>
-                </a:solidFill>
-              </a:rPr>
-              <a:t>HTML</a:t>
-            </a:r>
-          </a:p>
-          <a:p>
-            <a:endParaRPr lang="en-US" dirty="0">
-              <a:solidFill>
-                <a:schemeClr val="bg1"/>
-              </a:solidFill>
-            </a:endParaRPr>
-          </a:p>
-        </p:txBody>
-      </p:sp>
+      <p:pic>
+        <p:nvPicPr>
+          <p:cNvPr id="4" name="Picture 3"/>
+          <p:cNvPicPr>
+            <a:picLocks noChangeAspect="1"/>
+          </p:cNvPicPr>
+          <p:nvPr/>
+        </p:nvPicPr>
+        <p:blipFill>
+          <a:blip r:embed="rId3">
+            <a:extLst>
+              <a:ext uri="{28A0092B-C50C-407E-A947-70E740481C1C}">
+                <a14:useLocalDpi xmlns:a14="http://schemas.microsoft.com/office/drawing/2010/main" val="0"/>
+              </a:ext>
+            </a:extLst>
+          </a:blip>
+          <a:stretch>
+            <a:fillRect/>
+          </a:stretch>
+        </p:blipFill>
+        <p:spPr>
+          <a:xfrm>
+            <a:off x="4048396" y="4541816"/>
+            <a:ext cx="5095604" cy="2316184"/>
+          </a:xfrm>
+          <a:prstGeom prst="rect">
+            <a:avLst/>
+          </a:prstGeom>
+        </p:spPr>
+      </p:pic>
     </p:spTree>
     <p:extLst>
       <p:ext uri="{BB962C8B-B14F-4D97-AF65-F5344CB8AC3E}">
@@ -6290,16 +6766,16 @@
           <a:lstStyle/>
           <a:p>
             <a:r>
-              <a:rPr lang="en-NZ" dirty="0" smtClean="0">
-                <a:solidFill>
-                  <a:schemeClr val="bg1"/>
+              <a:rPr lang="en-NZ" b="1" dirty="0" smtClean="0">
+                <a:solidFill>
+                  <a:srgbClr val="008AD3"/>
                 </a:solidFill>
               </a:rPr>
               <a:t>How it works</a:t>
             </a:r>
-            <a:endParaRPr lang="en-NZ" dirty="0">
+            <a:endParaRPr lang="en-NZ" b="1" dirty="0">
               <a:solidFill>
-                <a:schemeClr val="bg1"/>
+                <a:srgbClr val="008AD3"/>
               </a:solidFill>
             </a:endParaRPr>
           </a:p>
@@ -6320,6 +6796,11 @@
           <a:bodyPr/>
           <a:lstStyle/>
           <a:p>
+            <a:pPr>
+              <a:buClr>
+                <a:srgbClr val="91D7EC"/>
+              </a:buClr>
+            </a:pPr>
             <a:endParaRPr lang="en-NZ" b="1" dirty="0" smtClean="0">
               <a:solidFill>
                 <a:schemeClr val="bg1"/>
@@ -6327,6 +6808,11 @@
             </a:endParaRPr>
           </a:p>
           <a:p>
+            <a:pPr>
+              <a:buClr>
+                <a:srgbClr val="91D7EC"/>
+              </a:buClr>
+            </a:pPr>
             <a:r>
               <a:rPr lang="en-NZ" b="1" dirty="0" smtClean="0">
                 <a:solidFill>
@@ -6337,7 +6823,11 @@
             </a:r>
           </a:p>
           <a:p>
-            <a:pPr lvl="1"/>
+            <a:pPr lvl="1">
+              <a:buClr>
+                <a:srgbClr val="91D7EC"/>
+              </a:buClr>
+            </a:pPr>
             <a:r>
               <a:rPr lang="en-NZ" dirty="0" smtClean="0">
                 <a:solidFill>
@@ -6364,7 +6854,11 @@
             </a:r>
           </a:p>
           <a:p>
-            <a:pPr lvl="1"/>
+            <a:pPr lvl="1">
+              <a:buClr>
+                <a:srgbClr val="91D7EC"/>
+              </a:buClr>
+            </a:pPr>
             <a:r>
               <a:rPr lang="en-NZ" dirty="0" smtClean="0">
                 <a:solidFill>
@@ -6375,7 +6869,11 @@
             </a:r>
           </a:p>
           <a:p>
-            <a:pPr lvl="1"/>
+            <a:pPr lvl="1">
+              <a:buClr>
+                <a:srgbClr val="91D7EC"/>
+              </a:buClr>
+            </a:pPr>
             <a:r>
               <a:rPr lang="en-NZ" dirty="0" smtClean="0">
                 <a:solidFill>
@@ -6387,6 +6885,36 @@
           </a:p>
         </p:txBody>
       </p:sp>
+      <p:pic>
+        <p:nvPicPr>
+          <p:cNvPr id="4" name="Picture 3"/>
+          <p:cNvPicPr>
+            <a:picLocks noChangeAspect="1"/>
+          </p:cNvPicPr>
+          <p:nvPr/>
+        </p:nvPicPr>
+        <p:blipFill>
+          <a:blip r:embed="rId3">
+            <a:extLst>
+              <a:ext uri="{28A0092B-C50C-407E-A947-70E740481C1C}">
+                <a14:useLocalDpi xmlns:a14="http://schemas.microsoft.com/office/drawing/2010/main" val="0"/>
+              </a:ext>
+            </a:extLst>
+          </a:blip>
+          <a:stretch>
+            <a:fillRect/>
+          </a:stretch>
+        </p:blipFill>
+        <p:spPr>
+          <a:xfrm>
+            <a:off x="4048396" y="4541816"/>
+            <a:ext cx="5095604" cy="2316184"/>
+          </a:xfrm>
+          <a:prstGeom prst="rect">
+            <a:avLst/>
+          </a:prstGeom>
+        </p:spPr>
+      </p:pic>
     </p:spTree>
     <p:extLst>
       <p:ext uri="{BB962C8B-B14F-4D97-AF65-F5344CB8AC3E}">

--- a/Test/Presentations/Iteration 3.pptx
+++ b/Test/Presentations/Iteration 3.pptx
@@ -4850,6 +4850,45 @@
           </a:prstGeom>
         </p:spPr>
       </p:pic>
+      <p:sp>
+        <p:nvSpPr>
+          <p:cNvPr id="6" name="TextBox 5"/>
+          <p:cNvSpPr txBox="1"/>
+          <p:nvPr/>
+        </p:nvSpPr>
+        <p:spPr>
+          <a:xfrm>
+            <a:off x="1" y="6488668"/>
+            <a:ext cx="1142999" cy="369332"/>
+          </a:xfrm>
+          <a:prstGeom prst="rect">
+            <a:avLst/>
+          </a:prstGeom>
+          <a:noFill/>
+        </p:spPr>
+        <p:txBody>
+          <a:bodyPr wrap="square" rtlCol="0">
+            <a:spAutoFit/>
+          </a:bodyPr>
+          <a:lstStyle/>
+          <a:p>
+            <a:pPr algn="ctr"/>
+            <a:r>
+              <a:rPr lang="en-US" b="1" dirty="0">
+                <a:solidFill>
+                  <a:schemeClr val="bg1"/>
+                </a:solidFill>
+              </a:rPr>
+              <a:t>9</a:t>
+            </a:r>
+            <a:endParaRPr lang="en-US" b="1" dirty="0">
+              <a:solidFill>
+                <a:schemeClr val="bg1"/>
+              </a:solidFill>
+            </a:endParaRPr>
+          </a:p>
+        </p:txBody>
+      </p:sp>
     </p:spTree>
     <p:extLst>
       <p:ext uri="{BB962C8B-B14F-4D97-AF65-F5344CB8AC3E}">
@@ -5091,6 +5130,45 @@
           </a:prstGeom>
         </p:spPr>
       </p:pic>
+      <p:sp>
+        <p:nvSpPr>
+          <p:cNvPr id="6" name="TextBox 5"/>
+          <p:cNvSpPr txBox="1"/>
+          <p:nvPr/>
+        </p:nvSpPr>
+        <p:spPr>
+          <a:xfrm>
+            <a:off x="1" y="6488668"/>
+            <a:ext cx="1142999" cy="369332"/>
+          </a:xfrm>
+          <a:prstGeom prst="rect">
+            <a:avLst/>
+          </a:prstGeom>
+          <a:noFill/>
+        </p:spPr>
+        <p:txBody>
+          <a:bodyPr wrap="square" rtlCol="0">
+            <a:spAutoFit/>
+          </a:bodyPr>
+          <a:lstStyle/>
+          <a:p>
+            <a:pPr algn="ctr"/>
+            <a:r>
+              <a:rPr lang="en-US" b="1" dirty="0" smtClean="0">
+                <a:solidFill>
+                  <a:schemeClr val="bg1"/>
+                </a:solidFill>
+              </a:rPr>
+              <a:t>10</a:t>
+            </a:r>
+            <a:endParaRPr lang="en-US" b="1" dirty="0">
+              <a:solidFill>
+                <a:schemeClr val="bg1"/>
+              </a:solidFill>
+            </a:endParaRPr>
+          </a:p>
+        </p:txBody>
+      </p:sp>
     </p:spTree>
     <p:extLst>
       <p:ext uri="{BB962C8B-B14F-4D97-AF65-F5344CB8AC3E}">
@@ -5241,6 +5319,45 @@
           </a:prstGeom>
         </p:spPr>
       </p:pic>
+      <p:sp>
+        <p:nvSpPr>
+          <p:cNvPr id="6" name="TextBox 5"/>
+          <p:cNvSpPr txBox="1"/>
+          <p:nvPr/>
+        </p:nvSpPr>
+        <p:spPr>
+          <a:xfrm>
+            <a:off x="1" y="6488668"/>
+            <a:ext cx="1142999" cy="369332"/>
+          </a:xfrm>
+          <a:prstGeom prst="rect">
+            <a:avLst/>
+          </a:prstGeom>
+          <a:noFill/>
+        </p:spPr>
+        <p:txBody>
+          <a:bodyPr wrap="square" rtlCol="0">
+            <a:spAutoFit/>
+          </a:bodyPr>
+          <a:lstStyle/>
+          <a:p>
+            <a:pPr algn="ctr"/>
+            <a:r>
+              <a:rPr lang="en-US" b="1" dirty="0" smtClean="0">
+                <a:solidFill>
+                  <a:schemeClr val="bg1"/>
+                </a:solidFill>
+              </a:rPr>
+              <a:t>11</a:t>
+            </a:r>
+            <a:endParaRPr lang="en-US" b="1" dirty="0">
+              <a:solidFill>
+                <a:schemeClr val="bg1"/>
+              </a:solidFill>
+            </a:endParaRPr>
+          </a:p>
+        </p:txBody>
+      </p:sp>
     </p:spTree>
     <p:extLst>
       <p:ext uri="{BB962C8B-B14F-4D97-AF65-F5344CB8AC3E}">
@@ -5376,6 +5493,45 @@
           </a:prstGeom>
         </p:spPr>
       </p:pic>
+      <p:sp>
+        <p:nvSpPr>
+          <p:cNvPr id="6" name="TextBox 5"/>
+          <p:cNvSpPr txBox="1"/>
+          <p:nvPr/>
+        </p:nvSpPr>
+        <p:spPr>
+          <a:xfrm>
+            <a:off x="1" y="6488668"/>
+            <a:ext cx="1142999" cy="369332"/>
+          </a:xfrm>
+          <a:prstGeom prst="rect">
+            <a:avLst/>
+          </a:prstGeom>
+          <a:noFill/>
+        </p:spPr>
+        <p:txBody>
+          <a:bodyPr wrap="square" rtlCol="0">
+            <a:spAutoFit/>
+          </a:bodyPr>
+          <a:lstStyle/>
+          <a:p>
+            <a:pPr algn="ctr"/>
+            <a:r>
+              <a:rPr lang="en-US" b="1" dirty="0" smtClean="0">
+                <a:solidFill>
+                  <a:schemeClr val="bg1"/>
+                </a:solidFill>
+              </a:rPr>
+              <a:t>12</a:t>
+            </a:r>
+            <a:endParaRPr lang="en-US" b="1" dirty="0">
+              <a:solidFill>
+                <a:schemeClr val="bg1"/>
+              </a:solidFill>
+            </a:endParaRPr>
+          </a:p>
+        </p:txBody>
+      </p:sp>
     </p:spTree>
     <p:extLst>
       <p:ext uri="{BB962C8B-B14F-4D97-AF65-F5344CB8AC3E}">
@@ -5691,6 +5847,45 @@
           </a:prstGeom>
         </p:spPr>
       </p:pic>
+      <p:sp>
+        <p:nvSpPr>
+          <p:cNvPr id="6" name="TextBox 5"/>
+          <p:cNvSpPr txBox="1"/>
+          <p:nvPr/>
+        </p:nvSpPr>
+        <p:spPr>
+          <a:xfrm>
+            <a:off x="1" y="6488668"/>
+            <a:ext cx="1142999" cy="369332"/>
+          </a:xfrm>
+          <a:prstGeom prst="rect">
+            <a:avLst/>
+          </a:prstGeom>
+          <a:noFill/>
+        </p:spPr>
+        <p:txBody>
+          <a:bodyPr wrap="square" rtlCol="0">
+            <a:spAutoFit/>
+          </a:bodyPr>
+          <a:lstStyle/>
+          <a:p>
+            <a:pPr algn="ctr"/>
+            <a:r>
+              <a:rPr lang="en-US" b="1" dirty="0" smtClean="0">
+                <a:solidFill>
+                  <a:schemeClr val="bg1"/>
+                </a:solidFill>
+              </a:rPr>
+              <a:t>1</a:t>
+            </a:r>
+            <a:endParaRPr lang="en-US" b="1" dirty="0">
+              <a:solidFill>
+                <a:schemeClr val="bg1"/>
+              </a:solidFill>
+            </a:endParaRPr>
+          </a:p>
+        </p:txBody>
+      </p:sp>
     </p:spTree>
     <p:extLst>
       <p:ext uri="{BB962C8B-B14F-4D97-AF65-F5344CB8AC3E}">
@@ -5884,6 +6079,45 @@
           </a:prstGeom>
         </p:spPr>
       </p:pic>
+      <p:sp>
+        <p:nvSpPr>
+          <p:cNvPr id="6" name="TextBox 5"/>
+          <p:cNvSpPr txBox="1"/>
+          <p:nvPr/>
+        </p:nvSpPr>
+        <p:spPr>
+          <a:xfrm>
+            <a:off x="1" y="6488668"/>
+            <a:ext cx="1142999" cy="369332"/>
+          </a:xfrm>
+          <a:prstGeom prst="rect">
+            <a:avLst/>
+          </a:prstGeom>
+          <a:noFill/>
+        </p:spPr>
+        <p:txBody>
+          <a:bodyPr wrap="square" rtlCol="0">
+            <a:spAutoFit/>
+          </a:bodyPr>
+          <a:lstStyle/>
+          <a:p>
+            <a:pPr algn="ctr"/>
+            <a:r>
+              <a:rPr lang="en-US" b="1" dirty="0" smtClean="0">
+                <a:solidFill>
+                  <a:schemeClr val="bg1"/>
+                </a:solidFill>
+              </a:rPr>
+              <a:t>2</a:t>
+            </a:r>
+            <a:endParaRPr lang="en-US" b="1" dirty="0">
+              <a:solidFill>
+                <a:schemeClr val="bg1"/>
+              </a:solidFill>
+            </a:endParaRPr>
+          </a:p>
+        </p:txBody>
+      </p:sp>
     </p:spTree>
     <p:extLst>
       <p:ext uri="{BB962C8B-B14F-4D97-AF65-F5344CB8AC3E}">
@@ -6068,6 +6302,45 @@
           </a:prstGeom>
         </p:spPr>
       </p:pic>
+      <p:sp>
+        <p:nvSpPr>
+          <p:cNvPr id="6" name="TextBox 5"/>
+          <p:cNvSpPr txBox="1"/>
+          <p:nvPr/>
+        </p:nvSpPr>
+        <p:spPr>
+          <a:xfrm>
+            <a:off x="1" y="6488668"/>
+            <a:ext cx="1142999" cy="369332"/>
+          </a:xfrm>
+          <a:prstGeom prst="rect">
+            <a:avLst/>
+          </a:prstGeom>
+          <a:noFill/>
+        </p:spPr>
+        <p:txBody>
+          <a:bodyPr wrap="square" rtlCol="0">
+            <a:spAutoFit/>
+          </a:bodyPr>
+          <a:lstStyle/>
+          <a:p>
+            <a:pPr algn="ctr"/>
+            <a:r>
+              <a:rPr lang="en-US" b="1" dirty="0">
+                <a:solidFill>
+                  <a:schemeClr val="bg1"/>
+                </a:solidFill>
+              </a:rPr>
+              <a:t>3</a:t>
+            </a:r>
+            <a:endParaRPr lang="en-US" b="1" dirty="0">
+              <a:solidFill>
+                <a:schemeClr val="bg1"/>
+              </a:solidFill>
+            </a:endParaRPr>
+          </a:p>
+        </p:txBody>
+      </p:sp>
     </p:spTree>
     <p:extLst>
       <p:ext uri="{BB962C8B-B14F-4D97-AF65-F5344CB8AC3E}">
@@ -6230,6 +6503,45 @@
           </a:prstGeom>
         </p:spPr>
       </p:pic>
+      <p:sp>
+        <p:nvSpPr>
+          <p:cNvPr id="6" name="TextBox 5"/>
+          <p:cNvSpPr txBox="1"/>
+          <p:nvPr/>
+        </p:nvSpPr>
+        <p:spPr>
+          <a:xfrm>
+            <a:off x="1" y="6488668"/>
+            <a:ext cx="1142999" cy="369332"/>
+          </a:xfrm>
+          <a:prstGeom prst="rect">
+            <a:avLst/>
+          </a:prstGeom>
+          <a:noFill/>
+        </p:spPr>
+        <p:txBody>
+          <a:bodyPr wrap="square" rtlCol="0">
+            <a:spAutoFit/>
+          </a:bodyPr>
+          <a:lstStyle/>
+          <a:p>
+            <a:pPr algn="ctr"/>
+            <a:r>
+              <a:rPr lang="en-US" b="1" dirty="0">
+                <a:solidFill>
+                  <a:schemeClr val="bg1"/>
+                </a:solidFill>
+              </a:rPr>
+              <a:t>4</a:t>
+            </a:r>
+            <a:endParaRPr lang="en-US" b="1" dirty="0">
+              <a:solidFill>
+                <a:schemeClr val="bg1"/>
+              </a:solidFill>
+            </a:endParaRPr>
+          </a:p>
+        </p:txBody>
+      </p:sp>
     </p:spTree>
     <p:extLst>
       <p:ext uri="{BB962C8B-B14F-4D97-AF65-F5344CB8AC3E}">
@@ -6389,6 +6701,45 @@
           </a:prstGeom>
         </p:spPr>
       </p:pic>
+      <p:sp>
+        <p:nvSpPr>
+          <p:cNvPr id="6" name="TextBox 5"/>
+          <p:cNvSpPr txBox="1"/>
+          <p:nvPr/>
+        </p:nvSpPr>
+        <p:spPr>
+          <a:xfrm>
+            <a:off x="1" y="6488668"/>
+            <a:ext cx="1142999" cy="369332"/>
+          </a:xfrm>
+          <a:prstGeom prst="rect">
+            <a:avLst/>
+          </a:prstGeom>
+          <a:noFill/>
+        </p:spPr>
+        <p:txBody>
+          <a:bodyPr wrap="square" rtlCol="0">
+            <a:spAutoFit/>
+          </a:bodyPr>
+          <a:lstStyle/>
+          <a:p>
+            <a:pPr algn="ctr"/>
+            <a:r>
+              <a:rPr lang="en-US" b="1" dirty="0">
+                <a:solidFill>
+                  <a:schemeClr val="bg1"/>
+                </a:solidFill>
+              </a:rPr>
+              <a:t>5</a:t>
+            </a:r>
+            <a:endParaRPr lang="en-US" b="1" dirty="0">
+              <a:solidFill>
+                <a:schemeClr val="bg1"/>
+              </a:solidFill>
+            </a:endParaRPr>
+          </a:p>
+        </p:txBody>
+      </p:sp>
     </p:spTree>
     <p:extLst>
       <p:ext uri="{BB962C8B-B14F-4D97-AF65-F5344CB8AC3E}">
@@ -6529,6 +6880,40 @@
           </a:prstGeom>
         </p:spPr>
       </p:pic>
+      <p:sp>
+        <p:nvSpPr>
+          <p:cNvPr id="6" name="TextBox 5"/>
+          <p:cNvSpPr txBox="1"/>
+          <p:nvPr/>
+        </p:nvSpPr>
+        <p:spPr>
+          <a:xfrm>
+            <a:off x="1" y="6488668"/>
+            <a:ext cx="1142999" cy="369332"/>
+          </a:xfrm>
+          <a:prstGeom prst="rect">
+            <a:avLst/>
+          </a:prstGeom>
+          <a:noFill/>
+        </p:spPr>
+        <p:txBody>
+          <a:bodyPr wrap="square" rtlCol="0">
+            <a:spAutoFit/>
+          </a:bodyPr>
+          <a:lstStyle/>
+          <a:p>
+            <a:pPr algn="ctr"/>
+            <a:r>
+              <a:rPr lang="en-US" b="1" dirty="0">
+                <a:solidFill>
+                  <a:schemeClr val="bg1"/>
+                </a:solidFill>
+              </a:rPr>
+              <a:t>6</a:t>
+            </a:r>
+          </a:p>
+        </p:txBody>
+      </p:sp>
     </p:spTree>
     <p:extLst>
       <p:ext uri="{BB962C8B-B14F-4D97-AF65-F5344CB8AC3E}">
@@ -6720,6 +7105,45 @@
           </a:prstGeom>
         </p:spPr>
       </p:pic>
+      <p:sp>
+        <p:nvSpPr>
+          <p:cNvPr id="6" name="TextBox 5"/>
+          <p:cNvSpPr txBox="1"/>
+          <p:nvPr/>
+        </p:nvSpPr>
+        <p:spPr>
+          <a:xfrm>
+            <a:off x="1" y="6488668"/>
+            <a:ext cx="1142999" cy="369332"/>
+          </a:xfrm>
+          <a:prstGeom prst="rect">
+            <a:avLst/>
+          </a:prstGeom>
+          <a:noFill/>
+        </p:spPr>
+        <p:txBody>
+          <a:bodyPr wrap="square" rtlCol="0">
+            <a:spAutoFit/>
+          </a:bodyPr>
+          <a:lstStyle/>
+          <a:p>
+            <a:pPr algn="ctr"/>
+            <a:r>
+              <a:rPr lang="en-US" b="1" dirty="0">
+                <a:solidFill>
+                  <a:schemeClr val="bg1"/>
+                </a:solidFill>
+              </a:rPr>
+              <a:t>7</a:t>
+            </a:r>
+            <a:endParaRPr lang="en-US" b="1" dirty="0">
+              <a:solidFill>
+                <a:schemeClr val="bg1"/>
+              </a:solidFill>
+            </a:endParaRPr>
+          </a:p>
+        </p:txBody>
+      </p:sp>
     </p:spTree>
     <p:extLst>
       <p:ext uri="{BB962C8B-B14F-4D97-AF65-F5344CB8AC3E}">
@@ -6915,6 +7339,45 @@
           </a:prstGeom>
         </p:spPr>
       </p:pic>
+      <p:sp>
+        <p:nvSpPr>
+          <p:cNvPr id="6" name="TextBox 5"/>
+          <p:cNvSpPr txBox="1"/>
+          <p:nvPr/>
+        </p:nvSpPr>
+        <p:spPr>
+          <a:xfrm>
+            <a:off x="1" y="6488668"/>
+            <a:ext cx="1142999" cy="369332"/>
+          </a:xfrm>
+          <a:prstGeom prst="rect">
+            <a:avLst/>
+          </a:prstGeom>
+          <a:noFill/>
+        </p:spPr>
+        <p:txBody>
+          <a:bodyPr wrap="square" rtlCol="0">
+            <a:spAutoFit/>
+          </a:bodyPr>
+          <a:lstStyle/>
+          <a:p>
+            <a:pPr algn="ctr"/>
+            <a:r>
+              <a:rPr lang="en-US" b="1" dirty="0">
+                <a:solidFill>
+                  <a:schemeClr val="bg1"/>
+                </a:solidFill>
+              </a:rPr>
+              <a:t>8</a:t>
+            </a:r>
+            <a:endParaRPr lang="en-US" b="1" dirty="0">
+              <a:solidFill>
+                <a:schemeClr val="bg1"/>
+              </a:solidFill>
+            </a:endParaRPr>
+          </a:p>
+        </p:txBody>
+      </p:sp>
     </p:spTree>
     <p:extLst>
       <p:ext uri="{BB962C8B-B14F-4D97-AF65-F5344CB8AC3E}">

--- a/Test/Presentations/Iteration 3.pptx
+++ b/Test/Presentations/Iteration 3.pptx
@@ -805,6 +805,182 @@
 </p:notes>
 </file>
 
+<file path=ppt/notesSlides/notesSlide12.xml><?xml version="1.0" encoding="utf-8"?>
+<p:notes xmlns:a="http://schemas.openxmlformats.org/drawingml/2006/main" xmlns:r="http://schemas.openxmlformats.org/officeDocument/2006/relationships" xmlns:p="http://schemas.openxmlformats.org/presentationml/2006/main">
+  <p:cSld>
+    <p:spTree>
+      <p:nvGrpSpPr>
+        <p:cNvPr id="1" name=""/>
+        <p:cNvGrpSpPr/>
+        <p:nvPr/>
+      </p:nvGrpSpPr>
+      <p:grpSpPr>
+        <a:xfrm>
+          <a:off x="0" y="0"/>
+          <a:ext cx="0" cy="0"/>
+          <a:chOff x="0" y="0"/>
+          <a:chExt cx="0" cy="0"/>
+        </a:xfrm>
+      </p:grpSpPr>
+      <p:sp>
+        <p:nvSpPr>
+          <p:cNvPr id="2" name="Slide Image Placeholder 1"/>
+          <p:cNvSpPr>
+            <a:spLocks noGrp="1" noRot="1" noChangeAspect="1"/>
+          </p:cNvSpPr>
+          <p:nvPr>
+            <p:ph type="sldImg"/>
+          </p:nvPr>
+        </p:nvSpPr>
+        <p:spPr/>
+      </p:sp>
+      <p:sp>
+        <p:nvSpPr>
+          <p:cNvPr id="3" name="Notes Placeholder 2"/>
+          <p:cNvSpPr>
+            <a:spLocks noGrp="1"/>
+          </p:cNvSpPr>
+          <p:nvPr>
+            <p:ph type="body" idx="1"/>
+          </p:nvPr>
+        </p:nvSpPr>
+        <p:spPr/>
+        <p:txBody>
+          <a:bodyPr/>
+          <a:lstStyle/>
+          <a:p>
+            <a:r>
+              <a:rPr lang="en-US" dirty="0" smtClean="0"/>
+              <a:t>Sam</a:t>
+            </a:r>
+            <a:endParaRPr lang="en-US" dirty="0"/>
+          </a:p>
+        </p:txBody>
+      </p:sp>
+      <p:sp>
+        <p:nvSpPr>
+          <p:cNvPr id="4" name="Slide Number Placeholder 3"/>
+          <p:cNvSpPr>
+            <a:spLocks noGrp="1"/>
+          </p:cNvSpPr>
+          <p:nvPr>
+            <p:ph type="sldNum" sz="quarter" idx="10"/>
+          </p:nvPr>
+        </p:nvSpPr>
+        <p:spPr/>
+        <p:txBody>
+          <a:bodyPr/>
+          <a:lstStyle/>
+          <a:p>
+            <a:fld id="{D67E1E7E-CEC6-415A-B3C6-3A55A65B43EF}" type="slidenum">
+              <a:rPr lang="en-US" smtClean="0"/>
+              <a:t>12</a:t>
+            </a:fld>
+            <a:endParaRPr lang="en-US"/>
+          </a:p>
+        </p:txBody>
+      </p:sp>
+    </p:spTree>
+    <p:extLst>
+      <p:ext uri="{BB962C8B-B14F-4D97-AF65-F5344CB8AC3E}">
+        <p14:creationId xmlns:p14="http://schemas.microsoft.com/office/powerpoint/2010/main" val="1651224770"/>
+      </p:ext>
+    </p:extLst>
+  </p:cSld>
+  <p:clrMapOvr>
+    <a:masterClrMapping/>
+  </p:clrMapOvr>
+</p:notes>
+</file>
+
+<file path=ppt/notesSlides/notesSlide13.xml><?xml version="1.0" encoding="utf-8"?>
+<p:notes xmlns:a="http://schemas.openxmlformats.org/drawingml/2006/main" xmlns:r="http://schemas.openxmlformats.org/officeDocument/2006/relationships" xmlns:p="http://schemas.openxmlformats.org/presentationml/2006/main">
+  <p:cSld>
+    <p:spTree>
+      <p:nvGrpSpPr>
+        <p:cNvPr id="1" name=""/>
+        <p:cNvGrpSpPr/>
+        <p:nvPr/>
+      </p:nvGrpSpPr>
+      <p:grpSpPr>
+        <a:xfrm>
+          <a:off x="0" y="0"/>
+          <a:ext cx="0" cy="0"/>
+          <a:chOff x="0" y="0"/>
+          <a:chExt cx="0" cy="0"/>
+        </a:xfrm>
+      </p:grpSpPr>
+      <p:sp>
+        <p:nvSpPr>
+          <p:cNvPr id="2" name="Slide Image Placeholder 1"/>
+          <p:cNvSpPr>
+            <a:spLocks noGrp="1" noRot="1" noChangeAspect="1"/>
+          </p:cNvSpPr>
+          <p:nvPr>
+            <p:ph type="sldImg"/>
+          </p:nvPr>
+        </p:nvSpPr>
+        <p:spPr/>
+      </p:sp>
+      <p:sp>
+        <p:nvSpPr>
+          <p:cNvPr id="3" name="Notes Placeholder 2"/>
+          <p:cNvSpPr>
+            <a:spLocks noGrp="1"/>
+          </p:cNvSpPr>
+          <p:nvPr>
+            <p:ph type="body" idx="1"/>
+          </p:nvPr>
+        </p:nvSpPr>
+        <p:spPr/>
+        <p:txBody>
+          <a:bodyPr/>
+          <a:lstStyle/>
+          <a:p>
+            <a:r>
+              <a:rPr lang="en-US" dirty="0" smtClean="0"/>
+              <a:t>Sam</a:t>
+            </a:r>
+            <a:endParaRPr lang="en-US" dirty="0"/>
+          </a:p>
+        </p:txBody>
+      </p:sp>
+      <p:sp>
+        <p:nvSpPr>
+          <p:cNvPr id="4" name="Slide Number Placeholder 3"/>
+          <p:cNvSpPr>
+            <a:spLocks noGrp="1"/>
+          </p:cNvSpPr>
+          <p:nvPr>
+            <p:ph type="sldNum" sz="quarter" idx="10"/>
+          </p:nvPr>
+        </p:nvSpPr>
+        <p:spPr/>
+        <p:txBody>
+          <a:bodyPr/>
+          <a:lstStyle/>
+          <a:p>
+            <a:fld id="{D67E1E7E-CEC6-415A-B3C6-3A55A65B43EF}" type="slidenum">
+              <a:rPr lang="en-US" smtClean="0"/>
+              <a:t>13</a:t>
+            </a:fld>
+            <a:endParaRPr lang="en-US"/>
+          </a:p>
+        </p:txBody>
+      </p:sp>
+    </p:spTree>
+    <p:extLst>
+      <p:ext uri="{BB962C8B-B14F-4D97-AF65-F5344CB8AC3E}">
+        <p14:creationId xmlns:p14="http://schemas.microsoft.com/office/powerpoint/2010/main" val="1094081984"/>
+      </p:ext>
+    </p:extLst>
+  </p:cSld>
+  <p:clrMapOvr>
+    <a:masterClrMapping/>
+  </p:clrMapOvr>
+</p:notes>
+</file>
+
 <file path=ppt/notesSlides/notesSlide2.xml><?xml version="1.0" encoding="utf-8"?>
 <p:notes xmlns:a="http://schemas.openxmlformats.org/drawingml/2006/main" xmlns:r="http://schemas.openxmlformats.org/officeDocument/2006/relationships" xmlns:p="http://schemas.openxmlformats.org/presentationml/2006/main">
   <p:cSld>
@@ -851,7 +1027,17 @@
           <a:p>
             <a:r>
               <a:rPr lang="en-US" dirty="0" smtClean="0"/>
-              <a:t>This is what</a:t>
+              <a:t>Mason</a:t>
+            </a:r>
+          </a:p>
+          <a:p>
+            <a:r>
+              <a:rPr lang="en-US" dirty="0" smtClean="0"/>
+              <a:t>This </a:t>
+            </a:r>
+            <a:r>
+              <a:rPr lang="en-US" dirty="0" smtClean="0"/>
+              <a:t>is what</a:t>
             </a:r>
             <a:r>
               <a:rPr lang="en-US" baseline="0" dirty="0" smtClean="0"/>
@@ -1356,8 +1542,9 @@
           <a:p>
             <a:r>
               <a:rPr lang="en-US" dirty="0" smtClean="0"/>
-              <a:t>Whoever</a:t>
-            </a:r>
+              <a:t>Mason</a:t>
+            </a:r>
+            <a:endParaRPr lang="en-US" dirty="0" smtClean="0"/>
           </a:p>
           <a:p>
             <a:endParaRPr lang="en-US" dirty="0" smtClean="0"/>
@@ -1575,8 +1762,9 @@
           <a:p>
             <a:r>
               <a:rPr lang="en-US" dirty="0" smtClean="0"/>
-              <a:t>Sam</a:t>
-            </a:r>
+              <a:t>Andrew</a:t>
+            </a:r>
+            <a:endParaRPr lang="en-US" dirty="0" smtClean="0"/>
           </a:p>
           <a:p>
             <a:endParaRPr lang="en-US" dirty="0" smtClean="0"/>
@@ -4881,11 +5069,6 @@
               </a:rPr>
               <a:t>9</a:t>
             </a:r>
-            <a:endParaRPr lang="en-US" b="1" dirty="0">
-              <a:solidFill>
-                <a:schemeClr val="bg1"/>
-              </a:solidFill>
-            </a:endParaRPr>
           </a:p>
         </p:txBody>
       </p:sp>
@@ -5298,7 +5481,7 @@
           <p:nvPr/>
         </p:nvPicPr>
         <p:blipFill>
-          <a:blip r:embed="rId2">
+          <a:blip r:embed="rId3">
             <a:extLst>
               <a:ext uri="{28A0092B-C50C-407E-A947-70E740481C1C}">
                 <a14:useLocalDpi xmlns:a14="http://schemas.microsoft.com/office/drawing/2010/main" val="0"/>
@@ -5472,7 +5655,7 @@
           <p:nvPr/>
         </p:nvPicPr>
         <p:blipFill>
-          <a:blip r:embed="rId2">
+          <a:blip r:embed="rId3">
             <a:extLst>
               <a:ext uri="{28A0092B-C50C-407E-A947-70E740481C1C}">
                 <a14:useLocalDpi xmlns:a14="http://schemas.microsoft.com/office/drawing/2010/main" val="0"/>
@@ -5777,8 +5960,37 @@
                   <a:schemeClr val="bg1"/>
                 </a:solidFill>
               </a:rPr>
-              <a:t>What the end product actually looks like</a:t>
-            </a:r>
+              <a:t>What the </a:t>
+            </a:r>
+            <a:r>
+              <a:rPr lang="en-NZ" dirty="0" smtClean="0">
+                <a:solidFill>
+                  <a:schemeClr val="bg1"/>
+                </a:solidFill>
+              </a:rPr>
+              <a:t>End Product </a:t>
+            </a:r>
+            <a:r>
+              <a:rPr lang="en-NZ" dirty="0" smtClean="0">
+                <a:solidFill>
+                  <a:schemeClr val="bg1"/>
+                </a:solidFill>
+              </a:rPr>
+              <a:t>actually </a:t>
+            </a:r>
+            <a:r>
+              <a:rPr lang="en-NZ" dirty="0" smtClean="0">
+                <a:solidFill>
+                  <a:schemeClr val="bg1"/>
+                </a:solidFill>
+              </a:rPr>
+              <a:t>is</a:t>
+            </a:r>
+            <a:endParaRPr lang="en-NZ" dirty="0" smtClean="0">
+              <a:solidFill>
+                <a:schemeClr val="bg1"/>
+              </a:solidFill>
+            </a:endParaRPr>
           </a:p>
           <a:p>
             <a:pPr>
@@ -5792,8 +6004,21 @@
                   <a:schemeClr val="bg1"/>
                 </a:solidFill>
               </a:rPr>
-              <a:t>Live demonstration</a:t>
-            </a:r>
+              <a:t>Live </a:t>
+            </a:r>
+            <a:r>
+              <a:rPr lang="en-NZ" dirty="0" smtClean="0">
+                <a:solidFill>
+                  <a:schemeClr val="bg1"/>
+                </a:solidFill>
+              </a:rPr>
+              <a:t>Demonstration</a:t>
+            </a:r>
+            <a:endParaRPr lang="en-NZ" dirty="0" smtClean="0">
+              <a:solidFill>
+                <a:schemeClr val="bg1"/>
+              </a:solidFill>
+            </a:endParaRPr>
           </a:p>
           <a:p>
             <a:pPr>
@@ -6333,11 +6558,6 @@
               </a:rPr>
               <a:t>3</a:t>
             </a:r>
-            <a:endParaRPr lang="en-US" b="1" dirty="0">
-              <a:solidFill>
-                <a:schemeClr val="bg1"/>
-              </a:solidFill>
-            </a:endParaRPr>
           </a:p>
         </p:txBody>
       </p:sp>
@@ -6534,11 +6754,6 @@
               </a:rPr>
               <a:t>4</a:t>
             </a:r>
-            <a:endParaRPr lang="en-US" b="1" dirty="0">
-              <a:solidFill>
-                <a:schemeClr val="bg1"/>
-              </a:solidFill>
-            </a:endParaRPr>
           </a:p>
         </p:txBody>
       </p:sp>
@@ -6595,7 +6810,23 @@
                   <a:srgbClr val="008AD3"/>
                 </a:solidFill>
               </a:rPr>
-              <a:t>What we hoped the product would be</a:t>
+              <a:t>What we hoped the </a:t>
+            </a:r>
+            <a:r>
+              <a:rPr lang="en-NZ" b="1" dirty="0" smtClean="0">
+                <a:solidFill>
+                  <a:srgbClr val="008AD3"/>
+                </a:solidFill>
+              </a:rPr>
+              <a:t>Product </a:t>
+            </a:r>
+            <a:r>
+              <a:rPr lang="en-NZ" b="1" dirty="0" smtClean="0">
+                <a:solidFill>
+                  <a:srgbClr val="008AD3"/>
+                </a:solidFill>
+              </a:rPr>
+              <a:t>would be</a:t>
             </a:r>
             <a:endParaRPr lang="en-NZ" b="1" dirty="0">
               <a:solidFill>
@@ -6732,11 +6963,6 @@
               </a:rPr>
               <a:t>5</a:t>
             </a:r>
-            <a:endParaRPr lang="en-US" b="1" dirty="0">
-              <a:solidFill>
-                <a:schemeClr val="bg1"/>
-              </a:solidFill>
-            </a:endParaRPr>
           </a:p>
         </p:txBody>
       </p:sp>
@@ -6791,7 +7017,31 @@
                   <a:srgbClr val="008AD3"/>
                 </a:solidFill>
               </a:rPr>
-              <a:t>The end product</a:t>
+              <a:t>The </a:t>
+            </a:r>
+            <a:r>
+              <a:rPr lang="en-NZ" b="1" dirty="0" smtClean="0">
+                <a:solidFill>
+                  <a:srgbClr val="008AD3"/>
+                </a:solidFill>
+              </a:rPr>
+              <a:t>End </a:t>
+            </a:r>
+            <a:r>
+              <a:rPr lang="en-NZ" b="1" dirty="0">
+                <a:solidFill>
+                  <a:srgbClr val="008AD3"/>
+                </a:solidFill>
+              </a:rPr>
+              <a:t>P</a:t>
+            </a:r>
+            <a:r>
+              <a:rPr lang="en-NZ" b="1" dirty="0" smtClean="0">
+                <a:solidFill>
+                  <a:srgbClr val="008AD3"/>
+                </a:solidFill>
+              </a:rPr>
+              <a:t>roduct</a:t>
             </a:r>
             <a:endParaRPr lang="en-NZ" b="1" dirty="0">
               <a:solidFill>
@@ -7136,11 +7386,6 @@
               </a:rPr>
               <a:t>7</a:t>
             </a:r>
-            <a:endParaRPr lang="en-US" b="1" dirty="0">
-              <a:solidFill>
-                <a:schemeClr val="bg1"/>
-              </a:solidFill>
-            </a:endParaRPr>
           </a:p>
         </p:txBody>
       </p:sp>
@@ -7370,11 +7615,6 @@
               </a:rPr>
               <a:t>8</a:t>
             </a:r>
-            <a:endParaRPr lang="en-US" b="1" dirty="0">
-              <a:solidFill>
-                <a:schemeClr val="bg1"/>
-              </a:solidFill>
-            </a:endParaRPr>
           </a:p>
         </p:txBody>
       </p:sp>
